--- a/Presentation.pptx
+++ b/Presentation.pptx
@@ -2,8 +2,11 @@
 <file path=ppt/presentation.xml><?xml version="1.0" encoding="utf-8"?>
 <p:presentation xmlns:a="http://schemas.openxmlformats.org/drawingml/2006/main" xmlns:r="http://schemas.openxmlformats.org/officeDocument/2006/relationships" xmlns:p="http://schemas.openxmlformats.org/presentationml/2006/main" saveSubsetFonts="1" autoCompressPictures="0">
   <p:sldMasterIdLst>
-    <p:sldMasterId id="2147483648" r:id="rId1"/>
+    <p:sldMasterId id="2147483732" r:id="rId1"/>
   </p:sldMasterIdLst>
+  <p:notesMasterIdLst>
+    <p:notesMasterId r:id="rId21"/>
+  </p:notesMasterIdLst>
   <p:sldIdLst>
     <p:sldId id="256" r:id="rId2"/>
     <p:sldId id="257" r:id="rId3"/>
@@ -13,16 +16,17 @@
     <p:sldId id="260" r:id="rId7"/>
     <p:sldId id="261" r:id="rId8"/>
     <p:sldId id="262" r:id="rId9"/>
-    <p:sldId id="271" r:id="rId10"/>
-    <p:sldId id="263" r:id="rId11"/>
-    <p:sldId id="265" r:id="rId12"/>
-    <p:sldId id="264" r:id="rId13"/>
-    <p:sldId id="266" r:id="rId14"/>
-    <p:sldId id="267" r:id="rId15"/>
-    <p:sldId id="273" r:id="rId16"/>
-    <p:sldId id="268" r:id="rId17"/>
-    <p:sldId id="272" r:id="rId18"/>
-    <p:sldId id="269" r:id="rId19"/>
+    <p:sldId id="274" r:id="rId10"/>
+    <p:sldId id="271" r:id="rId11"/>
+    <p:sldId id="263" r:id="rId12"/>
+    <p:sldId id="265" r:id="rId13"/>
+    <p:sldId id="264" r:id="rId14"/>
+    <p:sldId id="266" r:id="rId15"/>
+    <p:sldId id="267" r:id="rId16"/>
+    <p:sldId id="273" r:id="rId17"/>
+    <p:sldId id="268" r:id="rId18"/>
+    <p:sldId id="272" r:id="rId19"/>
+    <p:sldId id="269" r:id="rId20"/>
   </p:sldIdLst>
   <p:sldSz cx="12192000" cy="6858000"/>
   <p:notesSz cx="6858000" cy="9144000"/>
@@ -129,9 +133,894 @@
 </p:presentation>
 </file>
 
+<file path=ppt/notesMasters/notesMaster1.xml><?xml version="1.0" encoding="utf-8"?>
+<p:notesMaster xmlns:a="http://schemas.openxmlformats.org/drawingml/2006/main" xmlns:r="http://schemas.openxmlformats.org/officeDocument/2006/relationships" xmlns:p="http://schemas.openxmlformats.org/presentationml/2006/main">
+  <p:cSld>
+    <p:bg>
+      <p:bgRef idx="1001">
+        <a:schemeClr val="bg1"/>
+      </p:bgRef>
+    </p:bg>
+    <p:spTree>
+      <p:nvGrpSpPr>
+        <p:cNvPr id="1" name=""/>
+        <p:cNvGrpSpPr/>
+        <p:nvPr/>
+      </p:nvGrpSpPr>
+      <p:grpSpPr>
+        <a:xfrm>
+          <a:off x="0" y="0"/>
+          <a:ext cx="0" cy="0"/>
+          <a:chOff x="0" y="0"/>
+          <a:chExt cx="0" cy="0"/>
+        </a:xfrm>
+      </p:grpSpPr>
+      <p:sp>
+        <p:nvSpPr>
+          <p:cNvPr id="2" name="Header Placeholder 1"/>
+          <p:cNvSpPr>
+            <a:spLocks noGrp="1"/>
+          </p:cNvSpPr>
+          <p:nvPr>
+            <p:ph type="hdr" sz="quarter"/>
+          </p:nvPr>
+        </p:nvSpPr>
+        <p:spPr>
+          <a:xfrm>
+            <a:off x="0" y="0"/>
+            <a:ext cx="2971800" cy="458788"/>
+          </a:xfrm>
+          <a:prstGeom prst="rect">
+            <a:avLst/>
+          </a:prstGeom>
+        </p:spPr>
+        <p:txBody>
+          <a:bodyPr vert="horz" lIns="91440" tIns="45720" rIns="91440" bIns="45720" rtlCol="0"/>
+          <a:lstStyle>
+            <a:lvl1pPr algn="l">
+              <a:defRPr sz="1200"/>
+            </a:lvl1pPr>
+          </a:lstStyle>
+          <a:p>
+            <a:endParaRPr lang="en-US"/>
+          </a:p>
+        </p:txBody>
+      </p:sp>
+      <p:sp>
+        <p:nvSpPr>
+          <p:cNvPr id="3" name="Date Placeholder 2"/>
+          <p:cNvSpPr>
+            <a:spLocks noGrp="1"/>
+          </p:cNvSpPr>
+          <p:nvPr>
+            <p:ph type="dt" idx="1"/>
+          </p:nvPr>
+        </p:nvSpPr>
+        <p:spPr>
+          <a:xfrm>
+            <a:off x="3884613" y="0"/>
+            <a:ext cx="2971800" cy="458788"/>
+          </a:xfrm>
+          <a:prstGeom prst="rect">
+            <a:avLst/>
+          </a:prstGeom>
+        </p:spPr>
+        <p:txBody>
+          <a:bodyPr vert="horz" lIns="91440" tIns="45720" rIns="91440" bIns="45720" rtlCol="0"/>
+          <a:lstStyle>
+            <a:lvl1pPr algn="r">
+              <a:defRPr sz="1200"/>
+            </a:lvl1pPr>
+          </a:lstStyle>
+          <a:p>
+            <a:fld id="{67156ED9-F5AB-DD4D-A62E-55E00D9B5117}" type="datetimeFigureOut">
+              <a:rPr lang="en-US" smtClean="0"/>
+              <a:t>7/16/15</a:t>
+            </a:fld>
+            <a:endParaRPr lang="en-US"/>
+          </a:p>
+        </p:txBody>
+      </p:sp>
+      <p:sp>
+        <p:nvSpPr>
+          <p:cNvPr id="4" name="Slide Image Placeholder 3"/>
+          <p:cNvSpPr>
+            <a:spLocks noGrp="1" noRot="1" noChangeAspect="1"/>
+          </p:cNvSpPr>
+          <p:nvPr>
+            <p:ph type="sldImg" idx="2"/>
+          </p:nvPr>
+        </p:nvSpPr>
+        <p:spPr>
+          <a:xfrm>
+            <a:off x="685800" y="1143000"/>
+            <a:ext cx="5486400" cy="3086100"/>
+          </a:xfrm>
+          <a:prstGeom prst="rect">
+            <a:avLst/>
+          </a:prstGeom>
+          <a:noFill/>
+          <a:ln w="12700">
+            <a:solidFill>
+              <a:prstClr val="black"/>
+            </a:solidFill>
+          </a:ln>
+        </p:spPr>
+        <p:txBody>
+          <a:bodyPr vert="horz" lIns="91440" tIns="45720" rIns="91440" bIns="45720" rtlCol="0" anchor="ctr"/>
+          <a:lstStyle/>
+          <a:p>
+            <a:endParaRPr lang="en-US"/>
+          </a:p>
+        </p:txBody>
+      </p:sp>
+      <p:sp>
+        <p:nvSpPr>
+          <p:cNvPr id="5" name="Notes Placeholder 4"/>
+          <p:cNvSpPr>
+            <a:spLocks noGrp="1"/>
+          </p:cNvSpPr>
+          <p:nvPr>
+            <p:ph type="body" sz="quarter" idx="3"/>
+          </p:nvPr>
+        </p:nvSpPr>
+        <p:spPr>
+          <a:xfrm>
+            <a:off x="685800" y="4400550"/>
+            <a:ext cx="5486400" cy="3600450"/>
+          </a:xfrm>
+          <a:prstGeom prst="rect">
+            <a:avLst/>
+          </a:prstGeom>
+        </p:spPr>
+        <p:txBody>
+          <a:bodyPr vert="horz" lIns="91440" tIns="45720" rIns="91440" bIns="45720" rtlCol="0"/>
+          <a:lstStyle/>
+          <a:p>
+            <a:pPr lvl="0"/>
+            <a:r>
+              <a:rPr lang="en-US" smtClean="0"/>
+              <a:t>Click to edit Master text styles</a:t>
+            </a:r>
+          </a:p>
+          <a:p>
+            <a:pPr lvl="1"/>
+            <a:r>
+              <a:rPr lang="en-US" smtClean="0"/>
+              <a:t>Second level</a:t>
+            </a:r>
+          </a:p>
+          <a:p>
+            <a:pPr lvl="2"/>
+            <a:r>
+              <a:rPr lang="en-US" smtClean="0"/>
+              <a:t>Third level</a:t>
+            </a:r>
+          </a:p>
+          <a:p>
+            <a:pPr lvl="3"/>
+            <a:r>
+              <a:rPr lang="en-US" smtClean="0"/>
+              <a:t>Fourth level</a:t>
+            </a:r>
+          </a:p>
+          <a:p>
+            <a:pPr lvl="4"/>
+            <a:r>
+              <a:rPr lang="en-US" smtClean="0"/>
+              <a:t>Fifth level</a:t>
+            </a:r>
+            <a:endParaRPr lang="en-US"/>
+          </a:p>
+        </p:txBody>
+      </p:sp>
+      <p:sp>
+        <p:nvSpPr>
+          <p:cNvPr id="6" name="Footer Placeholder 5"/>
+          <p:cNvSpPr>
+            <a:spLocks noGrp="1"/>
+          </p:cNvSpPr>
+          <p:nvPr>
+            <p:ph type="ftr" sz="quarter" idx="4"/>
+          </p:nvPr>
+        </p:nvSpPr>
+        <p:spPr>
+          <a:xfrm>
+            <a:off x="0" y="8685213"/>
+            <a:ext cx="2971800" cy="458787"/>
+          </a:xfrm>
+          <a:prstGeom prst="rect">
+            <a:avLst/>
+          </a:prstGeom>
+        </p:spPr>
+        <p:txBody>
+          <a:bodyPr vert="horz" lIns="91440" tIns="45720" rIns="91440" bIns="45720" rtlCol="0" anchor="b"/>
+          <a:lstStyle>
+            <a:lvl1pPr algn="l">
+              <a:defRPr sz="1200"/>
+            </a:lvl1pPr>
+          </a:lstStyle>
+          <a:p>
+            <a:endParaRPr lang="en-US"/>
+          </a:p>
+        </p:txBody>
+      </p:sp>
+      <p:sp>
+        <p:nvSpPr>
+          <p:cNvPr id="7" name="Slide Number Placeholder 6"/>
+          <p:cNvSpPr>
+            <a:spLocks noGrp="1"/>
+          </p:cNvSpPr>
+          <p:nvPr>
+            <p:ph type="sldNum" sz="quarter" idx="5"/>
+          </p:nvPr>
+        </p:nvSpPr>
+        <p:spPr>
+          <a:xfrm>
+            <a:off x="3884613" y="8685213"/>
+            <a:ext cx="2971800" cy="458787"/>
+          </a:xfrm>
+          <a:prstGeom prst="rect">
+            <a:avLst/>
+          </a:prstGeom>
+        </p:spPr>
+        <p:txBody>
+          <a:bodyPr vert="horz" lIns="91440" tIns="45720" rIns="91440" bIns="45720" rtlCol="0" anchor="b"/>
+          <a:lstStyle>
+            <a:lvl1pPr algn="r">
+              <a:defRPr sz="1200"/>
+            </a:lvl1pPr>
+          </a:lstStyle>
+          <a:p>
+            <a:fld id="{B1D10BEF-4CE9-6A4C-A491-75F4C10D60FC}" type="slidenum">
+              <a:rPr lang="en-US" smtClean="0"/>
+              <a:t>‹#›</a:t>
+            </a:fld>
+            <a:endParaRPr lang="en-US"/>
+          </a:p>
+        </p:txBody>
+      </p:sp>
+    </p:spTree>
+    <p:extLst>
+      <p:ext uri="{BB962C8B-B14F-4D97-AF65-F5344CB8AC3E}">
+        <p14:creationId xmlns:p14="http://schemas.microsoft.com/office/powerpoint/2010/main" val="1708302647"/>
+      </p:ext>
+    </p:extLst>
+  </p:cSld>
+  <p:clrMap bg1="lt1" tx1="dk1" bg2="lt2" tx2="dk2" accent1="accent1" accent2="accent2" accent3="accent3" accent4="accent4" accent5="accent5" accent6="accent6" hlink="hlink" folHlink="folHlink"/>
+  <p:notesStyle>
+    <a:lvl1pPr marL="0" algn="l" defTabSz="914400" rtl="0" eaLnBrk="1" latinLnBrk="0" hangingPunct="1">
+      <a:defRPr sz="1200" kern="1200">
+        <a:solidFill>
+          <a:schemeClr val="tx1"/>
+        </a:solidFill>
+        <a:latin typeface="+mn-lt"/>
+        <a:ea typeface="+mn-ea"/>
+        <a:cs typeface="+mn-cs"/>
+      </a:defRPr>
+    </a:lvl1pPr>
+    <a:lvl2pPr marL="457200" algn="l" defTabSz="914400" rtl="0" eaLnBrk="1" latinLnBrk="0" hangingPunct="1">
+      <a:defRPr sz="1200" kern="1200">
+        <a:solidFill>
+          <a:schemeClr val="tx1"/>
+        </a:solidFill>
+        <a:latin typeface="+mn-lt"/>
+        <a:ea typeface="+mn-ea"/>
+        <a:cs typeface="+mn-cs"/>
+      </a:defRPr>
+    </a:lvl2pPr>
+    <a:lvl3pPr marL="914400" algn="l" defTabSz="914400" rtl="0" eaLnBrk="1" latinLnBrk="0" hangingPunct="1">
+      <a:defRPr sz="1200" kern="1200">
+        <a:solidFill>
+          <a:schemeClr val="tx1"/>
+        </a:solidFill>
+        <a:latin typeface="+mn-lt"/>
+        <a:ea typeface="+mn-ea"/>
+        <a:cs typeface="+mn-cs"/>
+      </a:defRPr>
+    </a:lvl3pPr>
+    <a:lvl4pPr marL="1371600" algn="l" defTabSz="914400" rtl="0" eaLnBrk="1" latinLnBrk="0" hangingPunct="1">
+      <a:defRPr sz="1200" kern="1200">
+        <a:solidFill>
+          <a:schemeClr val="tx1"/>
+        </a:solidFill>
+        <a:latin typeface="+mn-lt"/>
+        <a:ea typeface="+mn-ea"/>
+        <a:cs typeface="+mn-cs"/>
+      </a:defRPr>
+    </a:lvl4pPr>
+    <a:lvl5pPr marL="1828800" algn="l" defTabSz="914400" rtl="0" eaLnBrk="1" latinLnBrk="0" hangingPunct="1">
+      <a:defRPr sz="1200" kern="1200">
+        <a:solidFill>
+          <a:schemeClr val="tx1"/>
+        </a:solidFill>
+        <a:latin typeface="+mn-lt"/>
+        <a:ea typeface="+mn-ea"/>
+        <a:cs typeface="+mn-cs"/>
+      </a:defRPr>
+    </a:lvl5pPr>
+    <a:lvl6pPr marL="2286000" algn="l" defTabSz="914400" rtl="0" eaLnBrk="1" latinLnBrk="0" hangingPunct="1">
+      <a:defRPr sz="1200" kern="1200">
+        <a:solidFill>
+          <a:schemeClr val="tx1"/>
+        </a:solidFill>
+        <a:latin typeface="+mn-lt"/>
+        <a:ea typeface="+mn-ea"/>
+        <a:cs typeface="+mn-cs"/>
+      </a:defRPr>
+    </a:lvl6pPr>
+    <a:lvl7pPr marL="2743200" algn="l" defTabSz="914400" rtl="0" eaLnBrk="1" latinLnBrk="0" hangingPunct="1">
+      <a:defRPr sz="1200" kern="1200">
+        <a:solidFill>
+          <a:schemeClr val="tx1"/>
+        </a:solidFill>
+        <a:latin typeface="+mn-lt"/>
+        <a:ea typeface="+mn-ea"/>
+        <a:cs typeface="+mn-cs"/>
+      </a:defRPr>
+    </a:lvl7pPr>
+    <a:lvl8pPr marL="3200400" algn="l" defTabSz="914400" rtl="0" eaLnBrk="1" latinLnBrk="0" hangingPunct="1">
+      <a:defRPr sz="1200" kern="1200">
+        <a:solidFill>
+          <a:schemeClr val="tx1"/>
+        </a:solidFill>
+        <a:latin typeface="+mn-lt"/>
+        <a:ea typeface="+mn-ea"/>
+        <a:cs typeface="+mn-cs"/>
+      </a:defRPr>
+    </a:lvl8pPr>
+    <a:lvl9pPr marL="3657600" algn="l" defTabSz="914400" rtl="0" eaLnBrk="1" latinLnBrk="0" hangingPunct="1">
+      <a:defRPr sz="1200" kern="1200">
+        <a:solidFill>
+          <a:schemeClr val="tx1"/>
+        </a:solidFill>
+        <a:latin typeface="+mn-lt"/>
+        <a:ea typeface="+mn-ea"/>
+        <a:cs typeface="+mn-cs"/>
+      </a:defRPr>
+    </a:lvl9pPr>
+  </p:notesStyle>
+</p:notesMaster>
+</file>
+
+<file path=ppt/notesSlides/notesSlide1.xml><?xml version="1.0" encoding="utf-8"?>
+<p:notes xmlns:a="http://schemas.openxmlformats.org/drawingml/2006/main" xmlns:r="http://schemas.openxmlformats.org/officeDocument/2006/relationships" xmlns:p="http://schemas.openxmlformats.org/presentationml/2006/main">
+  <p:cSld>
+    <p:spTree>
+      <p:nvGrpSpPr>
+        <p:cNvPr id="1" name=""/>
+        <p:cNvGrpSpPr/>
+        <p:nvPr/>
+      </p:nvGrpSpPr>
+      <p:grpSpPr>
+        <a:xfrm>
+          <a:off x="0" y="0"/>
+          <a:ext cx="0" cy="0"/>
+          <a:chOff x="0" y="0"/>
+          <a:chExt cx="0" cy="0"/>
+        </a:xfrm>
+      </p:grpSpPr>
+      <p:sp>
+        <p:nvSpPr>
+          <p:cNvPr id="2" name="Slide Image Placeholder 1"/>
+          <p:cNvSpPr>
+            <a:spLocks noGrp="1" noRot="1" noChangeAspect="1"/>
+          </p:cNvSpPr>
+          <p:nvPr>
+            <p:ph type="sldImg"/>
+          </p:nvPr>
+        </p:nvSpPr>
+        <p:spPr/>
+      </p:sp>
+      <p:sp>
+        <p:nvSpPr>
+          <p:cNvPr id="3" name="Notes Placeholder 2"/>
+          <p:cNvSpPr>
+            <a:spLocks noGrp="1"/>
+          </p:cNvSpPr>
+          <p:nvPr>
+            <p:ph type="body" idx="1"/>
+          </p:nvPr>
+        </p:nvSpPr>
+        <p:spPr/>
+        <p:txBody>
+          <a:bodyPr/>
+          <a:lstStyle/>
+          <a:p>
+            <a:r>
+              <a:rPr lang="en-US" dirty="0" smtClean="0"/>
+              <a:t>Example of an easy bug</a:t>
+            </a:r>
+            <a:r>
+              <a:rPr lang="en-US" baseline="0" dirty="0" smtClean="0"/>
+              <a:t> to find with </a:t>
+            </a:r>
+            <a:r>
+              <a:rPr lang="en-US" baseline="0" dirty="0" err="1" smtClean="0"/>
+              <a:t>FindBugs</a:t>
+            </a:r>
+            <a:r>
+              <a:rPr lang="en-US" baseline="0" dirty="0" smtClean="0"/>
+              <a:t>:</a:t>
+            </a:r>
+          </a:p>
+          <a:p>
+            <a:pPr marL="171450" indent="-171450">
+              <a:buFontTx/>
+              <a:buChar char="-"/>
+            </a:pPr>
+            <a:r>
+              <a:rPr lang="en-US" baseline="0" dirty="0" smtClean="0"/>
+              <a:t>Infinite recursion</a:t>
+            </a:r>
+          </a:p>
+          <a:p>
+            <a:pPr marL="171450" indent="-171450">
+              <a:buFontTx/>
+              <a:buChar char="-"/>
+            </a:pPr>
+            <a:r>
+              <a:rPr lang="en-US" baseline="0" dirty="0" err="1" smtClean="0"/>
+              <a:t>S.toLower</a:t>
+            </a:r>
+            <a:r>
+              <a:rPr lang="en-US" baseline="0" dirty="0" smtClean="0"/>
+              <a:t>() where s is a to string</a:t>
+            </a:r>
+          </a:p>
+          <a:p>
+            <a:endParaRPr lang="en-US" dirty="0"/>
+          </a:p>
+        </p:txBody>
+      </p:sp>
+      <p:sp>
+        <p:nvSpPr>
+          <p:cNvPr id="4" name="Slide Number Placeholder 3"/>
+          <p:cNvSpPr>
+            <a:spLocks noGrp="1"/>
+          </p:cNvSpPr>
+          <p:nvPr>
+            <p:ph type="sldNum" sz="quarter" idx="10"/>
+          </p:nvPr>
+        </p:nvSpPr>
+        <p:spPr/>
+        <p:txBody>
+          <a:bodyPr/>
+          <a:lstStyle/>
+          <a:p>
+            <a:fld id="{B1D10BEF-4CE9-6A4C-A491-75F4C10D60FC}" type="slidenum">
+              <a:rPr lang="en-US" smtClean="0"/>
+              <a:t>5</a:t>
+            </a:fld>
+            <a:endParaRPr lang="en-US"/>
+          </a:p>
+        </p:txBody>
+      </p:sp>
+    </p:spTree>
+    <p:extLst>
+      <p:ext uri="{BB962C8B-B14F-4D97-AF65-F5344CB8AC3E}">
+        <p14:creationId xmlns:p14="http://schemas.microsoft.com/office/powerpoint/2010/main" val="521595368"/>
+      </p:ext>
+    </p:extLst>
+  </p:cSld>
+  <p:clrMapOvr>
+    <a:masterClrMapping/>
+  </p:clrMapOvr>
+</p:notes>
+</file>
+
+<file path=ppt/notesSlides/notesSlide2.xml><?xml version="1.0" encoding="utf-8"?>
+<p:notes xmlns:a="http://schemas.openxmlformats.org/drawingml/2006/main" xmlns:r="http://schemas.openxmlformats.org/officeDocument/2006/relationships" xmlns:p="http://schemas.openxmlformats.org/presentationml/2006/main">
+  <p:cSld>
+    <p:spTree>
+      <p:nvGrpSpPr>
+        <p:cNvPr id="1" name=""/>
+        <p:cNvGrpSpPr/>
+        <p:nvPr/>
+      </p:nvGrpSpPr>
+      <p:grpSpPr>
+        <a:xfrm>
+          <a:off x="0" y="0"/>
+          <a:ext cx="0" cy="0"/>
+          <a:chOff x="0" y="0"/>
+          <a:chExt cx="0" cy="0"/>
+        </a:xfrm>
+      </p:grpSpPr>
+      <p:sp>
+        <p:nvSpPr>
+          <p:cNvPr id="2" name="Slide Image Placeholder 1"/>
+          <p:cNvSpPr>
+            <a:spLocks noGrp="1" noRot="1" noChangeAspect="1"/>
+          </p:cNvSpPr>
+          <p:nvPr>
+            <p:ph type="sldImg"/>
+          </p:nvPr>
+        </p:nvSpPr>
+        <p:spPr/>
+      </p:sp>
+      <p:sp>
+        <p:nvSpPr>
+          <p:cNvPr id="3" name="Notes Placeholder 2"/>
+          <p:cNvSpPr>
+            <a:spLocks noGrp="1"/>
+          </p:cNvSpPr>
+          <p:nvPr>
+            <p:ph type="body" idx="1"/>
+          </p:nvPr>
+        </p:nvSpPr>
+        <p:spPr/>
+        <p:txBody>
+          <a:bodyPr/>
+          <a:lstStyle/>
+          <a:p>
+            <a:endParaRPr lang="en-US" dirty="0"/>
+          </a:p>
+        </p:txBody>
+      </p:sp>
+      <p:sp>
+        <p:nvSpPr>
+          <p:cNvPr id="4" name="Slide Number Placeholder 3"/>
+          <p:cNvSpPr>
+            <a:spLocks noGrp="1"/>
+          </p:cNvSpPr>
+          <p:nvPr>
+            <p:ph type="sldNum" sz="quarter" idx="10"/>
+          </p:nvPr>
+        </p:nvSpPr>
+        <p:spPr/>
+        <p:txBody>
+          <a:bodyPr/>
+          <a:lstStyle/>
+          <a:p>
+            <a:fld id="{B1D10BEF-4CE9-6A4C-A491-75F4C10D60FC}" type="slidenum">
+              <a:rPr lang="en-US" smtClean="0"/>
+              <a:t>7</a:t>
+            </a:fld>
+            <a:endParaRPr lang="en-US"/>
+          </a:p>
+        </p:txBody>
+      </p:sp>
+    </p:spTree>
+    <p:extLst>
+      <p:ext uri="{BB962C8B-B14F-4D97-AF65-F5344CB8AC3E}">
+        <p14:creationId xmlns:p14="http://schemas.microsoft.com/office/powerpoint/2010/main" val="1272469786"/>
+      </p:ext>
+    </p:extLst>
+  </p:cSld>
+  <p:clrMapOvr>
+    <a:masterClrMapping/>
+  </p:clrMapOvr>
+</p:notes>
+</file>
+
+<file path=ppt/notesSlides/notesSlide3.xml><?xml version="1.0" encoding="utf-8"?>
+<p:notes xmlns:a="http://schemas.openxmlformats.org/drawingml/2006/main" xmlns:r="http://schemas.openxmlformats.org/officeDocument/2006/relationships" xmlns:p="http://schemas.openxmlformats.org/presentationml/2006/main">
+  <p:cSld>
+    <p:spTree>
+      <p:nvGrpSpPr>
+        <p:cNvPr id="1" name=""/>
+        <p:cNvGrpSpPr/>
+        <p:nvPr/>
+      </p:nvGrpSpPr>
+      <p:grpSpPr>
+        <a:xfrm>
+          <a:off x="0" y="0"/>
+          <a:ext cx="0" cy="0"/>
+          <a:chOff x="0" y="0"/>
+          <a:chExt cx="0" cy="0"/>
+        </a:xfrm>
+      </p:grpSpPr>
+      <p:sp>
+        <p:nvSpPr>
+          <p:cNvPr id="2" name="Slide Image Placeholder 1"/>
+          <p:cNvSpPr>
+            <a:spLocks noGrp="1" noRot="1" noChangeAspect="1"/>
+          </p:cNvSpPr>
+          <p:nvPr>
+            <p:ph type="sldImg"/>
+          </p:nvPr>
+        </p:nvSpPr>
+        <p:spPr/>
+      </p:sp>
+      <p:sp>
+        <p:nvSpPr>
+          <p:cNvPr id="3" name="Notes Placeholder 2"/>
+          <p:cNvSpPr>
+            <a:spLocks noGrp="1"/>
+          </p:cNvSpPr>
+          <p:nvPr>
+            <p:ph type="body" idx="1"/>
+          </p:nvPr>
+        </p:nvSpPr>
+        <p:spPr/>
+        <p:txBody>
+          <a:bodyPr/>
+          <a:lstStyle/>
+          <a:p>
+            <a:endParaRPr lang="en-US"/>
+          </a:p>
+        </p:txBody>
+      </p:sp>
+      <p:sp>
+        <p:nvSpPr>
+          <p:cNvPr id="4" name="Slide Number Placeholder 3"/>
+          <p:cNvSpPr>
+            <a:spLocks noGrp="1"/>
+          </p:cNvSpPr>
+          <p:nvPr>
+            <p:ph type="sldNum" sz="quarter" idx="10"/>
+          </p:nvPr>
+        </p:nvSpPr>
+        <p:spPr/>
+        <p:txBody>
+          <a:bodyPr/>
+          <a:lstStyle/>
+          <a:p>
+            <a:fld id="{B1D10BEF-4CE9-6A4C-A491-75F4C10D60FC}" type="slidenum">
+              <a:rPr lang="en-US" smtClean="0"/>
+              <a:t>9</a:t>
+            </a:fld>
+            <a:endParaRPr lang="en-US"/>
+          </a:p>
+        </p:txBody>
+      </p:sp>
+    </p:spTree>
+    <p:extLst>
+      <p:ext uri="{BB962C8B-B14F-4D97-AF65-F5344CB8AC3E}">
+        <p14:creationId xmlns:p14="http://schemas.microsoft.com/office/powerpoint/2010/main" val="1857756970"/>
+      </p:ext>
+    </p:extLst>
+  </p:cSld>
+  <p:clrMapOvr>
+    <a:masterClrMapping/>
+  </p:clrMapOvr>
+</p:notes>
+</file>
+
 <file path=ppt/slideLayouts/slideLayout1.xml><?xml version="1.0" encoding="utf-8"?>
 <p:sldLayout xmlns:a="http://schemas.openxmlformats.org/drawingml/2006/main" xmlns:r="http://schemas.openxmlformats.org/officeDocument/2006/relationships" xmlns:p="http://schemas.openxmlformats.org/presentationml/2006/main" type="title" preserve="1">
   <p:cSld name="Title Slide">
+    <p:spTree>
+      <p:nvGrpSpPr>
+        <p:cNvPr id="1" name=""/>
+        <p:cNvGrpSpPr/>
+        <p:nvPr/>
+      </p:nvGrpSpPr>
+      <p:grpSpPr>
+        <a:xfrm>
+          <a:off x="0" y="0"/>
+          <a:ext cx="0" cy="0"/>
+          <a:chOff x="0" y="0"/>
+          <a:chExt cx="0" cy="0"/>
+        </a:xfrm>
+      </p:grpSpPr>
+      <p:pic>
+        <p:nvPicPr>
+          <p:cNvPr id="8" name="Picture 7" descr="C3-HD-BTM.png"/>
+          <p:cNvPicPr>
+            <a:picLocks noChangeAspect="1"/>
+          </p:cNvPicPr>
+          <p:nvPr/>
+        </p:nvPicPr>
+        <p:blipFill>
+          <a:blip r:embed="rId2">
+            <a:extLst>
+              <a:ext uri="{28A0092B-C50C-407E-A947-70E740481C1C}">
+                <a14:useLocalDpi xmlns:a14="http://schemas.microsoft.com/office/drawing/2010/main" val="0"/>
+              </a:ext>
+            </a:extLst>
+          </a:blip>
+          <a:stretch>
+            <a:fillRect/>
+          </a:stretch>
+        </p:blipFill>
+        <p:spPr>
+          <a:xfrm>
+            <a:off x="0" y="4375150"/>
+            <a:ext cx="12192000" cy="2482850"/>
+          </a:xfrm>
+          <a:prstGeom prst="rect">
+            <a:avLst/>
+          </a:prstGeom>
+        </p:spPr>
+      </p:pic>
+      <p:sp>
+        <p:nvSpPr>
+          <p:cNvPr id="2" name="Title 1"/>
+          <p:cNvSpPr>
+            <a:spLocks noGrp="1"/>
+          </p:cNvSpPr>
+          <p:nvPr>
+            <p:ph type="ctrTitle"/>
+          </p:nvPr>
+        </p:nvSpPr>
+        <p:spPr>
+          <a:xfrm>
+            <a:off x="1371600" y="1803405"/>
+            <a:ext cx="9448800" cy="1825096"/>
+          </a:xfrm>
+        </p:spPr>
+        <p:txBody>
+          <a:bodyPr anchor="b">
+            <a:normAutofit/>
+          </a:bodyPr>
+          <a:lstStyle>
+            <a:lvl1pPr algn="l">
+              <a:defRPr sz="6000"/>
+            </a:lvl1pPr>
+          </a:lstStyle>
+          <a:p>
+            <a:r>
+              <a:rPr lang="en-US" smtClean="0"/>
+              <a:t>Click to edit Master title style</a:t>
+            </a:r>
+            <a:endParaRPr lang="en-US" dirty="0"/>
+          </a:p>
+        </p:txBody>
+      </p:sp>
+      <p:sp>
+        <p:nvSpPr>
+          <p:cNvPr id="3" name="Subtitle 2"/>
+          <p:cNvSpPr>
+            <a:spLocks noGrp="1"/>
+          </p:cNvSpPr>
+          <p:nvPr>
+            <p:ph type="subTitle" idx="1"/>
+          </p:nvPr>
+        </p:nvSpPr>
+        <p:spPr>
+          <a:xfrm>
+            <a:off x="1371600" y="3632201"/>
+            <a:ext cx="9448800" cy="685800"/>
+          </a:xfrm>
+        </p:spPr>
+        <p:txBody>
+          <a:bodyPr>
+            <a:normAutofit/>
+          </a:bodyPr>
+          <a:lstStyle>
+            <a:lvl1pPr marL="0" indent="0" algn="l">
+              <a:buNone/>
+              <a:defRPr sz="2000"/>
+            </a:lvl1pPr>
+            <a:lvl2pPr marL="457200" indent="0" algn="ctr">
+              <a:buNone/>
+              <a:defRPr sz="2000"/>
+            </a:lvl2pPr>
+            <a:lvl3pPr marL="914400" indent="0" algn="ctr">
+              <a:buNone/>
+              <a:defRPr sz="1800"/>
+            </a:lvl3pPr>
+            <a:lvl4pPr marL="1371600" indent="0" algn="ctr">
+              <a:buNone/>
+              <a:defRPr sz="1600"/>
+            </a:lvl4pPr>
+            <a:lvl5pPr marL="1828800" indent="0" algn="ctr">
+              <a:buNone/>
+              <a:defRPr sz="1600"/>
+            </a:lvl5pPr>
+            <a:lvl6pPr marL="2286000" indent="0" algn="ctr">
+              <a:buNone/>
+              <a:defRPr sz="1600"/>
+            </a:lvl6pPr>
+            <a:lvl7pPr marL="2743200" indent="0" algn="ctr">
+              <a:buNone/>
+              <a:defRPr sz="1600"/>
+            </a:lvl7pPr>
+            <a:lvl8pPr marL="3200400" indent="0" algn="ctr">
+              <a:buNone/>
+              <a:defRPr sz="1600"/>
+            </a:lvl8pPr>
+            <a:lvl9pPr marL="3657600" indent="0" algn="ctr">
+              <a:buNone/>
+              <a:defRPr sz="1600"/>
+            </a:lvl9pPr>
+          </a:lstStyle>
+          <a:p>
+            <a:r>
+              <a:rPr lang="en-US" smtClean="0"/>
+              <a:t>Click to edit Master subtitle style</a:t>
+            </a:r>
+            <a:endParaRPr lang="en-US" dirty="0"/>
+          </a:p>
+        </p:txBody>
+      </p:sp>
+      <p:sp>
+        <p:nvSpPr>
+          <p:cNvPr id="4" name="Date Placeholder 3"/>
+          <p:cNvSpPr>
+            <a:spLocks noGrp="1"/>
+          </p:cNvSpPr>
+          <p:nvPr>
+            <p:ph type="dt" sz="half" idx="10"/>
+          </p:nvPr>
+        </p:nvSpPr>
+        <p:spPr>
+          <a:xfrm>
+            <a:off x="7909561" y="4314328"/>
+            <a:ext cx="2910840" cy="374642"/>
+          </a:xfrm>
+        </p:spPr>
+        <p:txBody>
+          <a:bodyPr/>
+          <a:lstStyle/>
+          <a:p>
+            <a:fld id="{456A5D27-D294-F149-B8B7-612BFCF4564A}" type="datetime1">
+              <a:rPr lang="en-US" smtClean="0"/>
+              <a:t>7/16/15</a:t>
+            </a:fld>
+            <a:endParaRPr lang="en-US"/>
+          </a:p>
+        </p:txBody>
+      </p:sp>
+      <p:sp>
+        <p:nvSpPr>
+          <p:cNvPr id="5" name="Footer Placeholder 4"/>
+          <p:cNvSpPr>
+            <a:spLocks noGrp="1"/>
+          </p:cNvSpPr>
+          <p:nvPr>
+            <p:ph type="ftr" sz="quarter" idx="11"/>
+          </p:nvPr>
+        </p:nvSpPr>
+        <p:spPr>
+          <a:xfrm>
+            <a:off x="1371600" y="4323845"/>
+            <a:ext cx="6400800" cy="365125"/>
+          </a:xfrm>
+        </p:spPr>
+        <p:txBody>
+          <a:bodyPr/>
+          <a:lstStyle/>
+          <a:p>
+            <a:endParaRPr lang="en-US"/>
+          </a:p>
+        </p:txBody>
+      </p:sp>
+      <p:sp>
+        <p:nvSpPr>
+          <p:cNvPr id="6" name="Slide Number Placeholder 5"/>
+          <p:cNvSpPr>
+            <a:spLocks noGrp="1"/>
+          </p:cNvSpPr>
+          <p:nvPr>
+            <p:ph type="sldNum" sz="quarter" idx="12"/>
+          </p:nvPr>
+        </p:nvSpPr>
+        <p:spPr>
+          <a:xfrm>
+            <a:off x="8077200" y="1430866"/>
+            <a:ext cx="2743200" cy="365125"/>
+          </a:xfrm>
+        </p:spPr>
+        <p:txBody>
+          <a:bodyPr/>
+          <a:lstStyle/>
+          <a:p>
+            <a:fld id="{524C641E-459D-4E41-BF05-7BD1DD7A8A9D}" type="slidenum">
+              <a:rPr lang="en-US" smtClean="0"/>
+              <a:t>‹#›</a:t>
+            </a:fld>
+            <a:endParaRPr lang="en-US"/>
+          </a:p>
+        </p:txBody>
+      </p:sp>
+    </p:spTree>
+    <p:extLst>
+      <p:ext uri="{BB962C8B-B14F-4D97-AF65-F5344CB8AC3E}">
+        <p14:creationId xmlns:p14="http://schemas.microsoft.com/office/powerpoint/2010/main" val="1605908235"/>
+      </p:ext>
+    </p:extLst>
+  </p:cSld>
+  <p:clrMapOvr>
+    <a:masterClrMapping/>
+  </p:clrMapOvr>
+</p:sldLayout>
+</file>
+
+<file path=ppt/slideLayouts/slideLayout10.xml><?xml version="1.0" encoding="utf-8"?>
+<p:sldLayout xmlns:a="http://schemas.openxmlformats.org/drawingml/2006/main" xmlns:r="http://schemas.openxmlformats.org/officeDocument/2006/relationships" xmlns:p="http://schemas.openxmlformats.org/presentationml/2006/main" preserve="1">
+  <p:cSld name="Panoramic Picture with Caption">
     <p:spTree>
       <p:nvGrpSpPr>
         <p:cNvPr id="1" name=""/>
@@ -153,20 +1042,20 @@
             <a:spLocks noGrp="1"/>
           </p:cNvSpPr>
           <p:nvPr>
-            <p:ph type="ctrTitle"/>
+            <p:ph type="title"/>
           </p:nvPr>
         </p:nvSpPr>
         <p:spPr>
           <a:xfrm>
-            <a:off x="1524000" y="1122363"/>
-            <a:ext cx="9144000" cy="2387600"/>
+            <a:off x="685777" y="4697360"/>
+            <a:ext cx="10822034" cy="819355"/>
           </a:xfrm>
         </p:spPr>
         <p:txBody>
           <a:bodyPr anchor="b"/>
           <a:lstStyle>
-            <a:lvl1pPr algn="ctr">
-              <a:defRPr sz="6000"/>
+            <a:lvl1pPr algn="l">
+              <a:defRPr sz="3200"/>
             </a:lvl1pPr>
           </a:lstStyle>
           <a:p>
@@ -174,78 +1063,143 @@
               <a:rPr lang="en-US" smtClean="0"/>
               <a:t>Click to edit Master title style</a:t>
             </a:r>
-            <a:endParaRPr lang="en-US"/>
+            <a:endParaRPr lang="en-US" dirty="0"/>
           </a:p>
         </p:txBody>
       </p:sp>
       <p:sp>
         <p:nvSpPr>
-          <p:cNvPr id="3" name="Subtitle 2"/>
+          <p:cNvPr id="3" name="Picture Placeholder 2"/>
+          <p:cNvSpPr>
+            <a:spLocks noGrp="1" noChangeAspect="1"/>
+          </p:cNvSpPr>
+          <p:nvPr>
+            <p:ph type="pic" idx="1"/>
+          </p:nvPr>
+        </p:nvSpPr>
+        <p:spPr>
+          <a:xfrm>
+            <a:off x="681727" y="941439"/>
+            <a:ext cx="10821840" cy="3478161"/>
+          </a:xfrm>
+        </p:spPr>
+        <p:txBody>
+          <a:bodyPr anchor="t"/>
+          <a:lstStyle>
+            <a:lvl1pPr marL="0" indent="0">
+              <a:buNone/>
+              <a:defRPr sz="3200"/>
+            </a:lvl1pPr>
+            <a:lvl2pPr marL="457200" indent="0">
+              <a:buNone/>
+              <a:defRPr sz="2800"/>
+            </a:lvl2pPr>
+            <a:lvl3pPr marL="914400" indent="0">
+              <a:buNone/>
+              <a:defRPr sz="2400"/>
+            </a:lvl3pPr>
+            <a:lvl4pPr marL="1371600" indent="0">
+              <a:buNone/>
+              <a:defRPr sz="2000"/>
+            </a:lvl4pPr>
+            <a:lvl5pPr marL="1828800" indent="0">
+              <a:buNone/>
+              <a:defRPr sz="2000"/>
+            </a:lvl5pPr>
+            <a:lvl6pPr marL="2286000" indent="0">
+              <a:buNone/>
+              <a:defRPr sz="2000"/>
+            </a:lvl6pPr>
+            <a:lvl7pPr marL="2743200" indent="0">
+              <a:buNone/>
+              <a:defRPr sz="2000"/>
+            </a:lvl7pPr>
+            <a:lvl8pPr marL="3200400" indent="0">
+              <a:buNone/>
+              <a:defRPr sz="2000"/>
+            </a:lvl8pPr>
+            <a:lvl9pPr marL="3657600" indent="0">
+              <a:buNone/>
+              <a:defRPr sz="2000"/>
+            </a:lvl9pPr>
+          </a:lstStyle>
+          <a:p>
+            <a:r>
+              <a:rPr lang="en-US" smtClean="0"/>
+              <a:t>Drag picture to placeholder or click icon to add</a:t>
+            </a:r>
+            <a:endParaRPr lang="en-US" dirty="0"/>
+          </a:p>
+        </p:txBody>
+      </p:sp>
+      <p:sp>
+        <p:nvSpPr>
+          <p:cNvPr id="4" name="Text Placeholder 3"/>
           <p:cNvSpPr>
             <a:spLocks noGrp="1"/>
           </p:cNvSpPr>
           <p:nvPr>
-            <p:ph type="subTitle" idx="1"/>
+            <p:ph type="body" sz="half" idx="2"/>
           </p:nvPr>
         </p:nvSpPr>
         <p:spPr>
           <a:xfrm>
-            <a:off x="1524000" y="3602038"/>
-            <a:ext cx="9144000" cy="1655762"/>
+            <a:off x="685800" y="5516715"/>
+            <a:ext cx="10820400" cy="701969"/>
           </a:xfrm>
         </p:spPr>
         <p:txBody>
           <a:bodyPr/>
           <a:lstStyle>
-            <a:lvl1pPr marL="0" indent="0" algn="ctr">
-              <a:buNone/>
-              <a:defRPr sz="2400"/>
+            <a:lvl1pPr marL="0" indent="0" algn="l">
+              <a:buNone/>
+              <a:defRPr sz="1600"/>
             </a:lvl1pPr>
-            <a:lvl2pPr marL="457200" indent="0" algn="ctr">
-              <a:buNone/>
-              <a:defRPr sz="2000"/>
+            <a:lvl2pPr marL="457200" indent="0">
+              <a:buNone/>
+              <a:defRPr sz="1400"/>
             </a:lvl2pPr>
-            <a:lvl3pPr marL="914400" indent="0" algn="ctr">
-              <a:buNone/>
-              <a:defRPr sz="1800"/>
+            <a:lvl3pPr marL="914400" indent="0">
+              <a:buNone/>
+              <a:defRPr sz="1200"/>
             </a:lvl3pPr>
-            <a:lvl4pPr marL="1371600" indent="0" algn="ctr">
-              <a:buNone/>
-              <a:defRPr sz="1600"/>
+            <a:lvl4pPr marL="1371600" indent="0">
+              <a:buNone/>
+              <a:defRPr sz="1000"/>
             </a:lvl4pPr>
-            <a:lvl5pPr marL="1828800" indent="0" algn="ctr">
-              <a:buNone/>
-              <a:defRPr sz="1600"/>
+            <a:lvl5pPr marL="1828800" indent="0">
+              <a:buNone/>
+              <a:defRPr sz="1000"/>
             </a:lvl5pPr>
-            <a:lvl6pPr marL="2286000" indent="0" algn="ctr">
-              <a:buNone/>
-              <a:defRPr sz="1600"/>
+            <a:lvl6pPr marL="2286000" indent="0">
+              <a:buNone/>
+              <a:defRPr sz="1000"/>
             </a:lvl6pPr>
-            <a:lvl7pPr marL="2743200" indent="0" algn="ctr">
-              <a:buNone/>
-              <a:defRPr sz="1600"/>
+            <a:lvl7pPr marL="2743200" indent="0">
+              <a:buNone/>
+              <a:defRPr sz="1000"/>
             </a:lvl7pPr>
-            <a:lvl8pPr marL="3200400" indent="0" algn="ctr">
-              <a:buNone/>
-              <a:defRPr sz="1600"/>
+            <a:lvl8pPr marL="3200400" indent="0">
+              <a:buNone/>
+              <a:defRPr sz="1000"/>
             </a:lvl8pPr>
-            <a:lvl9pPr marL="3657600" indent="0" algn="ctr">
-              <a:buNone/>
-              <a:defRPr sz="1600"/>
+            <a:lvl9pPr marL="3657600" indent="0">
+              <a:buNone/>
+              <a:defRPr sz="1000"/>
             </a:lvl9pPr>
           </a:lstStyle>
           <a:p>
+            <a:pPr lvl="0"/>
             <a:r>
               <a:rPr lang="en-US" smtClean="0"/>
-              <a:t>Click to edit Master subtitle style</a:t>
-            </a:r>
-            <a:endParaRPr lang="en-US"/>
+              <a:t>Click to edit Master text styles</a:t>
+            </a:r>
           </a:p>
         </p:txBody>
       </p:sp>
       <p:sp>
         <p:nvSpPr>
-          <p:cNvPr id="4" name="Date Placeholder 3"/>
+          <p:cNvPr id="5" name="Date Placeholder 4"/>
           <p:cNvSpPr>
             <a:spLocks noGrp="1"/>
           </p:cNvSpPr>
@@ -258,9 +1212,9 @@
           <a:bodyPr/>
           <a:lstStyle/>
           <a:p>
-            <a:fld id="{6F45B1B6-0682-074B-BF1E-1981F19BF475}" type="datetimeFigureOut">
+            <a:fld id="{BC770ECC-4857-1D48-B366-3C2C6D848DE5}" type="datetime1">
               <a:rPr lang="en-US" smtClean="0"/>
-              <a:t>7/15/15</a:t>
+              <a:t>7/16/15</a:t>
             </a:fld>
             <a:endParaRPr lang="en-US"/>
           </a:p>
@@ -268,7 +1222,7 @@
       </p:sp>
       <p:sp>
         <p:nvSpPr>
-          <p:cNvPr id="5" name="Footer Placeholder 4"/>
+          <p:cNvPr id="6" name="Footer Placeholder 5"/>
           <p:cNvSpPr>
             <a:spLocks noGrp="1"/>
           </p:cNvSpPr>
@@ -287,7 +1241,7 @@
       </p:sp>
       <p:sp>
         <p:nvSpPr>
-          <p:cNvPr id="6" name="Slide Number Placeholder 5"/>
+          <p:cNvPr id="7" name="Slide Number Placeholder 6"/>
           <p:cNvSpPr>
             <a:spLocks noGrp="1"/>
           </p:cNvSpPr>
@@ -311,17 +1265,2358 @@
     </p:spTree>
     <p:extLst>
       <p:ext uri="{BB962C8B-B14F-4D97-AF65-F5344CB8AC3E}">
-        <p14:creationId xmlns:p14="http://schemas.microsoft.com/office/powerpoint/2010/main" val="846930886"/>
+        <p14:creationId xmlns:p14="http://schemas.microsoft.com/office/powerpoint/2010/main" val="1597322404"/>
       </p:ext>
     </p:extLst>
   </p:cSld>
   <p:clrMapOvr>
     <a:masterClrMapping/>
   </p:clrMapOvr>
+  <p:hf hdr="0" ftr="0" dt="0"/>
 </p:sldLayout>
 </file>
 
-<file path=ppt/slideLayouts/slideLayout10.xml><?xml version="1.0" encoding="utf-8"?>
+<file path=ppt/slideLayouts/slideLayout11.xml><?xml version="1.0" encoding="utf-8"?>
+<p:sldLayout xmlns:a="http://schemas.openxmlformats.org/drawingml/2006/main" xmlns:r="http://schemas.openxmlformats.org/officeDocument/2006/relationships" xmlns:p="http://schemas.openxmlformats.org/presentationml/2006/main" showMasterSp="0" preserve="1">
+  <p:cSld name="Title and Caption">
+    <p:spTree>
+      <p:nvGrpSpPr>
+        <p:cNvPr id="1" name=""/>
+        <p:cNvGrpSpPr/>
+        <p:nvPr/>
+      </p:nvGrpSpPr>
+      <p:grpSpPr>
+        <a:xfrm>
+          <a:off x="0" y="0"/>
+          <a:ext cx="0" cy="0"/>
+          <a:chOff x="0" y="0"/>
+          <a:chExt cx="0" cy="0"/>
+        </a:xfrm>
+      </p:grpSpPr>
+      <p:pic>
+        <p:nvPicPr>
+          <p:cNvPr id="9" name="Picture 8" descr="C3-HD-BTM.png"/>
+          <p:cNvPicPr>
+            <a:picLocks noChangeAspect="1"/>
+          </p:cNvPicPr>
+          <p:nvPr/>
+        </p:nvPicPr>
+        <p:blipFill>
+          <a:blip r:embed="rId2">
+            <a:extLst>
+              <a:ext uri="{28A0092B-C50C-407E-A947-70E740481C1C}">
+                <a14:useLocalDpi xmlns:a14="http://schemas.microsoft.com/office/drawing/2010/main" val="0"/>
+              </a:ext>
+            </a:extLst>
+          </a:blip>
+          <a:stretch>
+            <a:fillRect/>
+          </a:stretch>
+        </p:blipFill>
+        <p:spPr>
+          <a:xfrm>
+            <a:off x="0" y="4375150"/>
+            <a:ext cx="12192000" cy="2482850"/>
+          </a:xfrm>
+          <a:prstGeom prst="rect">
+            <a:avLst/>
+          </a:prstGeom>
+        </p:spPr>
+      </p:pic>
+      <p:sp>
+        <p:nvSpPr>
+          <p:cNvPr id="2" name="Title 1"/>
+          <p:cNvSpPr>
+            <a:spLocks noGrp="1"/>
+          </p:cNvSpPr>
+          <p:nvPr>
+            <p:ph type="title"/>
+          </p:nvPr>
+        </p:nvSpPr>
+        <p:spPr>
+          <a:xfrm>
+            <a:off x="685800" y="753532"/>
+            <a:ext cx="10820400" cy="2802467"/>
+          </a:xfrm>
+        </p:spPr>
+        <p:txBody>
+          <a:bodyPr anchor="ctr"/>
+          <a:lstStyle>
+            <a:lvl1pPr algn="l">
+              <a:defRPr sz="3200"/>
+            </a:lvl1pPr>
+          </a:lstStyle>
+          <a:p>
+            <a:r>
+              <a:rPr lang="en-US" smtClean="0"/>
+              <a:t>Click to edit Master title style</a:t>
+            </a:r>
+            <a:endParaRPr lang="en-US" dirty="0"/>
+          </a:p>
+        </p:txBody>
+      </p:sp>
+      <p:sp>
+        <p:nvSpPr>
+          <p:cNvPr id="4" name="Text Placeholder 3"/>
+          <p:cNvSpPr>
+            <a:spLocks noGrp="1"/>
+          </p:cNvSpPr>
+          <p:nvPr>
+            <p:ph type="body" sz="half" idx="2"/>
+          </p:nvPr>
+        </p:nvSpPr>
+        <p:spPr>
+          <a:xfrm>
+            <a:off x="1024467" y="3649133"/>
+            <a:ext cx="10130516" cy="999067"/>
+          </a:xfrm>
+        </p:spPr>
+        <p:txBody>
+          <a:bodyPr anchor="ctr"/>
+          <a:lstStyle>
+            <a:lvl1pPr marL="0" indent="0">
+              <a:buNone/>
+              <a:defRPr sz="1600"/>
+            </a:lvl1pPr>
+            <a:lvl2pPr marL="457200" indent="0">
+              <a:buNone/>
+              <a:defRPr sz="1400"/>
+            </a:lvl2pPr>
+            <a:lvl3pPr marL="914400" indent="0">
+              <a:buNone/>
+              <a:defRPr sz="1200"/>
+            </a:lvl3pPr>
+            <a:lvl4pPr marL="1371600" indent="0">
+              <a:buNone/>
+              <a:defRPr sz="1000"/>
+            </a:lvl4pPr>
+            <a:lvl5pPr marL="1828800" indent="0">
+              <a:buNone/>
+              <a:defRPr sz="1000"/>
+            </a:lvl5pPr>
+            <a:lvl6pPr marL="2286000" indent="0">
+              <a:buNone/>
+              <a:defRPr sz="1000"/>
+            </a:lvl6pPr>
+            <a:lvl7pPr marL="2743200" indent="0">
+              <a:buNone/>
+              <a:defRPr sz="1000"/>
+            </a:lvl7pPr>
+            <a:lvl8pPr marL="3200400" indent="0">
+              <a:buNone/>
+              <a:defRPr sz="1000"/>
+            </a:lvl8pPr>
+            <a:lvl9pPr marL="3657600" indent="0">
+              <a:buNone/>
+              <a:defRPr sz="1000"/>
+            </a:lvl9pPr>
+          </a:lstStyle>
+          <a:p>
+            <a:pPr lvl="0"/>
+            <a:r>
+              <a:rPr lang="en-US" smtClean="0"/>
+              <a:t>Click to edit Master text styles</a:t>
+            </a:r>
+          </a:p>
+        </p:txBody>
+      </p:sp>
+      <p:sp>
+        <p:nvSpPr>
+          <p:cNvPr id="5" name="Date Placeholder 4"/>
+          <p:cNvSpPr>
+            <a:spLocks noGrp="1"/>
+          </p:cNvSpPr>
+          <p:nvPr>
+            <p:ph type="dt" sz="half" idx="10"/>
+          </p:nvPr>
+        </p:nvSpPr>
+        <p:spPr>
+          <a:xfrm>
+            <a:off x="7814452" y="381000"/>
+            <a:ext cx="2910840" cy="365125"/>
+          </a:xfrm>
+        </p:spPr>
+        <p:txBody>
+          <a:bodyPr/>
+          <a:lstStyle>
+            <a:lvl1pPr algn="r">
+              <a:defRPr/>
+            </a:lvl1pPr>
+          </a:lstStyle>
+          <a:p>
+            <a:fld id="{BC770ECC-4857-1D48-B366-3C2C6D848DE5}" type="datetime1">
+              <a:rPr lang="en-US" smtClean="0"/>
+              <a:t>7/16/15</a:t>
+            </a:fld>
+            <a:endParaRPr lang="en-US"/>
+          </a:p>
+        </p:txBody>
+      </p:sp>
+      <p:sp>
+        <p:nvSpPr>
+          <p:cNvPr id="6" name="Footer Placeholder 5"/>
+          <p:cNvSpPr>
+            <a:spLocks noGrp="1"/>
+          </p:cNvSpPr>
+          <p:nvPr>
+            <p:ph type="ftr" sz="quarter" idx="11"/>
+          </p:nvPr>
+        </p:nvSpPr>
+        <p:spPr>
+          <a:xfrm>
+            <a:off x="685800" y="379941"/>
+            <a:ext cx="6991492" cy="365125"/>
+          </a:xfrm>
+        </p:spPr>
+        <p:txBody>
+          <a:bodyPr/>
+          <a:lstStyle/>
+          <a:p>
+            <a:endParaRPr lang="en-US"/>
+          </a:p>
+        </p:txBody>
+      </p:sp>
+      <p:sp>
+        <p:nvSpPr>
+          <p:cNvPr id="7" name="Slide Number Placeholder 6"/>
+          <p:cNvSpPr>
+            <a:spLocks noGrp="1"/>
+          </p:cNvSpPr>
+          <p:nvPr>
+            <p:ph type="sldNum" sz="quarter" idx="12"/>
+          </p:nvPr>
+        </p:nvSpPr>
+        <p:spPr>
+          <a:xfrm>
+            <a:off x="10862452" y="381000"/>
+            <a:ext cx="643748" cy="365125"/>
+          </a:xfrm>
+        </p:spPr>
+        <p:txBody>
+          <a:bodyPr/>
+          <a:lstStyle/>
+          <a:p>
+            <a:fld id="{524C641E-459D-4E41-BF05-7BD1DD7A8A9D}" type="slidenum">
+              <a:rPr lang="en-US" smtClean="0"/>
+              <a:t>‹#›</a:t>
+            </a:fld>
+            <a:endParaRPr lang="en-US"/>
+          </a:p>
+        </p:txBody>
+      </p:sp>
+    </p:spTree>
+    <p:extLst>
+      <p:ext uri="{BB962C8B-B14F-4D97-AF65-F5344CB8AC3E}">
+        <p14:creationId xmlns:p14="http://schemas.microsoft.com/office/powerpoint/2010/main" val="1939964443"/>
+      </p:ext>
+    </p:extLst>
+  </p:cSld>
+  <p:clrMapOvr>
+    <a:masterClrMapping/>
+  </p:clrMapOvr>
+  <p:hf hdr="0" ftr="0" dt="0"/>
+</p:sldLayout>
+</file>
+
+<file path=ppt/slideLayouts/slideLayout12.xml><?xml version="1.0" encoding="utf-8"?>
+<p:sldLayout xmlns:a="http://schemas.openxmlformats.org/drawingml/2006/main" xmlns:r="http://schemas.openxmlformats.org/officeDocument/2006/relationships" xmlns:p="http://schemas.openxmlformats.org/presentationml/2006/main" showMasterSp="0" preserve="1">
+  <p:cSld name="Quote with Caption">
+    <p:spTree>
+      <p:nvGrpSpPr>
+        <p:cNvPr id="1" name=""/>
+        <p:cNvGrpSpPr/>
+        <p:nvPr/>
+      </p:nvGrpSpPr>
+      <p:grpSpPr>
+        <a:xfrm>
+          <a:off x="0" y="0"/>
+          <a:ext cx="0" cy="0"/>
+          <a:chOff x="0" y="0"/>
+          <a:chExt cx="0" cy="0"/>
+        </a:xfrm>
+      </p:grpSpPr>
+      <p:pic>
+        <p:nvPicPr>
+          <p:cNvPr id="11" name="Picture 10" descr="C3-HD-BTM.png"/>
+          <p:cNvPicPr>
+            <a:picLocks noChangeAspect="1"/>
+          </p:cNvPicPr>
+          <p:nvPr/>
+        </p:nvPicPr>
+        <p:blipFill>
+          <a:blip r:embed="rId2">
+            <a:extLst>
+              <a:ext uri="{28A0092B-C50C-407E-A947-70E740481C1C}">
+                <a14:useLocalDpi xmlns:a14="http://schemas.microsoft.com/office/drawing/2010/main" val="0"/>
+              </a:ext>
+            </a:extLst>
+          </a:blip>
+          <a:stretch>
+            <a:fillRect/>
+          </a:stretch>
+        </p:blipFill>
+        <p:spPr>
+          <a:xfrm>
+            <a:off x="0" y="4375150"/>
+            <a:ext cx="12192000" cy="2482850"/>
+          </a:xfrm>
+          <a:prstGeom prst="rect">
+            <a:avLst/>
+          </a:prstGeom>
+        </p:spPr>
+      </p:pic>
+      <p:sp>
+        <p:nvSpPr>
+          <p:cNvPr id="2" name="Title 1"/>
+          <p:cNvSpPr>
+            <a:spLocks noGrp="1"/>
+          </p:cNvSpPr>
+          <p:nvPr>
+            <p:ph type="title"/>
+          </p:nvPr>
+        </p:nvSpPr>
+        <p:spPr>
+          <a:xfrm>
+            <a:off x="1024467" y="753533"/>
+            <a:ext cx="10151533" cy="2604495"/>
+          </a:xfrm>
+        </p:spPr>
+        <p:txBody>
+          <a:bodyPr anchor="ctr"/>
+          <a:lstStyle>
+            <a:lvl1pPr algn="l">
+              <a:defRPr sz="3200"/>
+            </a:lvl1pPr>
+          </a:lstStyle>
+          <a:p>
+            <a:r>
+              <a:rPr lang="en-US" smtClean="0"/>
+              <a:t>Click to edit Master title style</a:t>
+            </a:r>
+            <a:endParaRPr lang="en-US" dirty="0"/>
+          </a:p>
+        </p:txBody>
+      </p:sp>
+      <p:sp>
+        <p:nvSpPr>
+          <p:cNvPr id="12" name="Text Placeholder 3"/>
+          <p:cNvSpPr>
+            <a:spLocks noGrp="1"/>
+          </p:cNvSpPr>
+          <p:nvPr>
+            <p:ph type="body" sz="half" idx="13"/>
+          </p:nvPr>
+        </p:nvSpPr>
+        <p:spPr>
+          <a:xfrm>
+            <a:off x="1303865" y="3365556"/>
+            <a:ext cx="9592736" cy="444443"/>
+          </a:xfrm>
+        </p:spPr>
+        <p:txBody>
+          <a:bodyPr anchor="t">
+            <a:normAutofit/>
+          </a:bodyPr>
+          <a:lstStyle>
+            <a:lvl1pPr marL="0" indent="0">
+              <a:buNone/>
+              <a:defRPr sz="1400"/>
+            </a:lvl1pPr>
+            <a:lvl2pPr marL="457200" indent="0">
+              <a:buNone/>
+              <a:defRPr sz="1400"/>
+            </a:lvl2pPr>
+            <a:lvl3pPr marL="914400" indent="0">
+              <a:buNone/>
+              <a:defRPr sz="1200"/>
+            </a:lvl3pPr>
+            <a:lvl4pPr marL="1371600" indent="0">
+              <a:buNone/>
+              <a:defRPr sz="1000"/>
+            </a:lvl4pPr>
+            <a:lvl5pPr marL="1828800" indent="0">
+              <a:buNone/>
+              <a:defRPr sz="1000"/>
+            </a:lvl5pPr>
+            <a:lvl6pPr marL="2286000" indent="0">
+              <a:buNone/>
+              <a:defRPr sz="1000"/>
+            </a:lvl6pPr>
+            <a:lvl7pPr marL="2743200" indent="0">
+              <a:buNone/>
+              <a:defRPr sz="1000"/>
+            </a:lvl7pPr>
+            <a:lvl8pPr marL="3200400" indent="0">
+              <a:buNone/>
+              <a:defRPr sz="1000"/>
+            </a:lvl8pPr>
+            <a:lvl9pPr marL="3657600" indent="0">
+              <a:buNone/>
+              <a:defRPr sz="1000"/>
+            </a:lvl9pPr>
+          </a:lstStyle>
+          <a:p>
+            <a:pPr lvl="0"/>
+            <a:r>
+              <a:rPr lang="en-US" smtClean="0"/>
+              <a:t>Click to edit Master text styles</a:t>
+            </a:r>
+          </a:p>
+        </p:txBody>
+      </p:sp>
+      <p:sp>
+        <p:nvSpPr>
+          <p:cNvPr id="4" name="Text Placeholder 3"/>
+          <p:cNvSpPr>
+            <a:spLocks noGrp="1"/>
+          </p:cNvSpPr>
+          <p:nvPr>
+            <p:ph type="body" sz="half" idx="2"/>
+          </p:nvPr>
+        </p:nvSpPr>
+        <p:spPr>
+          <a:xfrm>
+            <a:off x="1024467" y="3959862"/>
+            <a:ext cx="10151533" cy="679871"/>
+          </a:xfrm>
+        </p:spPr>
+        <p:txBody>
+          <a:bodyPr anchor="ctr">
+            <a:normAutofit/>
+          </a:bodyPr>
+          <a:lstStyle>
+            <a:lvl1pPr marL="0" indent="0">
+              <a:buNone/>
+              <a:defRPr sz="1600"/>
+            </a:lvl1pPr>
+            <a:lvl2pPr marL="457200" indent="0">
+              <a:buNone/>
+              <a:defRPr sz="1400"/>
+            </a:lvl2pPr>
+            <a:lvl3pPr marL="914400" indent="0">
+              <a:buNone/>
+              <a:defRPr sz="1200"/>
+            </a:lvl3pPr>
+            <a:lvl4pPr marL="1371600" indent="0">
+              <a:buNone/>
+              <a:defRPr sz="1000"/>
+            </a:lvl4pPr>
+            <a:lvl5pPr marL="1828800" indent="0">
+              <a:buNone/>
+              <a:defRPr sz="1000"/>
+            </a:lvl5pPr>
+            <a:lvl6pPr marL="2286000" indent="0">
+              <a:buNone/>
+              <a:defRPr sz="1000"/>
+            </a:lvl6pPr>
+            <a:lvl7pPr marL="2743200" indent="0">
+              <a:buNone/>
+              <a:defRPr sz="1000"/>
+            </a:lvl7pPr>
+            <a:lvl8pPr marL="3200400" indent="0">
+              <a:buNone/>
+              <a:defRPr sz="1000"/>
+            </a:lvl8pPr>
+            <a:lvl9pPr marL="3657600" indent="0">
+              <a:buNone/>
+              <a:defRPr sz="1000"/>
+            </a:lvl9pPr>
+          </a:lstStyle>
+          <a:p>
+            <a:pPr lvl="0"/>
+            <a:r>
+              <a:rPr lang="en-US" smtClean="0"/>
+              <a:t>Click to edit Master text styles</a:t>
+            </a:r>
+          </a:p>
+        </p:txBody>
+      </p:sp>
+      <p:sp>
+        <p:nvSpPr>
+          <p:cNvPr id="5" name="Date Placeholder 4"/>
+          <p:cNvSpPr>
+            <a:spLocks noGrp="1"/>
+          </p:cNvSpPr>
+          <p:nvPr>
+            <p:ph type="dt" sz="half" idx="10"/>
+          </p:nvPr>
+        </p:nvSpPr>
+        <p:spPr>
+          <a:xfrm>
+            <a:off x="7814452" y="381000"/>
+            <a:ext cx="2910840" cy="365125"/>
+          </a:xfrm>
+        </p:spPr>
+        <p:txBody>
+          <a:bodyPr/>
+          <a:lstStyle>
+            <a:lvl1pPr algn="r">
+              <a:defRPr/>
+            </a:lvl1pPr>
+          </a:lstStyle>
+          <a:p>
+            <a:fld id="{BC770ECC-4857-1D48-B366-3C2C6D848DE5}" type="datetime1">
+              <a:rPr lang="en-US" smtClean="0"/>
+              <a:t>7/16/15</a:t>
+            </a:fld>
+            <a:endParaRPr lang="en-US"/>
+          </a:p>
+        </p:txBody>
+      </p:sp>
+      <p:sp>
+        <p:nvSpPr>
+          <p:cNvPr id="6" name="Footer Placeholder 5"/>
+          <p:cNvSpPr>
+            <a:spLocks noGrp="1"/>
+          </p:cNvSpPr>
+          <p:nvPr>
+            <p:ph type="ftr" sz="quarter" idx="11"/>
+          </p:nvPr>
+        </p:nvSpPr>
+        <p:spPr>
+          <a:xfrm>
+            <a:off x="685800" y="379941"/>
+            <a:ext cx="6991492" cy="365125"/>
+          </a:xfrm>
+        </p:spPr>
+        <p:txBody>
+          <a:bodyPr/>
+          <a:lstStyle/>
+          <a:p>
+            <a:endParaRPr lang="en-US"/>
+          </a:p>
+        </p:txBody>
+      </p:sp>
+      <p:sp>
+        <p:nvSpPr>
+          <p:cNvPr id="7" name="Slide Number Placeholder 6"/>
+          <p:cNvSpPr>
+            <a:spLocks noGrp="1"/>
+          </p:cNvSpPr>
+          <p:nvPr>
+            <p:ph type="sldNum" sz="quarter" idx="12"/>
+          </p:nvPr>
+        </p:nvSpPr>
+        <p:spPr>
+          <a:xfrm>
+            <a:off x="10862452" y="381000"/>
+            <a:ext cx="643748" cy="365125"/>
+          </a:xfrm>
+        </p:spPr>
+        <p:txBody>
+          <a:bodyPr/>
+          <a:lstStyle/>
+          <a:p>
+            <a:fld id="{524C641E-459D-4E41-BF05-7BD1DD7A8A9D}" type="slidenum">
+              <a:rPr lang="en-US" smtClean="0"/>
+              <a:t>‹#›</a:t>
+            </a:fld>
+            <a:endParaRPr lang="en-US"/>
+          </a:p>
+        </p:txBody>
+      </p:sp>
+      <p:sp>
+        <p:nvSpPr>
+          <p:cNvPr id="9" name="TextBox 8"/>
+          <p:cNvSpPr txBox="1"/>
+          <p:nvPr/>
+        </p:nvSpPr>
+        <p:spPr>
+          <a:xfrm>
+            <a:off x="476250" y="933450"/>
+            <a:ext cx="609600" cy="584776"/>
+          </a:xfrm>
+          <a:prstGeom prst="rect">
+            <a:avLst/>
+          </a:prstGeom>
+        </p:spPr>
+        <p:txBody>
+          <a:bodyPr vert="horz" lIns="91440" tIns="45720" rIns="91440" bIns="45720" rtlCol="0" anchor="ctr">
+            <a:noAutofit/>
+          </a:bodyPr>
+          <a:lstStyle>
+            <a:lvl1pPr>
+              <a:spcBef>
+                <a:spcPct val="0"/>
+              </a:spcBef>
+              <a:buNone/>
+              <a:defRPr sz="3200" b="0" cap="all">
+                <a:ln w="3175" cmpd="sng">
+                  <a:noFill/>
+                </a:ln>
+                <a:effectLst>
+                  <a:glow rad="38100">
+                    <a:schemeClr val="bg1">
+                      <a:lumMod val="65000"/>
+                      <a:lumOff val="35000"/>
+                      <a:alpha val="40000"/>
+                    </a:schemeClr>
+                  </a:glow>
+                  <a:outerShdw blurRad="28575" dist="38100" dir="14040000" algn="tl" rotWithShape="0">
+                    <a:srgbClr val="000000">
+                      <a:alpha val="25000"/>
+                    </a:srgbClr>
+                  </a:outerShdw>
+                </a:effectLst>
+              </a:defRPr>
+            </a:lvl1pPr>
+            <a:lvl2pPr>
+              <a:defRPr>
+                <a:solidFill>
+                  <a:schemeClr val="tx2"/>
+                </a:solidFill>
+              </a:defRPr>
+            </a:lvl2pPr>
+            <a:lvl3pPr>
+              <a:defRPr>
+                <a:solidFill>
+                  <a:schemeClr val="tx2"/>
+                </a:solidFill>
+              </a:defRPr>
+            </a:lvl3pPr>
+            <a:lvl4pPr>
+              <a:defRPr>
+                <a:solidFill>
+                  <a:schemeClr val="tx2"/>
+                </a:solidFill>
+              </a:defRPr>
+            </a:lvl4pPr>
+            <a:lvl5pPr>
+              <a:defRPr>
+                <a:solidFill>
+                  <a:schemeClr val="tx2"/>
+                </a:solidFill>
+              </a:defRPr>
+            </a:lvl5pPr>
+            <a:lvl6pPr>
+              <a:defRPr>
+                <a:solidFill>
+                  <a:schemeClr val="tx2"/>
+                </a:solidFill>
+              </a:defRPr>
+            </a:lvl6pPr>
+            <a:lvl7pPr>
+              <a:defRPr>
+                <a:solidFill>
+                  <a:schemeClr val="tx2"/>
+                </a:solidFill>
+              </a:defRPr>
+            </a:lvl7pPr>
+            <a:lvl8pPr>
+              <a:defRPr>
+                <a:solidFill>
+                  <a:schemeClr val="tx2"/>
+                </a:solidFill>
+              </a:defRPr>
+            </a:lvl8pPr>
+            <a:lvl9pPr>
+              <a:defRPr>
+                <a:solidFill>
+                  <a:schemeClr val="tx2"/>
+                </a:solidFill>
+              </a:defRPr>
+            </a:lvl9pPr>
+          </a:lstStyle>
+          <a:p>
+            <a:pPr lvl="0"/>
+            <a:r>
+              <a:rPr lang="en-US" sz="8000" dirty="0">
+                <a:solidFill>
+                  <a:schemeClr val="tx1"/>
+                </a:solidFill>
+                <a:effectLst/>
+              </a:rPr>
+              <a:t>“</a:t>
+            </a:r>
+          </a:p>
+        </p:txBody>
+      </p:sp>
+      <p:sp>
+        <p:nvSpPr>
+          <p:cNvPr id="10" name="TextBox 9"/>
+          <p:cNvSpPr txBox="1"/>
+          <p:nvPr/>
+        </p:nvSpPr>
+        <p:spPr>
+          <a:xfrm>
+            <a:off x="10984230" y="2701290"/>
+            <a:ext cx="609600" cy="584776"/>
+          </a:xfrm>
+          <a:prstGeom prst="rect">
+            <a:avLst/>
+          </a:prstGeom>
+        </p:spPr>
+        <p:txBody>
+          <a:bodyPr vert="horz" lIns="91440" tIns="45720" rIns="91440" bIns="45720" rtlCol="0" anchor="ctr">
+            <a:noAutofit/>
+          </a:bodyPr>
+          <a:lstStyle>
+            <a:lvl1pPr>
+              <a:spcBef>
+                <a:spcPct val="0"/>
+              </a:spcBef>
+              <a:buNone/>
+              <a:defRPr sz="3200" b="0" cap="all">
+                <a:ln w="3175" cmpd="sng">
+                  <a:noFill/>
+                </a:ln>
+                <a:effectLst>
+                  <a:glow rad="38100">
+                    <a:schemeClr val="bg1">
+                      <a:lumMod val="65000"/>
+                      <a:lumOff val="35000"/>
+                      <a:alpha val="40000"/>
+                    </a:schemeClr>
+                  </a:glow>
+                  <a:outerShdw blurRad="28575" dist="38100" dir="14040000" algn="tl" rotWithShape="0">
+                    <a:srgbClr val="000000">
+                      <a:alpha val="25000"/>
+                    </a:srgbClr>
+                  </a:outerShdw>
+                </a:effectLst>
+              </a:defRPr>
+            </a:lvl1pPr>
+            <a:lvl2pPr>
+              <a:defRPr>
+                <a:solidFill>
+                  <a:schemeClr val="tx2"/>
+                </a:solidFill>
+              </a:defRPr>
+            </a:lvl2pPr>
+            <a:lvl3pPr>
+              <a:defRPr>
+                <a:solidFill>
+                  <a:schemeClr val="tx2"/>
+                </a:solidFill>
+              </a:defRPr>
+            </a:lvl3pPr>
+            <a:lvl4pPr>
+              <a:defRPr>
+                <a:solidFill>
+                  <a:schemeClr val="tx2"/>
+                </a:solidFill>
+              </a:defRPr>
+            </a:lvl4pPr>
+            <a:lvl5pPr>
+              <a:defRPr>
+                <a:solidFill>
+                  <a:schemeClr val="tx2"/>
+                </a:solidFill>
+              </a:defRPr>
+            </a:lvl5pPr>
+            <a:lvl6pPr>
+              <a:defRPr>
+                <a:solidFill>
+                  <a:schemeClr val="tx2"/>
+                </a:solidFill>
+              </a:defRPr>
+            </a:lvl6pPr>
+            <a:lvl7pPr>
+              <a:defRPr>
+                <a:solidFill>
+                  <a:schemeClr val="tx2"/>
+                </a:solidFill>
+              </a:defRPr>
+            </a:lvl7pPr>
+            <a:lvl8pPr>
+              <a:defRPr>
+                <a:solidFill>
+                  <a:schemeClr val="tx2"/>
+                </a:solidFill>
+              </a:defRPr>
+            </a:lvl8pPr>
+            <a:lvl9pPr>
+              <a:defRPr>
+                <a:solidFill>
+                  <a:schemeClr val="tx2"/>
+                </a:solidFill>
+              </a:defRPr>
+            </a:lvl9pPr>
+          </a:lstStyle>
+          <a:p>
+            <a:pPr lvl="0" algn="r"/>
+            <a:r>
+              <a:rPr lang="en-US" sz="8000" dirty="0">
+                <a:solidFill>
+                  <a:schemeClr val="tx1"/>
+                </a:solidFill>
+                <a:effectLst/>
+              </a:rPr>
+              <a:t>”</a:t>
+            </a:r>
+          </a:p>
+        </p:txBody>
+      </p:sp>
+    </p:spTree>
+    <p:extLst>
+      <p:ext uri="{BB962C8B-B14F-4D97-AF65-F5344CB8AC3E}">
+        <p14:creationId xmlns:p14="http://schemas.microsoft.com/office/powerpoint/2010/main" val="2112255763"/>
+      </p:ext>
+    </p:extLst>
+  </p:cSld>
+  <p:clrMapOvr>
+    <a:masterClrMapping/>
+  </p:clrMapOvr>
+  <p:hf hdr="0" ftr="0" dt="0"/>
+</p:sldLayout>
+</file>
+
+<file path=ppt/slideLayouts/slideLayout13.xml><?xml version="1.0" encoding="utf-8"?>
+<p:sldLayout xmlns:a="http://schemas.openxmlformats.org/drawingml/2006/main" xmlns:r="http://schemas.openxmlformats.org/officeDocument/2006/relationships" xmlns:p="http://schemas.openxmlformats.org/presentationml/2006/main" showMasterSp="0" preserve="1">
+  <p:cSld name="Name Card">
+    <p:spTree>
+      <p:nvGrpSpPr>
+        <p:cNvPr id="1" name=""/>
+        <p:cNvGrpSpPr/>
+        <p:nvPr/>
+      </p:nvGrpSpPr>
+      <p:grpSpPr>
+        <a:xfrm>
+          <a:off x="0" y="0"/>
+          <a:ext cx="0" cy="0"/>
+          <a:chOff x="0" y="0"/>
+          <a:chExt cx="0" cy="0"/>
+        </a:xfrm>
+      </p:grpSpPr>
+      <p:pic>
+        <p:nvPicPr>
+          <p:cNvPr id="8" name="Picture 7" descr="C3-HD-BTM.png"/>
+          <p:cNvPicPr>
+            <a:picLocks noChangeAspect="1"/>
+          </p:cNvPicPr>
+          <p:nvPr/>
+        </p:nvPicPr>
+        <p:blipFill>
+          <a:blip r:embed="rId2">
+            <a:extLst>
+              <a:ext uri="{28A0092B-C50C-407E-A947-70E740481C1C}">
+                <a14:useLocalDpi xmlns:a14="http://schemas.microsoft.com/office/drawing/2010/main" val="0"/>
+              </a:ext>
+            </a:extLst>
+          </a:blip>
+          <a:stretch>
+            <a:fillRect/>
+          </a:stretch>
+        </p:blipFill>
+        <p:spPr>
+          <a:xfrm>
+            <a:off x="0" y="4375150"/>
+            <a:ext cx="12192000" cy="2482850"/>
+          </a:xfrm>
+          <a:prstGeom prst="rect">
+            <a:avLst/>
+          </a:prstGeom>
+        </p:spPr>
+      </p:pic>
+      <p:sp>
+        <p:nvSpPr>
+          <p:cNvPr id="2" name="Title 1"/>
+          <p:cNvSpPr>
+            <a:spLocks noGrp="1"/>
+          </p:cNvSpPr>
+          <p:nvPr>
+            <p:ph type="title"/>
+          </p:nvPr>
+        </p:nvSpPr>
+        <p:spPr>
+          <a:xfrm>
+            <a:off x="1024495" y="1124701"/>
+            <a:ext cx="10146186" cy="2511835"/>
+          </a:xfrm>
+        </p:spPr>
+        <p:txBody>
+          <a:bodyPr anchor="b"/>
+          <a:lstStyle>
+            <a:lvl1pPr algn="l">
+              <a:defRPr sz="3200"/>
+            </a:lvl1pPr>
+          </a:lstStyle>
+          <a:p>
+            <a:r>
+              <a:rPr lang="en-US" smtClean="0"/>
+              <a:t>Click to edit Master title style</a:t>
+            </a:r>
+            <a:endParaRPr lang="en-US" dirty="0"/>
+          </a:p>
+        </p:txBody>
+      </p:sp>
+      <p:sp>
+        <p:nvSpPr>
+          <p:cNvPr id="4" name="Text Placeholder 3"/>
+          <p:cNvSpPr>
+            <a:spLocks noGrp="1"/>
+          </p:cNvSpPr>
+          <p:nvPr>
+            <p:ph type="body" sz="half" idx="2"/>
+          </p:nvPr>
+        </p:nvSpPr>
+        <p:spPr>
+          <a:xfrm>
+            <a:off x="1024467" y="3648315"/>
+            <a:ext cx="10144654" cy="999885"/>
+          </a:xfrm>
+        </p:spPr>
+        <p:txBody>
+          <a:bodyPr anchor="t"/>
+          <a:lstStyle>
+            <a:lvl1pPr marL="0" indent="0">
+              <a:buNone/>
+              <a:defRPr sz="1600"/>
+            </a:lvl1pPr>
+            <a:lvl2pPr marL="457200" indent="0">
+              <a:buNone/>
+              <a:defRPr sz="1400"/>
+            </a:lvl2pPr>
+            <a:lvl3pPr marL="914400" indent="0">
+              <a:buNone/>
+              <a:defRPr sz="1200"/>
+            </a:lvl3pPr>
+            <a:lvl4pPr marL="1371600" indent="0">
+              <a:buNone/>
+              <a:defRPr sz="1000"/>
+            </a:lvl4pPr>
+            <a:lvl5pPr marL="1828800" indent="0">
+              <a:buNone/>
+              <a:defRPr sz="1000"/>
+            </a:lvl5pPr>
+            <a:lvl6pPr marL="2286000" indent="0">
+              <a:buNone/>
+              <a:defRPr sz="1000"/>
+            </a:lvl6pPr>
+            <a:lvl7pPr marL="2743200" indent="0">
+              <a:buNone/>
+              <a:defRPr sz="1000"/>
+            </a:lvl7pPr>
+            <a:lvl8pPr marL="3200400" indent="0">
+              <a:buNone/>
+              <a:defRPr sz="1000"/>
+            </a:lvl8pPr>
+            <a:lvl9pPr marL="3657600" indent="0">
+              <a:buNone/>
+              <a:defRPr sz="1000"/>
+            </a:lvl9pPr>
+          </a:lstStyle>
+          <a:p>
+            <a:pPr lvl="0"/>
+            <a:r>
+              <a:rPr lang="en-US" smtClean="0"/>
+              <a:t>Click to edit Master text styles</a:t>
+            </a:r>
+          </a:p>
+        </p:txBody>
+      </p:sp>
+      <p:sp>
+        <p:nvSpPr>
+          <p:cNvPr id="5" name="Date Placeholder 4"/>
+          <p:cNvSpPr>
+            <a:spLocks noGrp="1"/>
+          </p:cNvSpPr>
+          <p:nvPr>
+            <p:ph type="dt" sz="half" idx="10"/>
+          </p:nvPr>
+        </p:nvSpPr>
+        <p:spPr>
+          <a:xfrm>
+            <a:off x="7814452" y="378883"/>
+            <a:ext cx="2910840" cy="365125"/>
+          </a:xfrm>
+        </p:spPr>
+        <p:txBody>
+          <a:bodyPr/>
+          <a:lstStyle>
+            <a:lvl1pPr algn="r">
+              <a:defRPr/>
+            </a:lvl1pPr>
+          </a:lstStyle>
+          <a:p>
+            <a:fld id="{BC770ECC-4857-1D48-B366-3C2C6D848DE5}" type="datetime1">
+              <a:rPr lang="en-US" smtClean="0"/>
+              <a:t>7/16/15</a:t>
+            </a:fld>
+            <a:endParaRPr lang="en-US"/>
+          </a:p>
+        </p:txBody>
+      </p:sp>
+      <p:sp>
+        <p:nvSpPr>
+          <p:cNvPr id="6" name="Footer Placeholder 5"/>
+          <p:cNvSpPr>
+            <a:spLocks noGrp="1"/>
+          </p:cNvSpPr>
+          <p:nvPr>
+            <p:ph type="ftr" sz="quarter" idx="11"/>
+          </p:nvPr>
+        </p:nvSpPr>
+        <p:spPr>
+          <a:xfrm>
+            <a:off x="685800" y="378883"/>
+            <a:ext cx="6991492" cy="365125"/>
+          </a:xfrm>
+        </p:spPr>
+        <p:txBody>
+          <a:bodyPr/>
+          <a:lstStyle/>
+          <a:p>
+            <a:endParaRPr lang="en-US"/>
+          </a:p>
+        </p:txBody>
+      </p:sp>
+      <p:sp>
+        <p:nvSpPr>
+          <p:cNvPr id="7" name="Slide Number Placeholder 6"/>
+          <p:cNvSpPr>
+            <a:spLocks noGrp="1"/>
+          </p:cNvSpPr>
+          <p:nvPr>
+            <p:ph type="sldNum" sz="quarter" idx="12"/>
+          </p:nvPr>
+        </p:nvSpPr>
+        <p:spPr>
+          <a:xfrm>
+            <a:off x="10862452" y="381000"/>
+            <a:ext cx="643748" cy="365125"/>
+          </a:xfrm>
+        </p:spPr>
+        <p:txBody>
+          <a:bodyPr/>
+          <a:lstStyle/>
+          <a:p>
+            <a:fld id="{524C641E-459D-4E41-BF05-7BD1DD7A8A9D}" type="slidenum">
+              <a:rPr lang="en-US" smtClean="0"/>
+              <a:t>‹#›</a:t>
+            </a:fld>
+            <a:endParaRPr lang="en-US"/>
+          </a:p>
+        </p:txBody>
+      </p:sp>
+    </p:spTree>
+    <p:extLst>
+      <p:ext uri="{BB962C8B-B14F-4D97-AF65-F5344CB8AC3E}">
+        <p14:creationId xmlns:p14="http://schemas.microsoft.com/office/powerpoint/2010/main" val="1432114613"/>
+      </p:ext>
+    </p:extLst>
+  </p:cSld>
+  <p:clrMapOvr>
+    <a:masterClrMapping/>
+  </p:clrMapOvr>
+  <p:hf hdr="0" ftr="0" dt="0"/>
+</p:sldLayout>
+</file>
+
+<file path=ppt/slideLayouts/slideLayout14.xml><?xml version="1.0" encoding="utf-8"?>
+<p:sldLayout xmlns:a="http://schemas.openxmlformats.org/drawingml/2006/main" xmlns:r="http://schemas.openxmlformats.org/officeDocument/2006/relationships" xmlns:p="http://schemas.openxmlformats.org/presentationml/2006/main" preserve="1">
+  <p:cSld name="3 Column">
+    <p:spTree>
+      <p:nvGrpSpPr>
+        <p:cNvPr id="1" name=""/>
+        <p:cNvGrpSpPr/>
+        <p:nvPr/>
+      </p:nvGrpSpPr>
+      <p:grpSpPr>
+        <a:xfrm>
+          <a:off x="0" y="0"/>
+          <a:ext cx="0" cy="0"/>
+          <a:chOff x="0" y="0"/>
+          <a:chExt cx="0" cy="0"/>
+        </a:xfrm>
+      </p:grpSpPr>
+      <p:sp>
+        <p:nvSpPr>
+          <p:cNvPr id="15" name="Title 1"/>
+          <p:cNvSpPr>
+            <a:spLocks noGrp="1"/>
+          </p:cNvSpPr>
+          <p:nvPr>
+            <p:ph type="title"/>
+          </p:nvPr>
+        </p:nvSpPr>
+        <p:spPr>
+          <a:xfrm>
+            <a:off x="2895600" y="761999"/>
+            <a:ext cx="8610599" cy="1303867"/>
+          </a:xfrm>
+        </p:spPr>
+        <p:txBody>
+          <a:bodyPr/>
+          <a:lstStyle/>
+          <a:p>
+            <a:r>
+              <a:rPr lang="en-US" smtClean="0"/>
+              <a:t>Click to edit Master title style</a:t>
+            </a:r>
+            <a:endParaRPr lang="en-US" dirty="0"/>
+          </a:p>
+        </p:txBody>
+      </p:sp>
+      <p:sp>
+        <p:nvSpPr>
+          <p:cNvPr id="7" name="Text Placeholder 2"/>
+          <p:cNvSpPr>
+            <a:spLocks noGrp="1"/>
+          </p:cNvSpPr>
+          <p:nvPr>
+            <p:ph type="body" idx="1"/>
+          </p:nvPr>
+        </p:nvSpPr>
+        <p:spPr>
+          <a:xfrm>
+            <a:off x="685800" y="2202080"/>
+            <a:ext cx="3456432" cy="617320"/>
+          </a:xfrm>
+        </p:spPr>
+        <p:txBody>
+          <a:bodyPr anchor="b">
+            <a:noAutofit/>
+          </a:bodyPr>
+          <a:lstStyle>
+            <a:lvl1pPr marL="0" indent="0">
+              <a:buNone/>
+              <a:defRPr sz="2400" b="0">
+                <a:solidFill>
+                  <a:schemeClr val="tx1"/>
+                </a:solidFill>
+              </a:defRPr>
+            </a:lvl1pPr>
+            <a:lvl2pPr marL="457200" indent="0">
+              <a:buNone/>
+              <a:defRPr sz="2000" b="1"/>
+            </a:lvl2pPr>
+            <a:lvl3pPr marL="914400" indent="0">
+              <a:buNone/>
+              <a:defRPr sz="1800" b="1"/>
+            </a:lvl3pPr>
+            <a:lvl4pPr marL="1371600" indent="0">
+              <a:buNone/>
+              <a:defRPr sz="1600" b="1"/>
+            </a:lvl4pPr>
+            <a:lvl5pPr marL="1828800" indent="0">
+              <a:buNone/>
+              <a:defRPr sz="1600" b="1"/>
+            </a:lvl5pPr>
+            <a:lvl6pPr marL="2286000" indent="0">
+              <a:buNone/>
+              <a:defRPr sz="1600" b="1"/>
+            </a:lvl6pPr>
+            <a:lvl7pPr marL="2743200" indent="0">
+              <a:buNone/>
+              <a:defRPr sz="1600" b="1"/>
+            </a:lvl7pPr>
+            <a:lvl8pPr marL="3200400" indent="0">
+              <a:buNone/>
+              <a:defRPr sz="1600" b="1"/>
+            </a:lvl8pPr>
+            <a:lvl9pPr marL="3657600" indent="0">
+              <a:buNone/>
+              <a:defRPr sz="1600" b="1"/>
+            </a:lvl9pPr>
+          </a:lstStyle>
+          <a:p>
+            <a:pPr lvl="0"/>
+            <a:r>
+              <a:rPr lang="en-US" smtClean="0"/>
+              <a:t>Click to edit Master text styles</a:t>
+            </a:r>
+          </a:p>
+        </p:txBody>
+      </p:sp>
+      <p:sp>
+        <p:nvSpPr>
+          <p:cNvPr id="8" name="Text Placeholder 3"/>
+          <p:cNvSpPr>
+            <a:spLocks noGrp="1"/>
+          </p:cNvSpPr>
+          <p:nvPr>
+            <p:ph type="body" sz="half" idx="15"/>
+          </p:nvPr>
+        </p:nvSpPr>
+        <p:spPr>
+          <a:xfrm>
+            <a:off x="685799" y="2904565"/>
+            <a:ext cx="3456432" cy="3314132"/>
+          </a:xfrm>
+        </p:spPr>
+        <p:txBody>
+          <a:bodyPr anchor="t">
+            <a:normAutofit/>
+          </a:bodyPr>
+          <a:lstStyle>
+            <a:lvl1pPr marL="0" indent="0">
+              <a:buNone/>
+              <a:defRPr sz="1400"/>
+            </a:lvl1pPr>
+            <a:lvl2pPr marL="457200" indent="0">
+              <a:buNone/>
+              <a:defRPr sz="1200"/>
+            </a:lvl2pPr>
+            <a:lvl3pPr marL="914400" indent="0">
+              <a:buNone/>
+              <a:defRPr sz="1000"/>
+            </a:lvl3pPr>
+            <a:lvl4pPr marL="1371600" indent="0">
+              <a:buNone/>
+              <a:defRPr sz="900"/>
+            </a:lvl4pPr>
+            <a:lvl5pPr marL="1828800" indent="0">
+              <a:buNone/>
+              <a:defRPr sz="900"/>
+            </a:lvl5pPr>
+            <a:lvl6pPr marL="2286000" indent="0">
+              <a:buNone/>
+              <a:defRPr sz="900"/>
+            </a:lvl6pPr>
+            <a:lvl7pPr marL="2743200" indent="0">
+              <a:buNone/>
+              <a:defRPr sz="900"/>
+            </a:lvl7pPr>
+            <a:lvl8pPr marL="3200400" indent="0">
+              <a:buNone/>
+              <a:defRPr sz="900"/>
+            </a:lvl8pPr>
+            <a:lvl9pPr marL="3657600" indent="0">
+              <a:buNone/>
+              <a:defRPr sz="900"/>
+            </a:lvl9pPr>
+          </a:lstStyle>
+          <a:p>
+            <a:pPr lvl="0"/>
+            <a:r>
+              <a:rPr lang="en-US" smtClean="0"/>
+              <a:t>Click to edit Master text styles</a:t>
+            </a:r>
+          </a:p>
+        </p:txBody>
+      </p:sp>
+      <p:sp>
+        <p:nvSpPr>
+          <p:cNvPr id="9" name="Text Placeholder 4"/>
+          <p:cNvSpPr>
+            <a:spLocks noGrp="1"/>
+          </p:cNvSpPr>
+          <p:nvPr>
+            <p:ph type="body" sz="quarter" idx="3"/>
+          </p:nvPr>
+        </p:nvSpPr>
+        <p:spPr>
+          <a:xfrm>
+            <a:off x="4368800" y="2201333"/>
+            <a:ext cx="3456432" cy="626534"/>
+          </a:xfrm>
+        </p:spPr>
+        <p:txBody>
+          <a:bodyPr anchor="b">
+            <a:noAutofit/>
+          </a:bodyPr>
+          <a:lstStyle>
+            <a:lvl1pPr marL="0" indent="0">
+              <a:buNone/>
+              <a:defRPr sz="2400" b="0">
+                <a:solidFill>
+                  <a:schemeClr val="tx1"/>
+                </a:solidFill>
+              </a:defRPr>
+            </a:lvl1pPr>
+            <a:lvl2pPr marL="457200" indent="0">
+              <a:buNone/>
+              <a:defRPr sz="2000" b="1"/>
+            </a:lvl2pPr>
+            <a:lvl3pPr marL="914400" indent="0">
+              <a:buNone/>
+              <a:defRPr sz="1800" b="1"/>
+            </a:lvl3pPr>
+            <a:lvl4pPr marL="1371600" indent="0">
+              <a:buNone/>
+              <a:defRPr sz="1600" b="1"/>
+            </a:lvl4pPr>
+            <a:lvl5pPr marL="1828800" indent="0">
+              <a:buNone/>
+              <a:defRPr sz="1600" b="1"/>
+            </a:lvl5pPr>
+            <a:lvl6pPr marL="2286000" indent="0">
+              <a:buNone/>
+              <a:defRPr sz="1600" b="1"/>
+            </a:lvl6pPr>
+            <a:lvl7pPr marL="2743200" indent="0">
+              <a:buNone/>
+              <a:defRPr sz="1600" b="1"/>
+            </a:lvl7pPr>
+            <a:lvl8pPr marL="3200400" indent="0">
+              <a:buNone/>
+              <a:defRPr sz="1600" b="1"/>
+            </a:lvl8pPr>
+            <a:lvl9pPr marL="3657600" indent="0">
+              <a:buNone/>
+              <a:defRPr sz="1600" b="1"/>
+            </a:lvl9pPr>
+          </a:lstStyle>
+          <a:p>
+            <a:pPr lvl="0"/>
+            <a:r>
+              <a:rPr lang="en-US" smtClean="0"/>
+              <a:t>Click to edit Master text styles</a:t>
+            </a:r>
+          </a:p>
+        </p:txBody>
+      </p:sp>
+      <p:sp>
+        <p:nvSpPr>
+          <p:cNvPr id="10" name="Text Placeholder 3"/>
+          <p:cNvSpPr>
+            <a:spLocks noGrp="1"/>
+          </p:cNvSpPr>
+          <p:nvPr>
+            <p:ph type="body" sz="half" idx="16"/>
+          </p:nvPr>
+        </p:nvSpPr>
+        <p:spPr>
+          <a:xfrm>
+            <a:off x="4366858" y="2904067"/>
+            <a:ext cx="3456432" cy="3314618"/>
+          </a:xfrm>
+        </p:spPr>
+        <p:txBody>
+          <a:bodyPr anchor="t">
+            <a:normAutofit/>
+          </a:bodyPr>
+          <a:lstStyle>
+            <a:lvl1pPr marL="0" indent="0">
+              <a:buNone/>
+              <a:defRPr sz="1400"/>
+            </a:lvl1pPr>
+            <a:lvl2pPr marL="457200" indent="0">
+              <a:buNone/>
+              <a:defRPr sz="1200"/>
+            </a:lvl2pPr>
+            <a:lvl3pPr marL="914400" indent="0">
+              <a:buNone/>
+              <a:defRPr sz="1000"/>
+            </a:lvl3pPr>
+            <a:lvl4pPr marL="1371600" indent="0">
+              <a:buNone/>
+              <a:defRPr sz="900"/>
+            </a:lvl4pPr>
+            <a:lvl5pPr marL="1828800" indent="0">
+              <a:buNone/>
+              <a:defRPr sz="900"/>
+            </a:lvl5pPr>
+            <a:lvl6pPr marL="2286000" indent="0">
+              <a:buNone/>
+              <a:defRPr sz="900"/>
+            </a:lvl6pPr>
+            <a:lvl7pPr marL="2743200" indent="0">
+              <a:buNone/>
+              <a:defRPr sz="900"/>
+            </a:lvl7pPr>
+            <a:lvl8pPr marL="3200400" indent="0">
+              <a:buNone/>
+              <a:defRPr sz="900"/>
+            </a:lvl8pPr>
+            <a:lvl9pPr marL="3657600" indent="0">
+              <a:buNone/>
+              <a:defRPr sz="900"/>
+            </a:lvl9pPr>
+          </a:lstStyle>
+          <a:p>
+            <a:pPr lvl="0"/>
+            <a:r>
+              <a:rPr lang="en-US" smtClean="0"/>
+              <a:t>Click to edit Master text styles</a:t>
+            </a:r>
+          </a:p>
+        </p:txBody>
+      </p:sp>
+      <p:sp>
+        <p:nvSpPr>
+          <p:cNvPr id="11" name="Text Placeholder 4"/>
+          <p:cNvSpPr>
+            <a:spLocks noGrp="1"/>
+          </p:cNvSpPr>
+          <p:nvPr>
+            <p:ph type="body" sz="quarter" idx="13"/>
+          </p:nvPr>
+        </p:nvSpPr>
+        <p:spPr>
+          <a:xfrm>
+            <a:off x="8051800" y="2192866"/>
+            <a:ext cx="3456432" cy="626534"/>
+          </a:xfrm>
+        </p:spPr>
+        <p:txBody>
+          <a:bodyPr anchor="b">
+            <a:noAutofit/>
+          </a:bodyPr>
+          <a:lstStyle>
+            <a:lvl1pPr marL="0" indent="0">
+              <a:buNone/>
+              <a:defRPr sz="2400" b="0">
+                <a:solidFill>
+                  <a:schemeClr val="tx1"/>
+                </a:solidFill>
+              </a:defRPr>
+            </a:lvl1pPr>
+            <a:lvl2pPr marL="457200" indent="0">
+              <a:buNone/>
+              <a:defRPr sz="2000" b="1"/>
+            </a:lvl2pPr>
+            <a:lvl3pPr marL="914400" indent="0">
+              <a:buNone/>
+              <a:defRPr sz="1800" b="1"/>
+            </a:lvl3pPr>
+            <a:lvl4pPr marL="1371600" indent="0">
+              <a:buNone/>
+              <a:defRPr sz="1600" b="1"/>
+            </a:lvl4pPr>
+            <a:lvl5pPr marL="1828800" indent="0">
+              <a:buNone/>
+              <a:defRPr sz="1600" b="1"/>
+            </a:lvl5pPr>
+            <a:lvl6pPr marL="2286000" indent="0">
+              <a:buNone/>
+              <a:defRPr sz="1600" b="1"/>
+            </a:lvl6pPr>
+            <a:lvl7pPr marL="2743200" indent="0">
+              <a:buNone/>
+              <a:defRPr sz="1600" b="1"/>
+            </a:lvl7pPr>
+            <a:lvl8pPr marL="3200400" indent="0">
+              <a:buNone/>
+              <a:defRPr sz="1600" b="1"/>
+            </a:lvl8pPr>
+            <a:lvl9pPr marL="3657600" indent="0">
+              <a:buNone/>
+              <a:defRPr sz="1600" b="1"/>
+            </a:lvl9pPr>
+          </a:lstStyle>
+          <a:p>
+            <a:pPr lvl="0"/>
+            <a:r>
+              <a:rPr lang="en-US" smtClean="0"/>
+              <a:t>Click to edit Master text styles</a:t>
+            </a:r>
+          </a:p>
+        </p:txBody>
+      </p:sp>
+      <p:sp>
+        <p:nvSpPr>
+          <p:cNvPr id="12" name="Text Placeholder 3"/>
+          <p:cNvSpPr>
+            <a:spLocks noGrp="1"/>
+          </p:cNvSpPr>
+          <p:nvPr>
+            <p:ph type="body" sz="half" idx="17"/>
+          </p:nvPr>
+        </p:nvSpPr>
+        <p:spPr>
+          <a:xfrm>
+            <a:off x="8051801" y="2904565"/>
+            <a:ext cx="3456432" cy="3314132"/>
+          </a:xfrm>
+        </p:spPr>
+        <p:txBody>
+          <a:bodyPr anchor="t">
+            <a:normAutofit/>
+          </a:bodyPr>
+          <a:lstStyle>
+            <a:lvl1pPr marL="0" indent="0">
+              <a:buNone/>
+              <a:defRPr sz="1400"/>
+            </a:lvl1pPr>
+            <a:lvl2pPr marL="457200" indent="0">
+              <a:buNone/>
+              <a:defRPr sz="1200"/>
+            </a:lvl2pPr>
+            <a:lvl3pPr marL="914400" indent="0">
+              <a:buNone/>
+              <a:defRPr sz="1000"/>
+            </a:lvl3pPr>
+            <a:lvl4pPr marL="1371600" indent="0">
+              <a:buNone/>
+              <a:defRPr sz="900"/>
+            </a:lvl4pPr>
+            <a:lvl5pPr marL="1828800" indent="0">
+              <a:buNone/>
+              <a:defRPr sz="900"/>
+            </a:lvl5pPr>
+            <a:lvl6pPr marL="2286000" indent="0">
+              <a:buNone/>
+              <a:defRPr sz="900"/>
+            </a:lvl6pPr>
+            <a:lvl7pPr marL="2743200" indent="0">
+              <a:buNone/>
+              <a:defRPr sz="900"/>
+            </a:lvl7pPr>
+            <a:lvl8pPr marL="3200400" indent="0">
+              <a:buNone/>
+              <a:defRPr sz="900"/>
+            </a:lvl8pPr>
+            <a:lvl9pPr marL="3657600" indent="0">
+              <a:buNone/>
+              <a:defRPr sz="900"/>
+            </a:lvl9pPr>
+          </a:lstStyle>
+          <a:p>
+            <a:pPr lvl="0"/>
+            <a:r>
+              <a:rPr lang="en-US" smtClean="0"/>
+              <a:t>Click to edit Master text styles</a:t>
+            </a:r>
+          </a:p>
+        </p:txBody>
+      </p:sp>
+      <p:sp>
+        <p:nvSpPr>
+          <p:cNvPr id="3" name="Date Placeholder 2"/>
+          <p:cNvSpPr>
+            <a:spLocks noGrp="1"/>
+          </p:cNvSpPr>
+          <p:nvPr>
+            <p:ph type="dt" sz="half" idx="10"/>
+          </p:nvPr>
+        </p:nvSpPr>
+        <p:spPr/>
+        <p:txBody>
+          <a:bodyPr/>
+          <a:lstStyle/>
+          <a:p>
+            <a:fld id="{BC770ECC-4857-1D48-B366-3C2C6D848DE5}" type="datetime1">
+              <a:rPr lang="en-US" smtClean="0"/>
+              <a:t>7/16/15</a:t>
+            </a:fld>
+            <a:endParaRPr lang="en-US"/>
+          </a:p>
+        </p:txBody>
+      </p:sp>
+      <p:sp>
+        <p:nvSpPr>
+          <p:cNvPr id="4" name="Footer Placeholder 3"/>
+          <p:cNvSpPr>
+            <a:spLocks noGrp="1"/>
+          </p:cNvSpPr>
+          <p:nvPr>
+            <p:ph type="ftr" sz="quarter" idx="11"/>
+          </p:nvPr>
+        </p:nvSpPr>
+        <p:spPr/>
+        <p:txBody>
+          <a:bodyPr/>
+          <a:lstStyle/>
+          <a:p>
+            <a:endParaRPr lang="en-US"/>
+          </a:p>
+        </p:txBody>
+      </p:sp>
+      <p:sp>
+        <p:nvSpPr>
+          <p:cNvPr id="5" name="Slide Number Placeholder 4"/>
+          <p:cNvSpPr>
+            <a:spLocks noGrp="1"/>
+          </p:cNvSpPr>
+          <p:nvPr>
+            <p:ph type="sldNum" sz="quarter" idx="12"/>
+          </p:nvPr>
+        </p:nvSpPr>
+        <p:spPr/>
+        <p:txBody>
+          <a:bodyPr/>
+          <a:lstStyle/>
+          <a:p>
+            <a:fld id="{524C641E-459D-4E41-BF05-7BD1DD7A8A9D}" type="slidenum">
+              <a:rPr lang="en-US" smtClean="0"/>
+              <a:t>‹#›</a:t>
+            </a:fld>
+            <a:endParaRPr lang="en-US"/>
+          </a:p>
+        </p:txBody>
+      </p:sp>
+    </p:spTree>
+    <p:extLst>
+      <p:ext uri="{BB962C8B-B14F-4D97-AF65-F5344CB8AC3E}">
+        <p14:creationId xmlns:p14="http://schemas.microsoft.com/office/powerpoint/2010/main" val="1067854538"/>
+      </p:ext>
+    </p:extLst>
+  </p:cSld>
+  <p:clrMapOvr>
+    <a:masterClrMapping/>
+  </p:clrMapOvr>
+  <p:hf hdr="0" ftr="0" dt="0"/>
+</p:sldLayout>
+</file>
+
+<file path=ppt/slideLayouts/slideLayout15.xml><?xml version="1.0" encoding="utf-8"?>
+<p:sldLayout xmlns:a="http://schemas.openxmlformats.org/drawingml/2006/main" xmlns:r="http://schemas.openxmlformats.org/officeDocument/2006/relationships" xmlns:p="http://schemas.openxmlformats.org/presentationml/2006/main" preserve="1">
+  <p:cSld name="3 Picture Column">
+    <p:spTree>
+      <p:nvGrpSpPr>
+        <p:cNvPr id="1" name=""/>
+        <p:cNvGrpSpPr/>
+        <p:nvPr/>
+      </p:nvGrpSpPr>
+      <p:grpSpPr>
+        <a:xfrm>
+          <a:off x="0" y="0"/>
+          <a:ext cx="0" cy="0"/>
+          <a:chOff x="0" y="0"/>
+          <a:chExt cx="0" cy="0"/>
+        </a:xfrm>
+      </p:grpSpPr>
+      <p:sp>
+        <p:nvSpPr>
+          <p:cNvPr id="30" name="Title 1"/>
+          <p:cNvSpPr>
+            <a:spLocks noGrp="1"/>
+          </p:cNvSpPr>
+          <p:nvPr>
+            <p:ph type="title"/>
+          </p:nvPr>
+        </p:nvSpPr>
+        <p:spPr>
+          <a:xfrm>
+            <a:off x="2895600" y="762000"/>
+            <a:ext cx="8610599" cy="1295400"/>
+          </a:xfrm>
+        </p:spPr>
+        <p:txBody>
+          <a:bodyPr/>
+          <a:lstStyle/>
+          <a:p>
+            <a:r>
+              <a:rPr lang="en-US" smtClean="0"/>
+              <a:t>Click to edit Master title style</a:t>
+            </a:r>
+            <a:endParaRPr lang="en-US" dirty="0"/>
+          </a:p>
+        </p:txBody>
+      </p:sp>
+      <p:sp>
+        <p:nvSpPr>
+          <p:cNvPr id="19" name="Text Placeholder 2"/>
+          <p:cNvSpPr>
+            <a:spLocks noGrp="1"/>
+          </p:cNvSpPr>
+          <p:nvPr>
+            <p:ph type="body" idx="1"/>
+          </p:nvPr>
+        </p:nvSpPr>
+        <p:spPr>
+          <a:xfrm>
+            <a:off x="688618" y="4191000"/>
+            <a:ext cx="3451582" cy="682765"/>
+          </a:xfrm>
+        </p:spPr>
+        <p:txBody>
+          <a:bodyPr anchor="b">
+            <a:noAutofit/>
+          </a:bodyPr>
+          <a:lstStyle>
+            <a:lvl1pPr marL="0" indent="0">
+              <a:buNone/>
+              <a:defRPr sz="2400" b="0">
+                <a:solidFill>
+                  <a:schemeClr val="tx1"/>
+                </a:solidFill>
+              </a:defRPr>
+            </a:lvl1pPr>
+            <a:lvl2pPr marL="457200" indent="0">
+              <a:buNone/>
+              <a:defRPr sz="2000" b="1"/>
+            </a:lvl2pPr>
+            <a:lvl3pPr marL="914400" indent="0">
+              <a:buNone/>
+              <a:defRPr sz="1800" b="1"/>
+            </a:lvl3pPr>
+            <a:lvl4pPr marL="1371600" indent="0">
+              <a:buNone/>
+              <a:defRPr sz="1600" b="1"/>
+            </a:lvl4pPr>
+            <a:lvl5pPr marL="1828800" indent="0">
+              <a:buNone/>
+              <a:defRPr sz="1600" b="1"/>
+            </a:lvl5pPr>
+            <a:lvl6pPr marL="2286000" indent="0">
+              <a:buNone/>
+              <a:defRPr sz="1600" b="1"/>
+            </a:lvl6pPr>
+            <a:lvl7pPr marL="2743200" indent="0">
+              <a:buNone/>
+              <a:defRPr sz="1600" b="1"/>
+            </a:lvl7pPr>
+            <a:lvl8pPr marL="3200400" indent="0">
+              <a:buNone/>
+              <a:defRPr sz="1600" b="1"/>
+            </a:lvl8pPr>
+            <a:lvl9pPr marL="3657600" indent="0">
+              <a:buNone/>
+              <a:defRPr sz="1600" b="1"/>
+            </a:lvl9pPr>
+          </a:lstStyle>
+          <a:p>
+            <a:pPr lvl="0"/>
+            <a:r>
+              <a:rPr lang="en-US" smtClean="0"/>
+              <a:t>Click to edit Master text styles</a:t>
+            </a:r>
+          </a:p>
+        </p:txBody>
+      </p:sp>
+      <p:sp>
+        <p:nvSpPr>
+          <p:cNvPr id="20" name="Picture Placeholder 2"/>
+          <p:cNvSpPr>
+            <a:spLocks noGrp="1" noChangeAspect="1"/>
+          </p:cNvSpPr>
+          <p:nvPr>
+            <p:ph type="pic" idx="15"/>
+          </p:nvPr>
+        </p:nvSpPr>
+        <p:spPr>
+          <a:xfrm>
+            <a:off x="688618" y="2362200"/>
+            <a:ext cx="3451582" cy="1524000"/>
+          </a:xfrm>
+          <a:prstGeom prst="roundRect">
+            <a:avLst>
+              <a:gd name="adj" fmla="val 0"/>
+            </a:avLst>
+          </a:prstGeom>
+          <a:effectLst>
+            <a:outerShdw blurRad="50800" dist="50800" dir="5400000" algn="tl" rotWithShape="0">
+              <a:srgbClr val="000000">
+                <a:alpha val="43000"/>
+              </a:srgbClr>
+            </a:outerShdw>
+          </a:effectLst>
+        </p:spPr>
+        <p:txBody>
+          <a:bodyPr anchor="t">
+            <a:normAutofit/>
+          </a:bodyPr>
+          <a:lstStyle>
+            <a:lvl1pPr marL="0" indent="0" algn="ctr">
+              <a:buNone/>
+              <a:defRPr sz="1600"/>
+            </a:lvl1pPr>
+            <a:lvl2pPr marL="457200" indent="0">
+              <a:buNone/>
+              <a:defRPr sz="1600"/>
+            </a:lvl2pPr>
+            <a:lvl3pPr marL="914400" indent="0">
+              <a:buNone/>
+              <a:defRPr sz="1600"/>
+            </a:lvl3pPr>
+            <a:lvl4pPr marL="1371600" indent="0">
+              <a:buNone/>
+              <a:defRPr sz="1600"/>
+            </a:lvl4pPr>
+            <a:lvl5pPr marL="1828800" indent="0">
+              <a:buNone/>
+              <a:defRPr sz="1600"/>
+            </a:lvl5pPr>
+            <a:lvl6pPr marL="2286000" indent="0">
+              <a:buNone/>
+              <a:defRPr sz="1600"/>
+            </a:lvl6pPr>
+            <a:lvl7pPr marL="2743200" indent="0">
+              <a:buNone/>
+              <a:defRPr sz="1600"/>
+            </a:lvl7pPr>
+            <a:lvl8pPr marL="3200400" indent="0">
+              <a:buNone/>
+              <a:defRPr sz="1600"/>
+            </a:lvl8pPr>
+            <a:lvl9pPr marL="3657600" indent="0">
+              <a:buNone/>
+              <a:defRPr sz="1600"/>
+            </a:lvl9pPr>
+          </a:lstStyle>
+          <a:p>
+            <a:r>
+              <a:rPr lang="en-US" smtClean="0"/>
+              <a:t>Drag picture to placeholder or click icon to add</a:t>
+            </a:r>
+            <a:endParaRPr lang="en-US" dirty="0"/>
+          </a:p>
+        </p:txBody>
+      </p:sp>
+      <p:sp>
+        <p:nvSpPr>
+          <p:cNvPr id="21" name="Text Placeholder 3"/>
+          <p:cNvSpPr>
+            <a:spLocks noGrp="1"/>
+          </p:cNvSpPr>
+          <p:nvPr>
+            <p:ph type="body" sz="half" idx="18"/>
+          </p:nvPr>
+        </p:nvSpPr>
+        <p:spPr>
+          <a:xfrm>
+            <a:off x="688618" y="4873764"/>
+            <a:ext cx="3451582" cy="1344921"/>
+          </a:xfrm>
+        </p:spPr>
+        <p:txBody>
+          <a:bodyPr anchor="t">
+            <a:normAutofit/>
+          </a:bodyPr>
+          <a:lstStyle>
+            <a:lvl1pPr marL="0" indent="0">
+              <a:buNone/>
+              <a:defRPr sz="1400"/>
+            </a:lvl1pPr>
+            <a:lvl2pPr marL="457200" indent="0">
+              <a:buNone/>
+              <a:defRPr sz="1200"/>
+            </a:lvl2pPr>
+            <a:lvl3pPr marL="914400" indent="0">
+              <a:buNone/>
+              <a:defRPr sz="1000"/>
+            </a:lvl3pPr>
+            <a:lvl4pPr marL="1371600" indent="0">
+              <a:buNone/>
+              <a:defRPr sz="900"/>
+            </a:lvl4pPr>
+            <a:lvl5pPr marL="1828800" indent="0">
+              <a:buNone/>
+              <a:defRPr sz="900"/>
+            </a:lvl5pPr>
+            <a:lvl6pPr marL="2286000" indent="0">
+              <a:buNone/>
+              <a:defRPr sz="900"/>
+            </a:lvl6pPr>
+            <a:lvl7pPr marL="2743200" indent="0">
+              <a:buNone/>
+              <a:defRPr sz="900"/>
+            </a:lvl7pPr>
+            <a:lvl8pPr marL="3200400" indent="0">
+              <a:buNone/>
+              <a:defRPr sz="900"/>
+            </a:lvl8pPr>
+            <a:lvl9pPr marL="3657600" indent="0">
+              <a:buNone/>
+              <a:defRPr sz="900"/>
+            </a:lvl9pPr>
+          </a:lstStyle>
+          <a:p>
+            <a:pPr lvl="0"/>
+            <a:r>
+              <a:rPr lang="en-US" smtClean="0"/>
+              <a:t>Click to edit Master text styles</a:t>
+            </a:r>
+          </a:p>
+        </p:txBody>
+      </p:sp>
+      <p:sp>
+        <p:nvSpPr>
+          <p:cNvPr id="22" name="Text Placeholder 4"/>
+          <p:cNvSpPr>
+            <a:spLocks noGrp="1"/>
+          </p:cNvSpPr>
+          <p:nvPr>
+            <p:ph type="body" sz="quarter" idx="3"/>
+          </p:nvPr>
+        </p:nvSpPr>
+        <p:spPr>
+          <a:xfrm>
+            <a:off x="4374263" y="4191000"/>
+            <a:ext cx="3448935" cy="682765"/>
+          </a:xfrm>
+        </p:spPr>
+        <p:txBody>
+          <a:bodyPr anchor="b">
+            <a:noAutofit/>
+          </a:bodyPr>
+          <a:lstStyle>
+            <a:lvl1pPr marL="0" indent="0">
+              <a:buNone/>
+              <a:defRPr sz="2400" b="0">
+                <a:solidFill>
+                  <a:schemeClr val="tx1"/>
+                </a:solidFill>
+              </a:defRPr>
+            </a:lvl1pPr>
+            <a:lvl2pPr marL="457200" indent="0">
+              <a:buNone/>
+              <a:defRPr sz="2000" b="1"/>
+            </a:lvl2pPr>
+            <a:lvl3pPr marL="914400" indent="0">
+              <a:buNone/>
+              <a:defRPr sz="1800" b="1"/>
+            </a:lvl3pPr>
+            <a:lvl4pPr marL="1371600" indent="0">
+              <a:buNone/>
+              <a:defRPr sz="1600" b="1"/>
+            </a:lvl4pPr>
+            <a:lvl5pPr marL="1828800" indent="0">
+              <a:buNone/>
+              <a:defRPr sz="1600" b="1"/>
+            </a:lvl5pPr>
+            <a:lvl6pPr marL="2286000" indent="0">
+              <a:buNone/>
+              <a:defRPr sz="1600" b="1"/>
+            </a:lvl6pPr>
+            <a:lvl7pPr marL="2743200" indent="0">
+              <a:buNone/>
+              <a:defRPr sz="1600" b="1"/>
+            </a:lvl7pPr>
+            <a:lvl8pPr marL="3200400" indent="0">
+              <a:buNone/>
+              <a:defRPr sz="1600" b="1"/>
+            </a:lvl8pPr>
+            <a:lvl9pPr marL="3657600" indent="0">
+              <a:buNone/>
+              <a:defRPr sz="1600" b="1"/>
+            </a:lvl9pPr>
+          </a:lstStyle>
+          <a:p>
+            <a:pPr lvl="0"/>
+            <a:r>
+              <a:rPr lang="en-US" smtClean="0"/>
+              <a:t>Click to edit Master text styles</a:t>
+            </a:r>
+          </a:p>
+        </p:txBody>
+      </p:sp>
+      <p:sp>
+        <p:nvSpPr>
+          <p:cNvPr id="23" name="Picture Placeholder 2"/>
+          <p:cNvSpPr>
+            <a:spLocks noGrp="1" noChangeAspect="1"/>
+          </p:cNvSpPr>
+          <p:nvPr>
+            <p:ph type="pic" idx="21"/>
+          </p:nvPr>
+        </p:nvSpPr>
+        <p:spPr>
+          <a:xfrm>
+            <a:off x="4374263" y="2362200"/>
+            <a:ext cx="3448936" cy="1524000"/>
+          </a:xfrm>
+          <a:prstGeom prst="roundRect">
+            <a:avLst>
+              <a:gd name="adj" fmla="val 0"/>
+            </a:avLst>
+          </a:prstGeom>
+          <a:effectLst>
+            <a:outerShdw blurRad="50800" dist="50800" dir="5400000" algn="tl" rotWithShape="0">
+              <a:srgbClr val="000000">
+                <a:alpha val="43000"/>
+              </a:srgbClr>
+            </a:outerShdw>
+          </a:effectLst>
+        </p:spPr>
+        <p:txBody>
+          <a:bodyPr anchor="t">
+            <a:normAutofit/>
+          </a:bodyPr>
+          <a:lstStyle>
+            <a:lvl1pPr marL="0" indent="0" algn="ctr">
+              <a:buNone/>
+              <a:defRPr sz="1600"/>
+            </a:lvl1pPr>
+            <a:lvl2pPr marL="457200" indent="0">
+              <a:buNone/>
+              <a:defRPr sz="1600"/>
+            </a:lvl2pPr>
+            <a:lvl3pPr marL="914400" indent="0">
+              <a:buNone/>
+              <a:defRPr sz="1600"/>
+            </a:lvl3pPr>
+            <a:lvl4pPr marL="1371600" indent="0">
+              <a:buNone/>
+              <a:defRPr sz="1600"/>
+            </a:lvl4pPr>
+            <a:lvl5pPr marL="1828800" indent="0">
+              <a:buNone/>
+              <a:defRPr sz="1600"/>
+            </a:lvl5pPr>
+            <a:lvl6pPr marL="2286000" indent="0">
+              <a:buNone/>
+              <a:defRPr sz="1600"/>
+            </a:lvl6pPr>
+            <a:lvl7pPr marL="2743200" indent="0">
+              <a:buNone/>
+              <a:defRPr sz="1600"/>
+            </a:lvl7pPr>
+            <a:lvl8pPr marL="3200400" indent="0">
+              <a:buNone/>
+              <a:defRPr sz="1600"/>
+            </a:lvl8pPr>
+            <a:lvl9pPr marL="3657600" indent="0">
+              <a:buNone/>
+              <a:defRPr sz="1600"/>
+            </a:lvl9pPr>
+          </a:lstStyle>
+          <a:p>
+            <a:r>
+              <a:rPr lang="en-US" smtClean="0"/>
+              <a:t>Drag picture to placeholder or click icon to add</a:t>
+            </a:r>
+            <a:endParaRPr lang="en-US" dirty="0"/>
+          </a:p>
+        </p:txBody>
+      </p:sp>
+      <p:sp>
+        <p:nvSpPr>
+          <p:cNvPr id="24" name="Text Placeholder 3"/>
+          <p:cNvSpPr>
+            <a:spLocks noGrp="1"/>
+          </p:cNvSpPr>
+          <p:nvPr>
+            <p:ph type="body" sz="half" idx="19"/>
+          </p:nvPr>
+        </p:nvSpPr>
+        <p:spPr>
+          <a:xfrm>
+            <a:off x="4374264" y="4873763"/>
+            <a:ext cx="3448935" cy="1344921"/>
+          </a:xfrm>
+        </p:spPr>
+        <p:txBody>
+          <a:bodyPr anchor="t">
+            <a:normAutofit/>
+          </a:bodyPr>
+          <a:lstStyle>
+            <a:lvl1pPr marL="0" indent="0">
+              <a:buNone/>
+              <a:defRPr sz="1400"/>
+            </a:lvl1pPr>
+            <a:lvl2pPr marL="457200" indent="0">
+              <a:buNone/>
+              <a:defRPr sz="1200"/>
+            </a:lvl2pPr>
+            <a:lvl3pPr marL="914400" indent="0">
+              <a:buNone/>
+              <a:defRPr sz="1000"/>
+            </a:lvl3pPr>
+            <a:lvl4pPr marL="1371600" indent="0">
+              <a:buNone/>
+              <a:defRPr sz="900"/>
+            </a:lvl4pPr>
+            <a:lvl5pPr marL="1828800" indent="0">
+              <a:buNone/>
+              <a:defRPr sz="900"/>
+            </a:lvl5pPr>
+            <a:lvl6pPr marL="2286000" indent="0">
+              <a:buNone/>
+              <a:defRPr sz="900"/>
+            </a:lvl6pPr>
+            <a:lvl7pPr marL="2743200" indent="0">
+              <a:buNone/>
+              <a:defRPr sz="900"/>
+            </a:lvl7pPr>
+            <a:lvl8pPr marL="3200400" indent="0">
+              <a:buNone/>
+              <a:defRPr sz="900"/>
+            </a:lvl8pPr>
+            <a:lvl9pPr marL="3657600" indent="0">
+              <a:buNone/>
+              <a:defRPr sz="900"/>
+            </a:lvl9pPr>
+          </a:lstStyle>
+          <a:p>
+            <a:pPr lvl="0"/>
+            <a:r>
+              <a:rPr lang="en-US" smtClean="0"/>
+              <a:t>Click to edit Master text styles</a:t>
+            </a:r>
+          </a:p>
+        </p:txBody>
+      </p:sp>
+      <p:sp>
+        <p:nvSpPr>
+          <p:cNvPr id="25" name="Text Placeholder 4"/>
+          <p:cNvSpPr>
+            <a:spLocks noGrp="1"/>
+          </p:cNvSpPr>
+          <p:nvPr>
+            <p:ph type="body" sz="quarter" idx="13"/>
+          </p:nvPr>
+        </p:nvSpPr>
+        <p:spPr>
+          <a:xfrm>
+            <a:off x="8049731" y="4191000"/>
+            <a:ext cx="3456469" cy="682765"/>
+          </a:xfrm>
+        </p:spPr>
+        <p:txBody>
+          <a:bodyPr anchor="b">
+            <a:noAutofit/>
+          </a:bodyPr>
+          <a:lstStyle>
+            <a:lvl1pPr marL="0" indent="0">
+              <a:buNone/>
+              <a:defRPr sz="2400" b="0">
+                <a:solidFill>
+                  <a:schemeClr val="tx1"/>
+                </a:solidFill>
+              </a:defRPr>
+            </a:lvl1pPr>
+            <a:lvl2pPr marL="457200" indent="0">
+              <a:buNone/>
+              <a:defRPr sz="2000" b="1"/>
+            </a:lvl2pPr>
+            <a:lvl3pPr marL="914400" indent="0">
+              <a:buNone/>
+              <a:defRPr sz="1800" b="1"/>
+            </a:lvl3pPr>
+            <a:lvl4pPr marL="1371600" indent="0">
+              <a:buNone/>
+              <a:defRPr sz="1600" b="1"/>
+            </a:lvl4pPr>
+            <a:lvl5pPr marL="1828800" indent="0">
+              <a:buNone/>
+              <a:defRPr sz="1600" b="1"/>
+            </a:lvl5pPr>
+            <a:lvl6pPr marL="2286000" indent="0">
+              <a:buNone/>
+              <a:defRPr sz="1600" b="1"/>
+            </a:lvl6pPr>
+            <a:lvl7pPr marL="2743200" indent="0">
+              <a:buNone/>
+              <a:defRPr sz="1600" b="1"/>
+            </a:lvl7pPr>
+            <a:lvl8pPr marL="3200400" indent="0">
+              <a:buNone/>
+              <a:defRPr sz="1600" b="1"/>
+            </a:lvl8pPr>
+            <a:lvl9pPr marL="3657600" indent="0">
+              <a:buNone/>
+              <a:defRPr sz="1600" b="1"/>
+            </a:lvl9pPr>
+          </a:lstStyle>
+          <a:p>
+            <a:pPr lvl="0"/>
+            <a:r>
+              <a:rPr lang="en-US" smtClean="0"/>
+              <a:t>Click to edit Master text styles</a:t>
+            </a:r>
+          </a:p>
+        </p:txBody>
+      </p:sp>
+      <p:sp>
+        <p:nvSpPr>
+          <p:cNvPr id="26" name="Picture Placeholder 2"/>
+          <p:cNvSpPr>
+            <a:spLocks noGrp="1" noChangeAspect="1"/>
+          </p:cNvSpPr>
+          <p:nvPr>
+            <p:ph type="pic" idx="22"/>
+          </p:nvPr>
+        </p:nvSpPr>
+        <p:spPr>
+          <a:xfrm>
+            <a:off x="8049855" y="2362200"/>
+            <a:ext cx="3447878" cy="1524000"/>
+          </a:xfrm>
+          <a:prstGeom prst="roundRect">
+            <a:avLst>
+              <a:gd name="adj" fmla="val 0"/>
+            </a:avLst>
+          </a:prstGeom>
+          <a:effectLst>
+            <a:outerShdw blurRad="50800" dist="50800" dir="5400000" algn="tl" rotWithShape="0">
+              <a:srgbClr val="000000">
+                <a:alpha val="43000"/>
+              </a:srgbClr>
+            </a:outerShdw>
+          </a:effectLst>
+        </p:spPr>
+        <p:txBody>
+          <a:bodyPr anchor="t">
+            <a:normAutofit/>
+          </a:bodyPr>
+          <a:lstStyle>
+            <a:lvl1pPr marL="0" indent="0" algn="ctr">
+              <a:buNone/>
+              <a:defRPr sz="1600"/>
+            </a:lvl1pPr>
+            <a:lvl2pPr marL="457200" indent="0">
+              <a:buNone/>
+              <a:defRPr sz="1600"/>
+            </a:lvl2pPr>
+            <a:lvl3pPr marL="914400" indent="0">
+              <a:buNone/>
+              <a:defRPr sz="1600"/>
+            </a:lvl3pPr>
+            <a:lvl4pPr marL="1371600" indent="0">
+              <a:buNone/>
+              <a:defRPr sz="1600"/>
+            </a:lvl4pPr>
+            <a:lvl5pPr marL="1828800" indent="0">
+              <a:buNone/>
+              <a:defRPr sz="1600"/>
+            </a:lvl5pPr>
+            <a:lvl6pPr marL="2286000" indent="0">
+              <a:buNone/>
+              <a:defRPr sz="1600"/>
+            </a:lvl6pPr>
+            <a:lvl7pPr marL="2743200" indent="0">
+              <a:buNone/>
+              <a:defRPr sz="1600"/>
+            </a:lvl7pPr>
+            <a:lvl8pPr marL="3200400" indent="0">
+              <a:buNone/>
+              <a:defRPr sz="1600"/>
+            </a:lvl8pPr>
+            <a:lvl9pPr marL="3657600" indent="0">
+              <a:buNone/>
+              <a:defRPr sz="1600"/>
+            </a:lvl9pPr>
+          </a:lstStyle>
+          <a:p>
+            <a:r>
+              <a:rPr lang="en-US" smtClean="0"/>
+              <a:t>Drag picture to placeholder or click icon to add</a:t>
+            </a:r>
+            <a:endParaRPr lang="en-US" dirty="0"/>
+          </a:p>
+        </p:txBody>
+      </p:sp>
+      <p:sp>
+        <p:nvSpPr>
+          <p:cNvPr id="27" name="Text Placeholder 3"/>
+          <p:cNvSpPr>
+            <a:spLocks noGrp="1"/>
+          </p:cNvSpPr>
+          <p:nvPr>
+            <p:ph type="body" sz="half" idx="20"/>
+          </p:nvPr>
+        </p:nvSpPr>
+        <p:spPr>
+          <a:xfrm>
+            <a:off x="8049731" y="4873761"/>
+            <a:ext cx="3452445" cy="1344921"/>
+          </a:xfrm>
+        </p:spPr>
+        <p:txBody>
+          <a:bodyPr anchor="t">
+            <a:normAutofit/>
+          </a:bodyPr>
+          <a:lstStyle>
+            <a:lvl1pPr marL="0" indent="0">
+              <a:buNone/>
+              <a:defRPr sz="1400"/>
+            </a:lvl1pPr>
+            <a:lvl2pPr marL="457200" indent="0">
+              <a:buNone/>
+              <a:defRPr sz="1200"/>
+            </a:lvl2pPr>
+            <a:lvl3pPr marL="914400" indent="0">
+              <a:buNone/>
+              <a:defRPr sz="1000"/>
+            </a:lvl3pPr>
+            <a:lvl4pPr marL="1371600" indent="0">
+              <a:buNone/>
+              <a:defRPr sz="900"/>
+            </a:lvl4pPr>
+            <a:lvl5pPr marL="1828800" indent="0">
+              <a:buNone/>
+              <a:defRPr sz="900"/>
+            </a:lvl5pPr>
+            <a:lvl6pPr marL="2286000" indent="0">
+              <a:buNone/>
+              <a:defRPr sz="900"/>
+            </a:lvl6pPr>
+            <a:lvl7pPr marL="2743200" indent="0">
+              <a:buNone/>
+              <a:defRPr sz="900"/>
+            </a:lvl7pPr>
+            <a:lvl8pPr marL="3200400" indent="0">
+              <a:buNone/>
+              <a:defRPr sz="900"/>
+            </a:lvl8pPr>
+            <a:lvl9pPr marL="3657600" indent="0">
+              <a:buNone/>
+              <a:defRPr sz="900"/>
+            </a:lvl9pPr>
+          </a:lstStyle>
+          <a:p>
+            <a:pPr lvl="0"/>
+            <a:r>
+              <a:rPr lang="en-US" smtClean="0"/>
+              <a:t>Click to edit Master text styles</a:t>
+            </a:r>
+          </a:p>
+        </p:txBody>
+      </p:sp>
+      <p:sp>
+        <p:nvSpPr>
+          <p:cNvPr id="3" name="Date Placeholder 2"/>
+          <p:cNvSpPr>
+            <a:spLocks noGrp="1"/>
+          </p:cNvSpPr>
+          <p:nvPr>
+            <p:ph type="dt" sz="half" idx="10"/>
+          </p:nvPr>
+        </p:nvSpPr>
+        <p:spPr/>
+        <p:txBody>
+          <a:bodyPr/>
+          <a:lstStyle/>
+          <a:p>
+            <a:fld id="{BC770ECC-4857-1D48-B366-3C2C6D848DE5}" type="datetime1">
+              <a:rPr lang="en-US" smtClean="0"/>
+              <a:t>7/16/15</a:t>
+            </a:fld>
+            <a:endParaRPr lang="en-US"/>
+          </a:p>
+        </p:txBody>
+      </p:sp>
+      <p:sp>
+        <p:nvSpPr>
+          <p:cNvPr id="4" name="Footer Placeholder 3"/>
+          <p:cNvSpPr>
+            <a:spLocks noGrp="1"/>
+          </p:cNvSpPr>
+          <p:nvPr>
+            <p:ph type="ftr" sz="quarter" idx="11"/>
+          </p:nvPr>
+        </p:nvSpPr>
+        <p:spPr/>
+        <p:txBody>
+          <a:bodyPr/>
+          <a:lstStyle/>
+          <a:p>
+            <a:endParaRPr lang="en-US"/>
+          </a:p>
+        </p:txBody>
+      </p:sp>
+      <p:sp>
+        <p:nvSpPr>
+          <p:cNvPr id="5" name="Slide Number Placeholder 4"/>
+          <p:cNvSpPr>
+            <a:spLocks noGrp="1"/>
+          </p:cNvSpPr>
+          <p:nvPr>
+            <p:ph type="sldNum" sz="quarter" idx="12"/>
+          </p:nvPr>
+        </p:nvSpPr>
+        <p:spPr/>
+        <p:txBody>
+          <a:bodyPr/>
+          <a:lstStyle/>
+          <a:p>
+            <a:fld id="{524C641E-459D-4E41-BF05-7BD1DD7A8A9D}" type="slidenum">
+              <a:rPr lang="en-US" smtClean="0"/>
+              <a:t>‹#›</a:t>
+            </a:fld>
+            <a:endParaRPr lang="en-US"/>
+          </a:p>
+        </p:txBody>
+      </p:sp>
+    </p:spTree>
+    <p:extLst>
+      <p:ext uri="{BB962C8B-B14F-4D97-AF65-F5344CB8AC3E}">
+        <p14:creationId xmlns:p14="http://schemas.microsoft.com/office/powerpoint/2010/main" val="352118606"/>
+      </p:ext>
+    </p:extLst>
+  </p:cSld>
+  <p:clrMapOvr>
+    <a:masterClrMapping/>
+  </p:clrMapOvr>
+  <p:hf hdr="0" ftr="0" dt="0"/>
+</p:sldLayout>
+</file>
+
+<file path=ppt/slideLayouts/slideLayout16.xml><?xml version="1.0" encoding="utf-8"?>
 <p:sldLayout xmlns:a="http://schemas.openxmlformats.org/drawingml/2006/main" xmlns:r="http://schemas.openxmlformats.org/officeDocument/2006/relationships" xmlns:p="http://schemas.openxmlformats.org/presentationml/2006/main" type="vertTx" preserve="1">
   <p:cSld name="Title and Vertical Text">
     <p:spTree>
@@ -357,7 +3652,7 @@
               <a:rPr lang="en-US" smtClean="0"/>
               <a:t>Click to edit Master title style</a:t>
             </a:r>
-            <a:endParaRPr lang="en-US"/>
+            <a:endParaRPr lang="en-US" dirty="0"/>
           </a:p>
         </p:txBody>
       </p:sp>
@@ -371,7 +3666,12 @@
             <p:ph type="body" orient="vert" idx="1"/>
           </p:nvPr>
         </p:nvSpPr>
-        <p:spPr/>
+        <p:spPr>
+          <a:xfrm>
+            <a:off x="685800" y="2194559"/>
+            <a:ext cx="10820400" cy="4024125"/>
+          </a:xfrm>
+        </p:spPr>
         <p:txBody>
           <a:bodyPr vert="eaVert"/>
           <a:lstStyle/>
@@ -409,7 +3709,7 @@
               <a:rPr lang="en-US" smtClean="0"/>
               <a:t>Fifth level</a:t>
             </a:r>
-            <a:endParaRPr lang="en-US"/>
+            <a:endParaRPr lang="en-US" dirty="0"/>
           </a:p>
         </p:txBody>
       </p:sp>
@@ -428,9 +3728,9 @@
           <a:bodyPr/>
           <a:lstStyle/>
           <a:p>
-            <a:fld id="{6F45B1B6-0682-074B-BF1E-1981F19BF475}" type="datetimeFigureOut">
+            <a:fld id="{FADF7B52-B56F-974D-95C3-ECDDC21937DA}" type="datetime1">
               <a:rPr lang="en-US" smtClean="0"/>
-              <a:t>7/15/15</a:t>
+              <a:t>7/16/15</a:t>
             </a:fld>
             <a:endParaRPr lang="en-US"/>
           </a:p>
@@ -481,7 +3781,7 @@
     </p:spTree>
     <p:extLst>
       <p:ext uri="{BB962C8B-B14F-4D97-AF65-F5344CB8AC3E}">
-        <p14:creationId xmlns:p14="http://schemas.microsoft.com/office/powerpoint/2010/main" val="395191309"/>
+        <p14:creationId xmlns:p14="http://schemas.microsoft.com/office/powerpoint/2010/main" val="1782436840"/>
       </p:ext>
     </p:extLst>
   </p:cSld>
@@ -491,8 +3791,8 @@
 </p:sldLayout>
 </file>
 
-<file path=ppt/slideLayouts/slideLayout11.xml><?xml version="1.0" encoding="utf-8"?>
-<p:sldLayout xmlns:a="http://schemas.openxmlformats.org/drawingml/2006/main" xmlns:r="http://schemas.openxmlformats.org/officeDocument/2006/relationships" xmlns:p="http://schemas.openxmlformats.org/presentationml/2006/main" type="vertTitleAndTx" preserve="1">
+<file path=ppt/slideLayouts/slideLayout17.xml><?xml version="1.0" encoding="utf-8"?>
+<p:sldLayout xmlns:a="http://schemas.openxmlformats.org/drawingml/2006/main" xmlns:r="http://schemas.openxmlformats.org/officeDocument/2006/relationships" xmlns:p="http://schemas.openxmlformats.org/presentationml/2006/main" showMasterSp="0" type="vertTitleAndTx" preserve="1">
   <p:cSld name="Vertical Title and Text">
     <p:spTree>
       <p:nvGrpSpPr>
@@ -508,6 +3808,36 @@
           <a:chExt cx="0" cy="0"/>
         </a:xfrm>
       </p:grpSpPr>
+      <p:pic>
+        <p:nvPicPr>
+          <p:cNvPr id="9" name="Picture 8" descr="C3-HD-BTM.png"/>
+          <p:cNvPicPr>
+            <a:picLocks noChangeAspect="1"/>
+          </p:cNvPicPr>
+          <p:nvPr/>
+        </p:nvPicPr>
+        <p:blipFill>
+          <a:blip r:embed="rId2">
+            <a:extLst>
+              <a:ext uri="{28A0092B-C50C-407E-A947-70E740481C1C}">
+                <a14:useLocalDpi xmlns:a14="http://schemas.microsoft.com/office/drawing/2010/main" val="0"/>
+              </a:ext>
+            </a:extLst>
+          </a:blip>
+          <a:stretch>
+            <a:fillRect/>
+          </a:stretch>
+        </p:blipFill>
+        <p:spPr>
+          <a:xfrm>
+            <a:off x="0" y="4375150"/>
+            <a:ext cx="12192000" cy="2482850"/>
+          </a:xfrm>
+          <a:prstGeom prst="rect">
+            <a:avLst/>
+          </a:prstGeom>
+        </p:spPr>
+      </p:pic>
       <p:sp>
         <p:nvSpPr>
           <p:cNvPr id="2" name="Vertical Title 1"/>
@@ -520,19 +3850,23 @@
         </p:nvSpPr>
         <p:spPr>
           <a:xfrm>
-            <a:off x="8724900" y="365125"/>
-            <a:ext cx="2628900" cy="5811838"/>
+            <a:off x="9448800" y="745066"/>
+            <a:ext cx="2057400" cy="3903133"/>
           </a:xfrm>
         </p:spPr>
         <p:txBody>
           <a:bodyPr vert="eaVert"/>
-          <a:lstStyle/>
+          <a:lstStyle>
+            <a:lvl1pPr algn="l">
+              <a:defRPr/>
+            </a:lvl1pPr>
+          </a:lstStyle>
           <a:p>
             <a:r>
               <a:rPr lang="en-US" smtClean="0"/>
               <a:t>Click to edit Master title style</a:t>
             </a:r>
-            <a:endParaRPr lang="en-US"/>
+            <a:endParaRPr lang="en-US" dirty="0"/>
           </a:p>
         </p:txBody>
       </p:sp>
@@ -548,8 +3882,8 @@
         </p:nvSpPr>
         <p:spPr>
           <a:xfrm>
-            <a:off x="838200" y="365125"/>
-            <a:ext cx="7734300" cy="5811838"/>
+            <a:off x="1024466" y="745067"/>
+            <a:ext cx="8204201" cy="3903133"/>
           </a:xfrm>
         </p:spPr>
         <p:txBody>
@@ -589,7 +3923,7 @@
               <a:rPr lang="en-US" smtClean="0"/>
               <a:t>Fifth level</a:t>
             </a:r>
-            <a:endParaRPr lang="en-US"/>
+            <a:endParaRPr lang="en-US" dirty="0"/>
           </a:p>
         </p:txBody>
       </p:sp>
@@ -603,14 +3937,23 @@
             <p:ph type="dt" sz="half" idx="10"/>
           </p:nvPr>
         </p:nvSpPr>
-        <p:spPr/>
+        <p:spPr>
+          <a:xfrm>
+            <a:off x="7814452" y="379941"/>
+            <a:ext cx="2910840" cy="365125"/>
+          </a:xfrm>
+        </p:spPr>
         <p:txBody>
           <a:bodyPr/>
-          <a:lstStyle/>
-          <a:p>
-            <a:fld id="{6F45B1B6-0682-074B-BF1E-1981F19BF475}" type="datetimeFigureOut">
+          <a:lstStyle>
+            <a:lvl1pPr algn="r">
+              <a:defRPr/>
+            </a:lvl1pPr>
+          </a:lstStyle>
+          <a:p>
+            <a:fld id="{663D3143-0C79-1246-A644-D6E87E3B61E9}" type="datetime1">
               <a:rPr lang="en-US" smtClean="0"/>
-              <a:t>7/15/15</a:t>
+              <a:t>7/16/15</a:t>
             </a:fld>
             <a:endParaRPr lang="en-US"/>
           </a:p>
@@ -626,7 +3969,12 @@
             <p:ph type="ftr" sz="quarter" idx="11"/>
           </p:nvPr>
         </p:nvSpPr>
-        <p:spPr/>
+        <p:spPr>
+          <a:xfrm>
+            <a:off x="685800" y="381000"/>
+            <a:ext cx="6991492" cy="365125"/>
+          </a:xfrm>
+        </p:spPr>
         <p:txBody>
           <a:bodyPr/>
           <a:lstStyle/>
@@ -645,7 +3993,12 @@
             <p:ph type="sldNum" sz="quarter" idx="12"/>
           </p:nvPr>
         </p:nvSpPr>
-        <p:spPr/>
+        <p:spPr>
+          <a:xfrm>
+            <a:off x="10862452" y="381000"/>
+            <a:ext cx="643748" cy="365125"/>
+          </a:xfrm>
+        </p:spPr>
         <p:txBody>
           <a:bodyPr/>
           <a:lstStyle/>
@@ -661,7 +4014,7 @@
     </p:spTree>
     <p:extLst>
       <p:ext uri="{BB962C8B-B14F-4D97-AF65-F5344CB8AC3E}">
-        <p14:creationId xmlns:p14="http://schemas.microsoft.com/office/powerpoint/2010/main" val="1431742587"/>
+        <p14:creationId xmlns:p14="http://schemas.microsoft.com/office/powerpoint/2010/main" val="1909002904"/>
       </p:ext>
     </p:extLst>
   </p:cSld>
@@ -707,7 +4060,7 @@
               <a:rPr lang="en-US" smtClean="0"/>
               <a:t>Click to edit Master title style</a:t>
             </a:r>
-            <a:endParaRPr lang="en-US"/>
+            <a:endParaRPr lang="en-US" dirty="0"/>
           </a:p>
         </p:txBody>
       </p:sp>
@@ -759,7 +4112,7 @@
               <a:rPr lang="en-US" smtClean="0"/>
               <a:t>Fifth level</a:t>
             </a:r>
-            <a:endParaRPr lang="en-US"/>
+            <a:endParaRPr lang="en-US" dirty="0"/>
           </a:p>
         </p:txBody>
       </p:sp>
@@ -778,9 +4131,9 @@
           <a:bodyPr/>
           <a:lstStyle/>
           <a:p>
-            <a:fld id="{6F45B1B6-0682-074B-BF1E-1981F19BF475}" type="datetimeFigureOut">
+            <a:fld id="{24EF6818-F071-EA4D-8F5B-66DB142AE36D}" type="datetime1">
               <a:rPr lang="en-US" smtClean="0"/>
-              <a:t>7/15/15</a:t>
+              <a:t>7/16/15</a:t>
             </a:fld>
             <a:endParaRPr lang="en-US"/>
           </a:p>
@@ -831,7 +4184,7 @@
     </p:spTree>
     <p:extLst>
       <p:ext uri="{BB962C8B-B14F-4D97-AF65-F5344CB8AC3E}">
-        <p14:creationId xmlns:p14="http://schemas.microsoft.com/office/powerpoint/2010/main" val="603570492"/>
+        <p14:creationId xmlns:p14="http://schemas.microsoft.com/office/powerpoint/2010/main" val="1350573793"/>
       </p:ext>
     </p:extLst>
   </p:cSld>
@@ -842,7 +4195,7 @@
 </file>
 
 <file path=ppt/slideLayouts/slideLayout3.xml><?xml version="1.0" encoding="utf-8"?>
-<p:sldLayout xmlns:a="http://schemas.openxmlformats.org/drawingml/2006/main" xmlns:r="http://schemas.openxmlformats.org/officeDocument/2006/relationships" xmlns:p="http://schemas.openxmlformats.org/presentationml/2006/main" type="secHead" preserve="1">
+<p:sldLayout xmlns:a="http://schemas.openxmlformats.org/drawingml/2006/main" xmlns:r="http://schemas.openxmlformats.org/officeDocument/2006/relationships" xmlns:p="http://schemas.openxmlformats.org/presentationml/2006/main" showMasterSp="0" type="secHead" preserve="1">
   <p:cSld name="Section Header">
     <p:spTree>
       <p:nvGrpSpPr>
@@ -858,6 +4211,36 @@
           <a:chExt cx="0" cy="0"/>
         </a:xfrm>
       </p:grpSpPr>
+      <p:pic>
+        <p:nvPicPr>
+          <p:cNvPr id="8" name="Picture 7" descr="C3-HD-BTM.png"/>
+          <p:cNvPicPr>
+            <a:picLocks noChangeAspect="1"/>
+          </p:cNvPicPr>
+          <p:nvPr/>
+        </p:nvPicPr>
+        <p:blipFill>
+          <a:blip r:embed="rId2">
+            <a:extLst>
+              <a:ext uri="{28A0092B-C50C-407E-A947-70E740481C1C}">
+                <a14:useLocalDpi xmlns:a14="http://schemas.microsoft.com/office/drawing/2010/main" val="0"/>
+              </a:ext>
+            </a:extLst>
+          </a:blip>
+          <a:stretch>
+            <a:fillRect/>
+          </a:stretch>
+        </p:blipFill>
+        <p:spPr>
+          <a:xfrm>
+            <a:off x="0" y="4375150"/>
+            <a:ext cx="12192000" cy="2482850"/>
+          </a:xfrm>
+          <a:prstGeom prst="rect">
+            <a:avLst/>
+          </a:prstGeom>
+        </p:spPr>
+      </p:pic>
       <p:sp>
         <p:nvSpPr>
           <p:cNvPr id="2" name="Title 1"/>
@@ -870,15 +4253,17 @@
         </p:nvSpPr>
         <p:spPr>
           <a:xfrm>
-            <a:off x="831850" y="1709738"/>
-            <a:ext cx="10515600" cy="2852737"/>
+            <a:off x="685800" y="753533"/>
+            <a:ext cx="10820399" cy="2801935"/>
           </a:xfrm>
         </p:spPr>
         <p:txBody>
-          <a:bodyPr anchor="b"/>
+          <a:bodyPr anchor="b">
+            <a:normAutofit/>
+          </a:bodyPr>
           <a:lstStyle>
-            <a:lvl1pPr>
-              <a:defRPr sz="6000"/>
+            <a:lvl1pPr algn="r">
+              <a:defRPr sz="4000"/>
             </a:lvl1pPr>
           </a:lstStyle>
           <a:p>
@@ -886,7 +4271,7 @@
               <a:rPr lang="en-US" smtClean="0"/>
               <a:t>Click to edit Master title style</a:t>
             </a:r>
-            <a:endParaRPr lang="en-US"/>
+            <a:endParaRPr lang="en-US" dirty="0"/>
           </a:p>
         </p:txBody>
       </p:sp>
@@ -902,16 +4287,18 @@
         </p:nvSpPr>
         <p:spPr>
           <a:xfrm>
-            <a:off x="831850" y="4589463"/>
-            <a:ext cx="10515600" cy="1500187"/>
+            <a:off x="1024467" y="3641725"/>
+            <a:ext cx="10490200" cy="955675"/>
           </a:xfrm>
         </p:spPr>
         <p:txBody>
-          <a:bodyPr/>
+          <a:bodyPr>
+            <a:normAutofit/>
+          </a:bodyPr>
           <a:lstStyle>
-            <a:lvl1pPr marL="0" indent="0">
-              <a:buNone/>
-              <a:defRPr sz="2400">
+            <a:lvl1pPr marL="0" indent="0" algn="r">
+              <a:buNone/>
+              <a:defRPr sz="2200">
                 <a:solidFill>
                   <a:schemeClr val="tx1">
                     <a:tint val="75000"/>
@@ -1019,14 +4406,23 @@
             <p:ph type="dt" sz="half" idx="10"/>
           </p:nvPr>
         </p:nvSpPr>
-        <p:spPr/>
+        <p:spPr>
+          <a:xfrm>
+            <a:off x="7814452" y="381000"/>
+            <a:ext cx="2910840" cy="365125"/>
+          </a:xfrm>
+        </p:spPr>
         <p:txBody>
           <a:bodyPr/>
-          <a:lstStyle/>
-          <a:p>
-            <a:fld id="{6F45B1B6-0682-074B-BF1E-1981F19BF475}" type="datetimeFigureOut">
+          <a:lstStyle>
+            <a:lvl1pPr algn="r">
+              <a:defRPr/>
+            </a:lvl1pPr>
+          </a:lstStyle>
+          <a:p>
+            <a:fld id="{0CD2A122-F4E0-0F46-BF3D-261AAC888208}" type="datetime1">
               <a:rPr lang="en-US" smtClean="0"/>
-              <a:t>7/15/15</a:t>
+              <a:t>7/16/15</a:t>
             </a:fld>
             <a:endParaRPr lang="en-US"/>
           </a:p>
@@ -1042,7 +4438,12 @@
             <p:ph type="ftr" sz="quarter" idx="11"/>
           </p:nvPr>
         </p:nvSpPr>
-        <p:spPr/>
+        <p:spPr>
+          <a:xfrm>
+            <a:off x="685800" y="381001"/>
+            <a:ext cx="6991492" cy="364065"/>
+          </a:xfrm>
+        </p:spPr>
         <p:txBody>
           <a:bodyPr/>
           <a:lstStyle/>
@@ -1061,7 +4462,12 @@
             <p:ph type="sldNum" sz="quarter" idx="12"/>
           </p:nvPr>
         </p:nvSpPr>
-        <p:spPr/>
+        <p:spPr>
+          <a:xfrm>
+            <a:off x="10862452" y="381000"/>
+            <a:ext cx="643748" cy="365125"/>
+          </a:xfrm>
+        </p:spPr>
         <p:txBody>
           <a:bodyPr/>
           <a:lstStyle/>
@@ -1077,7 +4483,7 @@
     </p:spTree>
     <p:extLst>
       <p:ext uri="{BB962C8B-B14F-4D97-AF65-F5344CB8AC3E}">
-        <p14:creationId xmlns:p14="http://schemas.microsoft.com/office/powerpoint/2010/main" val="1287859999"/>
+        <p14:creationId xmlns:p14="http://schemas.microsoft.com/office/powerpoint/2010/main" val="76065818"/>
       </p:ext>
     </p:extLst>
   </p:cSld>
@@ -1123,7 +4529,7 @@
               <a:rPr lang="en-US" smtClean="0"/>
               <a:t>Click to edit Master title style</a:t>
             </a:r>
-            <a:endParaRPr lang="en-US"/>
+            <a:endParaRPr lang="en-US" dirty="0"/>
           </a:p>
         </p:txBody>
       </p:sp>
@@ -1139,8 +4545,8 @@
         </p:nvSpPr>
         <p:spPr>
           <a:xfrm>
-            <a:off x="838200" y="1825625"/>
-            <a:ext cx="5181600" cy="4351338"/>
+            <a:off x="685800" y="2194559"/>
+            <a:ext cx="5334000" cy="4024125"/>
           </a:xfrm>
         </p:spPr>
         <p:txBody>
@@ -1180,7 +4586,7 @@
               <a:rPr lang="en-US" smtClean="0"/>
               <a:t>Fifth level</a:t>
             </a:r>
-            <a:endParaRPr lang="en-US"/>
+            <a:endParaRPr lang="en-US" dirty="0"/>
           </a:p>
         </p:txBody>
       </p:sp>
@@ -1196,8 +4602,8 @@
         </p:nvSpPr>
         <p:spPr>
           <a:xfrm>
-            <a:off x="6172200" y="1825625"/>
-            <a:ext cx="5181600" cy="4351338"/>
+            <a:off x="6172200" y="2194559"/>
+            <a:ext cx="5334000" cy="4024125"/>
           </a:xfrm>
         </p:spPr>
         <p:txBody>
@@ -1237,7 +4643,7 @@
               <a:rPr lang="en-US" smtClean="0"/>
               <a:t>Fifth level</a:t>
             </a:r>
-            <a:endParaRPr lang="en-US"/>
+            <a:endParaRPr lang="en-US" dirty="0"/>
           </a:p>
         </p:txBody>
       </p:sp>
@@ -1256,9 +4662,9 @@
           <a:bodyPr/>
           <a:lstStyle/>
           <a:p>
-            <a:fld id="{6F45B1B6-0682-074B-BF1E-1981F19BF475}" type="datetimeFigureOut">
+            <a:fld id="{3C199EF7-A5F7-5640-A383-1F5B3AB1D423}" type="datetime1">
               <a:rPr lang="en-US" smtClean="0"/>
-              <a:t>7/15/15</a:t>
+              <a:t>7/16/15</a:t>
             </a:fld>
             <a:endParaRPr lang="en-US"/>
           </a:p>
@@ -1309,7 +4715,7 @@
     </p:spTree>
     <p:extLst>
       <p:ext uri="{BB962C8B-B14F-4D97-AF65-F5344CB8AC3E}">
-        <p14:creationId xmlns:p14="http://schemas.microsoft.com/office/powerpoint/2010/main" val="298501962"/>
+        <p14:creationId xmlns:p14="http://schemas.microsoft.com/office/powerpoint/2010/main" val="1605894428"/>
       </p:ext>
     </p:extLst>
   </p:cSld>
@@ -1348,8 +4754,8 @@
         </p:nvSpPr>
         <p:spPr>
           <a:xfrm>
-            <a:off x="839788" y="365125"/>
-            <a:ext cx="10515600" cy="1325563"/>
+            <a:off x="2895600" y="762000"/>
+            <a:ext cx="8610600" cy="1295400"/>
           </a:xfrm>
         </p:spPr>
         <p:txBody>
@@ -1360,7 +4766,7 @@
               <a:rPr lang="en-US" smtClean="0"/>
               <a:t>Click to edit Master title style</a:t>
             </a:r>
-            <a:endParaRPr lang="en-US"/>
+            <a:endParaRPr lang="en-US" dirty="0"/>
           </a:p>
         </p:txBody>
       </p:sp>
@@ -1376,16 +4782,22 @@
         </p:nvSpPr>
         <p:spPr>
           <a:xfrm>
-            <a:off x="839788" y="1681163"/>
-            <a:ext cx="5157787" cy="823912"/>
+            <a:off x="914409" y="2183802"/>
+            <a:ext cx="5079991" cy="823912"/>
           </a:xfrm>
         </p:spPr>
         <p:txBody>
-          <a:bodyPr anchor="b"/>
+          <a:bodyPr anchor="b">
+            <a:normAutofit/>
+          </a:bodyPr>
           <a:lstStyle>
             <a:lvl1pPr marL="0" indent="0">
               <a:buNone/>
-              <a:defRPr sz="2400" b="1"/>
+              <a:defRPr sz="2800" b="0">
+                <a:solidFill>
+                  <a:schemeClr val="tx1"/>
+                </a:solidFill>
+              </a:defRPr>
             </a:lvl1pPr>
             <a:lvl2pPr marL="457200" indent="0">
               <a:buNone/>
@@ -1441,8 +4853,8 @@
         </p:nvSpPr>
         <p:spPr>
           <a:xfrm>
-            <a:off x="839788" y="2505075"/>
-            <a:ext cx="5157787" cy="3684588"/>
+            <a:off x="685800" y="3132666"/>
+            <a:ext cx="5311775" cy="3086019"/>
           </a:xfrm>
         </p:spPr>
         <p:txBody>
@@ -1482,7 +4894,7 @@
               <a:rPr lang="en-US" smtClean="0"/>
               <a:t>Fifth level</a:t>
             </a:r>
-            <a:endParaRPr lang="en-US"/>
+            <a:endParaRPr lang="en-US" dirty="0"/>
           </a:p>
         </p:txBody>
       </p:sp>
@@ -1498,16 +4910,22 @@
         </p:nvSpPr>
         <p:spPr>
           <a:xfrm>
-            <a:off x="6172200" y="1681163"/>
-            <a:ext cx="5183188" cy="823912"/>
+            <a:off x="6400800" y="2183802"/>
+            <a:ext cx="5105400" cy="823912"/>
           </a:xfrm>
         </p:spPr>
         <p:txBody>
-          <a:bodyPr anchor="b"/>
+          <a:bodyPr anchor="b">
+            <a:normAutofit/>
+          </a:bodyPr>
           <a:lstStyle>
             <a:lvl1pPr marL="0" indent="0">
               <a:buNone/>
-              <a:defRPr sz="2400" b="1"/>
+              <a:defRPr sz="2800" b="0">
+                <a:solidFill>
+                  <a:schemeClr val="tx1"/>
+                </a:solidFill>
+              </a:defRPr>
             </a:lvl1pPr>
             <a:lvl2pPr marL="457200" indent="0">
               <a:buNone/>
@@ -1563,8 +4981,8 @@
         </p:nvSpPr>
         <p:spPr>
           <a:xfrm>
-            <a:off x="6172200" y="2505075"/>
-            <a:ext cx="5183188" cy="3684588"/>
+            <a:off x="6172200" y="3132666"/>
+            <a:ext cx="5334000" cy="3086019"/>
           </a:xfrm>
         </p:spPr>
         <p:txBody>
@@ -1604,7 +5022,7 @@
               <a:rPr lang="en-US" smtClean="0"/>
               <a:t>Fifth level</a:t>
             </a:r>
-            <a:endParaRPr lang="en-US"/>
+            <a:endParaRPr lang="en-US" dirty="0"/>
           </a:p>
         </p:txBody>
       </p:sp>
@@ -1623,9 +5041,9 @@
           <a:bodyPr/>
           <a:lstStyle/>
           <a:p>
-            <a:fld id="{6F45B1B6-0682-074B-BF1E-1981F19BF475}" type="datetimeFigureOut">
+            <a:fld id="{06D4B130-C5F7-DB48-8657-4094177E6ECA}" type="datetime1">
               <a:rPr lang="en-US" smtClean="0"/>
-              <a:t>7/15/15</a:t>
+              <a:t>7/16/15</a:t>
             </a:fld>
             <a:endParaRPr lang="en-US"/>
           </a:p>
@@ -1676,7 +5094,7 @@
     </p:spTree>
     <p:extLst>
       <p:ext uri="{BB962C8B-B14F-4D97-AF65-F5344CB8AC3E}">
-        <p14:creationId xmlns:p14="http://schemas.microsoft.com/office/powerpoint/2010/main" val="309112297"/>
+        <p14:creationId xmlns:p14="http://schemas.microsoft.com/office/powerpoint/2010/main" val="1789366143"/>
       </p:ext>
     </p:extLst>
   </p:cSld>
@@ -1722,7 +5140,7 @@
               <a:rPr lang="en-US" smtClean="0"/>
               <a:t>Click to edit Master title style</a:t>
             </a:r>
-            <a:endParaRPr lang="en-US"/>
+            <a:endParaRPr lang="en-US" dirty="0"/>
           </a:p>
         </p:txBody>
       </p:sp>
@@ -1741,9 +5159,9 @@
           <a:bodyPr/>
           <a:lstStyle/>
           <a:p>
-            <a:fld id="{6F45B1B6-0682-074B-BF1E-1981F19BF475}" type="datetimeFigureOut">
+            <a:fld id="{53803E20-8492-DD4B-8C60-13944C64D04C}" type="datetime1">
               <a:rPr lang="en-US" smtClean="0"/>
-              <a:t>7/15/15</a:t>
+              <a:t>7/16/15</a:t>
             </a:fld>
             <a:endParaRPr lang="en-US"/>
           </a:p>
@@ -1794,7 +5212,7 @@
     </p:spTree>
     <p:extLst>
       <p:ext uri="{BB962C8B-B14F-4D97-AF65-F5344CB8AC3E}">
-        <p14:creationId xmlns:p14="http://schemas.microsoft.com/office/powerpoint/2010/main" val="420687483"/>
+        <p14:creationId xmlns:p14="http://schemas.microsoft.com/office/powerpoint/2010/main" val="1987231011"/>
       </p:ext>
     </p:extLst>
   </p:cSld>
@@ -1836,9 +5254,9 @@
           <a:bodyPr/>
           <a:lstStyle/>
           <a:p>
-            <a:fld id="{6F45B1B6-0682-074B-BF1E-1981F19BF475}" type="datetimeFigureOut">
+            <a:fld id="{08F3828F-4371-784D-B73D-3E46357B5B61}" type="datetime1">
               <a:rPr lang="en-US" smtClean="0"/>
-              <a:t>7/15/15</a:t>
+              <a:t>7/16/15</a:t>
             </a:fld>
             <a:endParaRPr lang="en-US"/>
           </a:p>
@@ -1889,7 +5307,7 @@
     </p:spTree>
     <p:extLst>
       <p:ext uri="{BB962C8B-B14F-4D97-AF65-F5344CB8AC3E}">
-        <p14:creationId xmlns:p14="http://schemas.microsoft.com/office/powerpoint/2010/main" val="1669475776"/>
+        <p14:creationId xmlns:p14="http://schemas.microsoft.com/office/powerpoint/2010/main" val="1875335928"/>
       </p:ext>
     </p:extLst>
   </p:cSld>
@@ -1928,14 +5346,14 @@
         </p:nvSpPr>
         <p:spPr>
           <a:xfrm>
-            <a:off x="839788" y="457200"/>
-            <a:ext cx="3932237" cy="1600200"/>
+            <a:off x="685800" y="1524000"/>
+            <a:ext cx="4114800" cy="1600200"/>
           </a:xfrm>
         </p:spPr>
         <p:txBody>
           <a:bodyPr anchor="b"/>
           <a:lstStyle>
-            <a:lvl1pPr>
+            <a:lvl1pPr algn="l">
               <a:defRPr sz="3200"/>
             </a:lvl1pPr>
           </a:lstStyle>
@@ -1944,7 +5362,7 @@
               <a:rPr lang="en-US" smtClean="0"/>
               <a:t>Click to edit Master title style</a:t>
             </a:r>
-            <a:endParaRPr lang="en-US"/>
+            <a:endParaRPr lang="en-US" dirty="0"/>
           </a:p>
         </p:txBody>
       </p:sp>
@@ -1960,41 +5378,13 @@
         </p:nvSpPr>
         <p:spPr>
           <a:xfrm>
-            <a:off x="5183188" y="987425"/>
-            <a:ext cx="6172200" cy="4873625"/>
+            <a:off x="4995582" y="746759"/>
+            <a:ext cx="6510618" cy="5471925"/>
           </a:xfrm>
         </p:spPr>
         <p:txBody>
-          <a:bodyPr/>
-          <a:lstStyle>
-            <a:lvl1pPr>
-              <a:defRPr sz="3200"/>
-            </a:lvl1pPr>
-            <a:lvl2pPr>
-              <a:defRPr sz="2800"/>
-            </a:lvl2pPr>
-            <a:lvl3pPr>
-              <a:defRPr sz="2400"/>
-            </a:lvl3pPr>
-            <a:lvl4pPr>
-              <a:defRPr sz="2000"/>
-            </a:lvl4pPr>
-            <a:lvl5pPr>
-              <a:defRPr sz="2000"/>
-            </a:lvl5pPr>
-            <a:lvl6pPr>
-              <a:defRPr sz="2000"/>
-            </a:lvl6pPr>
-            <a:lvl7pPr>
-              <a:defRPr sz="2000"/>
-            </a:lvl7pPr>
-            <a:lvl8pPr>
-              <a:defRPr sz="2000"/>
-            </a:lvl8pPr>
-            <a:lvl9pPr>
-              <a:defRPr sz="2000"/>
-            </a:lvl9pPr>
-          </a:lstStyle>
+          <a:bodyPr anchor="ctr"/>
+          <a:lstStyle/>
           <a:p>
             <a:pPr lvl="0"/>
             <a:r>
@@ -2029,7 +5419,7 @@
               <a:rPr lang="en-US" smtClean="0"/>
               <a:t>Fifth level</a:t>
             </a:r>
-            <a:endParaRPr lang="en-US"/>
+            <a:endParaRPr lang="en-US" dirty="0"/>
           </a:p>
         </p:txBody>
       </p:sp>
@@ -2045,8 +5435,8 @@
         </p:nvSpPr>
         <p:spPr>
           <a:xfrm>
-            <a:off x="839788" y="2057400"/>
-            <a:ext cx="3932237" cy="3811588"/>
+            <a:off x="685800" y="3124199"/>
+            <a:ext cx="4114800" cy="3094485"/>
           </a:xfrm>
         </p:spPr>
         <p:txBody>
@@ -2113,9 +5503,9 @@
           <a:bodyPr/>
           <a:lstStyle/>
           <a:p>
-            <a:fld id="{6F45B1B6-0682-074B-BF1E-1981F19BF475}" type="datetimeFigureOut">
+            <a:fld id="{D93A055D-8432-304D-9731-8180F1495BA1}" type="datetime1">
               <a:rPr lang="en-US" smtClean="0"/>
-              <a:t>7/15/15</a:t>
+              <a:t>7/16/15</a:t>
             </a:fld>
             <a:endParaRPr lang="en-US"/>
           </a:p>
@@ -2166,7 +5556,7 @@
     </p:spTree>
     <p:extLst>
       <p:ext uri="{BB962C8B-B14F-4D97-AF65-F5344CB8AC3E}">
-        <p14:creationId xmlns:p14="http://schemas.microsoft.com/office/powerpoint/2010/main" val="1813080154"/>
+        <p14:creationId xmlns:p14="http://schemas.microsoft.com/office/powerpoint/2010/main" val="1784639529"/>
       </p:ext>
     </p:extLst>
   </p:cSld>
@@ -2205,14 +5595,14 @@
         </p:nvSpPr>
         <p:spPr>
           <a:xfrm>
-            <a:off x="839788" y="457200"/>
-            <a:ext cx="3932237" cy="1600200"/>
+            <a:off x="685800" y="1524000"/>
+            <a:ext cx="6873240" cy="1600200"/>
           </a:xfrm>
         </p:spPr>
         <p:txBody>
           <a:bodyPr anchor="b"/>
           <a:lstStyle>
-            <a:lvl1pPr>
+            <a:lvl1pPr algn="l">
               <a:defRPr sz="3200"/>
             </a:lvl1pPr>
           </a:lstStyle>
@@ -2221,7 +5611,7 @@
               <a:rPr lang="en-US" smtClean="0"/>
               <a:t>Click to edit Master title style</a:t>
             </a:r>
-            <a:endParaRPr lang="en-US"/>
+            <a:endParaRPr lang="en-US" dirty="0"/>
           </a:p>
         </p:txBody>
       </p:sp>
@@ -2229,7 +5619,7 @@
         <p:nvSpPr>
           <p:cNvPr id="3" name="Picture Placeholder 2"/>
           <p:cNvSpPr>
-            <a:spLocks noGrp="1"/>
+            <a:spLocks noGrp="1" noChangeAspect="1"/>
           </p:cNvSpPr>
           <p:nvPr>
             <p:ph type="pic" idx="1"/>
@@ -2237,12 +5627,12 @@
         </p:nvSpPr>
         <p:spPr>
           <a:xfrm>
-            <a:off x="5183188" y="987425"/>
-            <a:ext cx="6172200" cy="4873625"/>
+            <a:off x="7861238" y="751241"/>
+            <a:ext cx="3644962" cy="5467443"/>
           </a:xfrm>
         </p:spPr>
         <p:txBody>
-          <a:bodyPr/>
+          <a:bodyPr anchor="t"/>
           <a:lstStyle>
             <a:lvl1pPr marL="0" indent="0">
               <a:buNone/>
@@ -2282,7 +5672,11 @@
             </a:lvl9pPr>
           </a:lstStyle>
           <a:p>
-            <a:endParaRPr lang="en-US"/>
+            <a:r>
+              <a:rPr lang="en-US" smtClean="0"/>
+              <a:t>Drag picture to placeholder or click icon to add</a:t>
+            </a:r>
+            <a:endParaRPr lang="en-US" dirty="0"/>
           </a:p>
         </p:txBody>
       </p:sp>
@@ -2298,8 +5692,8 @@
         </p:nvSpPr>
         <p:spPr>
           <a:xfrm>
-            <a:off x="839788" y="2057400"/>
-            <a:ext cx="3932237" cy="3811588"/>
+            <a:off x="685800" y="3124199"/>
+            <a:ext cx="6873240" cy="3094485"/>
           </a:xfrm>
         </p:spPr>
         <p:txBody>
@@ -2366,9 +5760,9 @@
           <a:bodyPr/>
           <a:lstStyle/>
           <a:p>
-            <a:fld id="{6F45B1B6-0682-074B-BF1E-1981F19BF475}" type="datetimeFigureOut">
+            <a:fld id="{D96BE189-BB26-504C-AE0B-47F4CFBFCF94}" type="datetime1">
               <a:rPr lang="en-US" smtClean="0"/>
-              <a:t>7/15/15</a:t>
+              <a:t>7/16/15</a:t>
             </a:fld>
             <a:endParaRPr lang="en-US"/>
           </a:p>
@@ -2419,7 +5813,7 @@
     </p:spTree>
     <p:extLst>
       <p:ext uri="{BB962C8B-B14F-4D97-AF65-F5344CB8AC3E}">
-        <p14:creationId xmlns:p14="http://schemas.microsoft.com/office/powerpoint/2010/main" val="1579068977"/>
+        <p14:creationId xmlns:p14="http://schemas.microsoft.com/office/powerpoint/2010/main" val="2103318776"/>
       </p:ext>
     </p:extLst>
   </p:cSld>
@@ -2451,6 +5845,36 @@
           <a:chExt cx="0" cy="0"/>
         </a:xfrm>
       </p:grpSpPr>
+      <p:pic>
+        <p:nvPicPr>
+          <p:cNvPr id="8" name="Picture 7" descr="C3-HD-TOP.png"/>
+          <p:cNvPicPr>
+            <a:picLocks noChangeAspect="1"/>
+          </p:cNvPicPr>
+          <p:nvPr/>
+        </p:nvPicPr>
+        <p:blipFill>
+          <a:blip r:embed="rId19">
+            <a:extLst>
+              <a:ext uri="{28A0092B-C50C-407E-A947-70E740481C1C}">
+                <a14:useLocalDpi xmlns:a14="http://schemas.microsoft.com/office/drawing/2010/main" val="0"/>
+              </a:ext>
+            </a:extLst>
+          </a:blip>
+          <a:stretch>
+            <a:fillRect/>
+          </a:stretch>
+        </p:blipFill>
+        <p:spPr>
+          <a:xfrm>
+            <a:off x="0" y="0"/>
+            <a:ext cx="12192000" cy="1441450"/>
+          </a:xfrm>
+          <a:prstGeom prst="rect">
+            <a:avLst/>
+          </a:prstGeom>
+        </p:spPr>
+      </p:pic>
       <p:sp>
         <p:nvSpPr>
           <p:cNvPr id="2" name="Title Placeholder 1"/>
@@ -2463,8 +5887,8 @@
         </p:nvSpPr>
         <p:spPr>
           <a:xfrm>
-            <a:off x="838200" y="365125"/>
-            <a:ext cx="10515600" cy="1325563"/>
+            <a:off x="2895600" y="764373"/>
+            <a:ext cx="8610600" cy="1293028"/>
           </a:xfrm>
           <a:prstGeom prst="rect">
             <a:avLst/>
@@ -2480,7 +5904,7 @@
               <a:rPr lang="en-US" smtClean="0"/>
               <a:t>Click to edit Master title style</a:t>
             </a:r>
-            <a:endParaRPr lang="en-US"/>
+            <a:endParaRPr lang="en-US" dirty="0"/>
           </a:p>
         </p:txBody>
       </p:sp>
@@ -2496,8 +5920,8 @@
         </p:nvSpPr>
         <p:spPr>
           <a:xfrm>
-            <a:off x="838200" y="1825625"/>
-            <a:ext cx="10515600" cy="4351338"/>
+            <a:off x="685800" y="2194560"/>
+            <a:ext cx="10820400" cy="4024125"/>
           </a:xfrm>
           <a:prstGeom prst="rect">
             <a:avLst/>
@@ -2542,7 +5966,7 @@
               <a:rPr lang="en-US" smtClean="0"/>
               <a:t>Fifth level</a:t>
             </a:r>
-            <a:endParaRPr lang="en-US"/>
+            <a:endParaRPr lang="en-US" dirty="0"/>
           </a:p>
         </p:txBody>
       </p:sp>
@@ -2558,8 +5982,8 @@
         </p:nvSpPr>
         <p:spPr>
           <a:xfrm>
-            <a:off x="838200" y="6356350"/>
-            <a:ext cx="2743200" cy="365125"/>
+            <a:off x="8595360" y="6356350"/>
+            <a:ext cx="2910840" cy="365125"/>
           </a:xfrm>
           <a:prstGeom prst="rect">
             <a:avLst/>
@@ -2568,8 +5992,8 @@
         <p:txBody>
           <a:bodyPr vert="horz" lIns="91440" tIns="45720" rIns="91440" bIns="45720" rtlCol="0" anchor="ctr"/>
           <a:lstStyle>
-            <a:lvl1pPr algn="l">
-              <a:defRPr sz="1200">
+            <a:lvl1pPr algn="r">
+              <a:defRPr sz="1050">
                 <a:solidFill>
                   <a:schemeClr val="tx1">
                     <a:tint val="75000"/>
@@ -2579,9 +6003,9 @@
             </a:lvl1pPr>
           </a:lstStyle>
           <a:p>
-            <a:fld id="{6F45B1B6-0682-074B-BF1E-1981F19BF475}" type="datetimeFigureOut">
+            <a:fld id="{BC770ECC-4857-1D48-B366-3C2C6D848DE5}" type="datetime1">
               <a:rPr lang="en-US" smtClean="0"/>
-              <a:t>7/15/15</a:t>
+              <a:t>7/16/15</a:t>
             </a:fld>
             <a:endParaRPr lang="en-US"/>
           </a:p>
@@ -2599,8 +6023,8 @@
         </p:nvSpPr>
         <p:spPr>
           <a:xfrm>
-            <a:off x="4038600" y="6356350"/>
-            <a:ext cx="4114800" cy="365125"/>
+            <a:off x="685800" y="6355845"/>
+            <a:ext cx="7772400" cy="365125"/>
           </a:xfrm>
           <a:prstGeom prst="rect">
             <a:avLst/>
@@ -2609,8 +6033,8 @@
         <p:txBody>
           <a:bodyPr vert="horz" lIns="91440" tIns="45720" rIns="91440" bIns="45720" rtlCol="0" anchor="ctr"/>
           <a:lstStyle>
-            <a:lvl1pPr algn="ctr">
-              <a:defRPr sz="1200">
+            <a:lvl1pPr algn="l">
+              <a:defRPr sz="1050">
                 <a:solidFill>
                   <a:schemeClr val="tx1">
                     <a:tint val="75000"/>
@@ -2636,7 +6060,7 @@
         </p:nvSpPr>
         <p:spPr>
           <a:xfrm>
-            <a:off x="8610600" y="6356350"/>
+            <a:off x="8763000" y="381000"/>
             <a:ext cx="2743200" cy="365125"/>
           </a:xfrm>
           <a:prstGeom prst="rect">
@@ -2647,7 +6071,7 @@
           <a:bodyPr vert="horz" lIns="91440" tIns="45720" rIns="91440" bIns="45720" rtlCol="0" anchor="ctr"/>
           <a:lstStyle>
             <a:lvl1pPr algn="r">
-              <a:defRPr sz="1200">
+              <a:defRPr sz="1050">
                 <a:solidFill>
                   <a:schemeClr val="tx1">
                     <a:tint val="75000"/>
@@ -2668,27 +6092,34 @@
     </p:spTree>
     <p:extLst>
       <p:ext uri="{BB962C8B-B14F-4D97-AF65-F5344CB8AC3E}">
-        <p14:creationId xmlns:p14="http://schemas.microsoft.com/office/powerpoint/2010/main" val="1804289383"/>
+        <p14:creationId xmlns:p14="http://schemas.microsoft.com/office/powerpoint/2010/main" val="1884661237"/>
       </p:ext>
     </p:extLst>
   </p:cSld>
   <p:clrMap bg1="lt1" tx1="dk1" bg2="lt2" tx2="dk2" accent1="accent1" accent2="accent2" accent3="accent3" accent4="accent4" accent5="accent5" accent6="accent6" hlink="hlink" folHlink="folHlink"/>
   <p:sldLayoutIdLst>
-    <p:sldLayoutId id="2147483649" r:id="rId1"/>
-    <p:sldLayoutId id="2147483650" r:id="rId2"/>
-    <p:sldLayoutId id="2147483651" r:id="rId3"/>
-    <p:sldLayoutId id="2147483652" r:id="rId4"/>
-    <p:sldLayoutId id="2147483653" r:id="rId5"/>
-    <p:sldLayoutId id="2147483654" r:id="rId6"/>
-    <p:sldLayoutId id="2147483655" r:id="rId7"/>
-    <p:sldLayoutId id="2147483656" r:id="rId8"/>
-    <p:sldLayoutId id="2147483657" r:id="rId9"/>
-    <p:sldLayoutId id="2147483658" r:id="rId10"/>
-    <p:sldLayoutId id="2147483659" r:id="rId11"/>
+    <p:sldLayoutId id="2147483733" r:id="rId1"/>
+    <p:sldLayoutId id="2147483734" r:id="rId2"/>
+    <p:sldLayoutId id="2147483735" r:id="rId3"/>
+    <p:sldLayoutId id="2147483736" r:id="rId4"/>
+    <p:sldLayoutId id="2147483737" r:id="rId5"/>
+    <p:sldLayoutId id="2147483738" r:id="rId6"/>
+    <p:sldLayoutId id="2147483739" r:id="rId7"/>
+    <p:sldLayoutId id="2147483740" r:id="rId8"/>
+    <p:sldLayoutId id="2147483741" r:id="rId9"/>
+    <p:sldLayoutId id="2147483742" r:id="rId10"/>
+    <p:sldLayoutId id="2147483743" r:id="rId11"/>
+    <p:sldLayoutId id="2147483744" r:id="rId12"/>
+    <p:sldLayoutId id="2147483745" r:id="rId13"/>
+    <p:sldLayoutId id="2147483746" r:id="rId14"/>
+    <p:sldLayoutId id="2147483747" r:id="rId15"/>
+    <p:sldLayoutId id="2147483748" r:id="rId16"/>
+    <p:sldLayoutId id="2147483749" r:id="rId17"/>
   </p:sldLayoutIdLst>
+  <p:hf hdr="0" ftr="0" dt="0"/>
   <p:txStyles>
     <p:titleStyle>
-      <a:lvl1pPr algn="l" defTabSz="914400" rtl="0" eaLnBrk="1" latinLnBrk="0" hangingPunct="1">
+      <a:lvl1pPr algn="r" defTabSz="914400" rtl="0" eaLnBrk="1" latinLnBrk="0" hangingPunct="1">
         <a:lnSpc>
           <a:spcPct val="90000"/>
         </a:lnSpc>
@@ -2696,7 +6127,7 @@
           <a:spcPct val="0"/>
         </a:spcBef>
         <a:buNone/>
-        <a:defRPr sz="4400" kern="1200">
+        <a:defRPr sz="4000" kern="1200" cap="all" baseline="0">
           <a:solidFill>
             <a:schemeClr val="tx1"/>
           </a:solidFill>
@@ -2714,9 +6145,9 @@
         <a:spcBef>
           <a:spcPts val="1000"/>
         </a:spcBef>
-        <a:buFont typeface="Arial"/>
+        <a:buFont typeface="Arial" panose="020B0604020202020204" pitchFamily="34" charset="0"/>
         <a:buChar char="•"/>
-        <a:defRPr sz="2800" kern="1200">
+        <a:defRPr sz="2200" kern="1200">
           <a:solidFill>
             <a:schemeClr val="tx1"/>
           </a:solidFill>
@@ -2732,9 +6163,9 @@
         <a:spcBef>
           <a:spcPts val="500"/>
         </a:spcBef>
-        <a:buFont typeface="Arial"/>
+        <a:buFont typeface="Arial" panose="020B0604020202020204" pitchFamily="34" charset="0"/>
         <a:buChar char="•"/>
-        <a:defRPr sz="2400" kern="1200">
+        <a:defRPr sz="2000" kern="1200">
           <a:solidFill>
             <a:schemeClr val="tx1"/>
           </a:solidFill>
@@ -2750,9 +6181,9 @@
         <a:spcBef>
           <a:spcPts val="500"/>
         </a:spcBef>
-        <a:buFont typeface="Arial"/>
+        <a:buFont typeface="Arial" panose="020B0604020202020204" pitchFamily="34" charset="0"/>
         <a:buChar char="•"/>
-        <a:defRPr sz="2000" kern="1200">
+        <a:defRPr sz="1800" kern="1200">
           <a:solidFill>
             <a:schemeClr val="tx1"/>
           </a:solidFill>
@@ -2768,9 +6199,9 @@
         <a:spcBef>
           <a:spcPts val="500"/>
         </a:spcBef>
-        <a:buFont typeface="Arial"/>
+        <a:buFont typeface="Arial" panose="020B0604020202020204" pitchFamily="34" charset="0"/>
         <a:buChar char="•"/>
-        <a:defRPr sz="1800" kern="1200">
+        <a:defRPr sz="1600" kern="1200">
           <a:solidFill>
             <a:schemeClr val="tx1"/>
           </a:solidFill>
@@ -2786,9 +6217,9 @@
         <a:spcBef>
           <a:spcPts val="500"/>
         </a:spcBef>
-        <a:buFont typeface="Arial"/>
+        <a:buFont typeface="Arial" panose="020B0604020202020204" pitchFamily="34" charset="0"/>
         <a:buChar char="•"/>
-        <a:defRPr sz="1800" kern="1200">
+        <a:defRPr sz="1600" kern="1200">
           <a:solidFill>
             <a:schemeClr val="tx1"/>
           </a:solidFill>
@@ -2804,9 +6235,9 @@
         <a:spcBef>
           <a:spcPts val="500"/>
         </a:spcBef>
-        <a:buFont typeface="Arial"/>
+        <a:buFont typeface="Arial" panose="020B0604020202020204" pitchFamily="34" charset="0"/>
         <a:buChar char="•"/>
-        <a:defRPr sz="1800" kern="1200">
+        <a:defRPr sz="1600" kern="1200">
           <a:solidFill>
             <a:schemeClr val="tx1"/>
           </a:solidFill>
@@ -2822,9 +6253,9 @@
         <a:spcBef>
           <a:spcPts val="500"/>
         </a:spcBef>
-        <a:buFont typeface="Arial"/>
+        <a:buFont typeface="Arial" panose="020B0604020202020204" pitchFamily="34" charset="0"/>
         <a:buChar char="•"/>
-        <a:defRPr sz="1800" kern="1200">
+        <a:defRPr sz="1600" kern="1200">
           <a:solidFill>
             <a:schemeClr val="tx1"/>
           </a:solidFill>
@@ -2840,9 +6271,9 @@
         <a:spcBef>
           <a:spcPts val="500"/>
         </a:spcBef>
-        <a:buFont typeface="Arial"/>
+        <a:buFont typeface="Arial" panose="020B0604020202020204" pitchFamily="34" charset="0"/>
         <a:buChar char="•"/>
-        <a:defRPr sz="1800" kern="1200">
+        <a:defRPr sz="1600" kern="1200">
           <a:solidFill>
             <a:schemeClr val="tx1"/>
           </a:solidFill>
@@ -2858,9 +6289,9 @@
         <a:spcBef>
           <a:spcPts val="500"/>
         </a:spcBef>
-        <a:buFont typeface="Arial"/>
+        <a:buFont typeface="Arial" panose="020B0604020202020204" pitchFamily="34" charset="0"/>
         <a:buChar char="•"/>
-        <a:defRPr sz="1800" kern="1200">
+        <a:defRPr sz="1600" kern="1200">
           <a:solidFill>
             <a:schemeClr val="tx1"/>
           </a:solidFill>
@@ -3023,28 +6454,53 @@
         </p:nvSpPr>
         <p:spPr/>
         <p:txBody>
+          <a:bodyPr>
+            <a:normAutofit fontScale="92500" lnSpcReduction="10000"/>
+          </a:bodyPr>
+          <a:lstStyle/>
+          <a:p>
+            <a:r>
+              <a:rPr lang="en-US" dirty="0" smtClean="0"/>
+              <a:t>Jordan A. Ross</a:t>
+            </a:r>
+          </a:p>
+          <a:p>
+            <a:r>
+              <a:rPr lang="en-US" dirty="0" smtClean="0"/>
+              <a:t>July 16</a:t>
+            </a:r>
+            <a:r>
+              <a:rPr lang="en-US" baseline="30000" dirty="0" smtClean="0"/>
+              <a:t>th</a:t>
+            </a:r>
+            <a:r>
+              <a:rPr lang="en-US" dirty="0" smtClean="0"/>
+              <a:t>, 2015</a:t>
+            </a:r>
+            <a:endParaRPr lang="en-US" dirty="0"/>
+          </a:p>
+        </p:txBody>
+      </p:sp>
+      <p:sp>
+        <p:nvSpPr>
+          <p:cNvPr id="4" name="Slide Number Placeholder 3"/>
+          <p:cNvSpPr>
+            <a:spLocks noGrp="1"/>
+          </p:cNvSpPr>
+          <p:nvPr>
+            <p:ph type="sldNum" sz="quarter" idx="12"/>
+          </p:nvPr>
+        </p:nvSpPr>
+        <p:spPr/>
+        <p:txBody>
           <a:bodyPr/>
           <a:lstStyle/>
           <a:p>
-            <a:r>
-              <a:rPr lang="en-US" dirty="0" smtClean="0"/>
-              <a:t>Jordan A. Ross</a:t>
-            </a:r>
-          </a:p>
-          <a:p>
-            <a:r>
-              <a:rPr lang="en-US" dirty="0" smtClean="0"/>
-              <a:t>July 16</a:t>
-            </a:r>
-            <a:r>
-              <a:rPr lang="en-US" baseline="30000" dirty="0" smtClean="0"/>
-              <a:t>th</a:t>
-            </a:r>
-            <a:r>
-              <a:rPr lang="en-US" dirty="0" smtClean="0"/>
-              <a:t>, 2015</a:t>
-            </a:r>
-            <a:endParaRPr lang="en-US" dirty="0"/>
+            <a:fld id="{524C641E-459D-4E41-BF05-7BD1DD7A8A9D}" type="slidenum">
+              <a:rPr lang="en-US" smtClean="0"/>
+              <a:t>1</a:t>
+            </a:fld>
+            <a:endParaRPr lang="en-US"/>
           </a:p>
         </p:txBody>
       </p:sp>
@@ -3102,6 +6558,244 @@
           <a:p>
             <a:r>
               <a:rPr lang="en-US" dirty="0" smtClean="0"/>
+              <a:t>How Static Analysis Would Work in Clafer</a:t>
+            </a:r>
+            <a:endParaRPr lang="en-US" dirty="0"/>
+          </a:p>
+        </p:txBody>
+      </p:sp>
+      <p:sp>
+        <p:nvSpPr>
+          <p:cNvPr id="3" name="Content Placeholder 2"/>
+          <p:cNvSpPr>
+            <a:spLocks noGrp="1"/>
+          </p:cNvSpPr>
+          <p:nvPr>
+            <p:ph idx="1"/>
+          </p:nvPr>
+        </p:nvSpPr>
+        <p:spPr/>
+        <p:txBody>
+          <a:bodyPr/>
+          <a:lstStyle/>
+          <a:p>
+            <a:r>
+              <a:rPr lang="en-US" dirty="0" smtClean="0"/>
+              <a:t>Clafer models are made up of two main entities:</a:t>
+            </a:r>
+          </a:p>
+          <a:p>
+            <a:pPr lvl="1"/>
+            <a:r>
+              <a:rPr lang="en-US" i="1" dirty="0" err="1" smtClean="0"/>
+              <a:t>Clafers</a:t>
+            </a:r>
+            <a:endParaRPr lang="en-US" i="1" dirty="0" smtClean="0"/>
+          </a:p>
+          <a:p>
+            <a:pPr lvl="2"/>
+            <a:r>
+              <a:rPr lang="en-US" dirty="0" smtClean="0"/>
+              <a:t>Abstract – A </a:t>
+            </a:r>
+            <a:r>
+              <a:rPr lang="en-US" i="1" dirty="0" smtClean="0"/>
+              <a:t>type</a:t>
+            </a:r>
+            <a:r>
+              <a:rPr lang="en-US" dirty="0" smtClean="0"/>
+              <a:t> for a Clafer</a:t>
+            </a:r>
+          </a:p>
+          <a:p>
+            <a:pPr lvl="2"/>
+            <a:r>
+              <a:rPr lang="en-US" dirty="0" smtClean="0"/>
+              <a:t>Concrete – A Clafer that will produce a concrete instance</a:t>
+            </a:r>
+          </a:p>
+          <a:p>
+            <a:pPr lvl="1"/>
+            <a:r>
+              <a:rPr lang="en-US" i="1" dirty="0" smtClean="0"/>
+              <a:t>Constraints</a:t>
+            </a:r>
+            <a:endParaRPr lang="en-US" dirty="0" smtClean="0"/>
+          </a:p>
+          <a:p>
+            <a:pPr lvl="2"/>
+            <a:r>
+              <a:rPr lang="en-US" dirty="0" smtClean="0"/>
+              <a:t>These are given in square brackets</a:t>
+            </a:r>
+          </a:p>
+          <a:p>
+            <a:r>
+              <a:rPr lang="en-US" dirty="0" smtClean="0"/>
+              <a:t>Use explicit specifications to </a:t>
+            </a:r>
+            <a:r>
+              <a:rPr lang="en-US" i="1" dirty="0" smtClean="0"/>
+              <a:t>detect</a:t>
+            </a:r>
+            <a:r>
+              <a:rPr lang="en-US" dirty="0" smtClean="0"/>
+              <a:t> possible errors in the model.</a:t>
+            </a:r>
+          </a:p>
+          <a:p>
+            <a:endParaRPr lang="en-US" dirty="0"/>
+          </a:p>
+        </p:txBody>
+      </p:sp>
+      <p:sp>
+        <p:nvSpPr>
+          <p:cNvPr id="5" name="Slide Number Placeholder 4"/>
+          <p:cNvSpPr>
+            <a:spLocks noGrp="1"/>
+          </p:cNvSpPr>
+          <p:nvPr>
+            <p:ph type="sldNum" sz="quarter" idx="12"/>
+          </p:nvPr>
+        </p:nvSpPr>
+        <p:spPr/>
+        <p:txBody>
+          <a:bodyPr/>
+          <a:lstStyle/>
+          <a:p>
+            <a:fld id="{524C641E-459D-4E41-BF05-7BD1DD7A8A9D}" type="slidenum">
+              <a:rPr lang="en-US" smtClean="0"/>
+              <a:t>10</a:t>
+            </a:fld>
+            <a:endParaRPr lang="en-US"/>
+          </a:p>
+        </p:txBody>
+      </p:sp>
+      <p:sp>
+        <p:nvSpPr>
+          <p:cNvPr id="4" name="TextBox 3"/>
+          <p:cNvSpPr txBox="1"/>
+          <p:nvPr/>
+        </p:nvSpPr>
+        <p:spPr>
+          <a:xfrm>
+            <a:off x="8893479" y="1825625"/>
+            <a:ext cx="2460321" cy="1477328"/>
+          </a:xfrm>
+          <a:prstGeom prst="rect">
+            <a:avLst/>
+          </a:prstGeom>
+          <a:noFill/>
+        </p:spPr>
+        <p:txBody>
+          <a:bodyPr wrap="square" rtlCol="0">
+            <a:spAutoFit/>
+          </a:bodyPr>
+          <a:lstStyle/>
+          <a:p>
+            <a:r>
+              <a:rPr lang="en-US" b="1" dirty="0" smtClean="0"/>
+              <a:t>abstract </a:t>
+            </a:r>
+            <a:r>
+              <a:rPr lang="en-US" dirty="0" smtClean="0"/>
+              <a:t>Wheel</a:t>
+            </a:r>
+          </a:p>
+          <a:p>
+            <a:r>
+              <a:rPr lang="en-US" b="1" dirty="0"/>
+              <a:t> </a:t>
+            </a:r>
+            <a:r>
+              <a:rPr lang="en-US" b="1" dirty="0" smtClean="0"/>
+              <a:t>   </a:t>
+            </a:r>
+            <a:r>
+              <a:rPr lang="en-US" dirty="0" smtClean="0"/>
+              <a:t>radius -&gt; integer</a:t>
+            </a:r>
+          </a:p>
+          <a:p>
+            <a:endParaRPr lang="en-US" b="1" dirty="0"/>
+          </a:p>
+          <a:p>
+            <a:r>
+              <a:rPr lang="en-US" dirty="0" err="1" smtClean="0"/>
+              <a:t>frontWheel</a:t>
+            </a:r>
+            <a:r>
+              <a:rPr lang="en-US" dirty="0" smtClean="0"/>
+              <a:t> : Wheel</a:t>
+            </a:r>
+          </a:p>
+          <a:p>
+            <a:r>
+              <a:rPr lang="en-US" dirty="0"/>
+              <a:t> </a:t>
+            </a:r>
+            <a:r>
+              <a:rPr lang="en-US" dirty="0" smtClean="0"/>
+              <a:t>   [radius = 10]</a:t>
+            </a:r>
+            <a:endParaRPr lang="en-US" dirty="0"/>
+          </a:p>
+        </p:txBody>
+      </p:sp>
+    </p:spTree>
+    <p:extLst>
+      <p:ext uri="{BB962C8B-B14F-4D97-AF65-F5344CB8AC3E}">
+        <p14:creationId xmlns:p14="http://schemas.microsoft.com/office/powerpoint/2010/main" val="1798027458"/>
+      </p:ext>
+    </p:extLst>
+  </p:cSld>
+  <p:clrMapOvr>
+    <a:masterClrMapping/>
+  </p:clrMapOvr>
+  <p:timing>
+    <p:tnLst>
+      <p:par>
+        <p:cTn id="1" dur="indefinite" restart="never" nodeType="tmRoot"/>
+      </p:par>
+    </p:tnLst>
+  </p:timing>
+</p:sld>
+</file>
+
+<file path=ppt/slides/slide11.xml><?xml version="1.0" encoding="utf-8"?>
+<p:sld xmlns:a="http://schemas.openxmlformats.org/drawingml/2006/main" xmlns:r="http://schemas.openxmlformats.org/officeDocument/2006/relationships" xmlns:p="http://schemas.openxmlformats.org/presentationml/2006/main">
+  <p:cSld>
+    <p:spTree>
+      <p:nvGrpSpPr>
+        <p:cNvPr id="1" name=""/>
+        <p:cNvGrpSpPr/>
+        <p:nvPr/>
+      </p:nvGrpSpPr>
+      <p:grpSpPr>
+        <a:xfrm>
+          <a:off x="0" y="0"/>
+          <a:ext cx="0" cy="0"/>
+          <a:chOff x="0" y="0"/>
+          <a:chExt cx="0" cy="0"/>
+        </a:xfrm>
+      </p:grpSpPr>
+      <p:sp>
+        <p:nvSpPr>
+          <p:cNvPr id="2" name="Title 1"/>
+          <p:cNvSpPr>
+            <a:spLocks noGrp="1"/>
+          </p:cNvSpPr>
+          <p:nvPr>
+            <p:ph type="title"/>
+          </p:nvPr>
+        </p:nvSpPr>
+        <p:spPr/>
+        <p:txBody>
+          <a:bodyPr/>
+          <a:lstStyle/>
+          <a:p>
+            <a:r>
+              <a:rPr lang="en-US" dirty="0" smtClean="0"/>
               <a:t>Pattern 1</a:t>
             </a:r>
             <a:endParaRPr lang="en-US" dirty="0"/>
@@ -3140,6 +6834,29 @@
               <a:rPr lang="en-US" dirty="0" smtClean="0"/>
               <a:t>Traverse the AST to find the inheritance hierarchy.</a:t>
             </a:r>
+          </a:p>
+        </p:txBody>
+      </p:sp>
+      <p:sp>
+        <p:nvSpPr>
+          <p:cNvPr id="5" name="Slide Number Placeholder 4"/>
+          <p:cNvSpPr>
+            <a:spLocks noGrp="1"/>
+          </p:cNvSpPr>
+          <p:nvPr>
+            <p:ph type="sldNum" sz="quarter" idx="12"/>
+          </p:nvPr>
+        </p:nvSpPr>
+        <p:spPr/>
+        <p:txBody>
+          <a:bodyPr/>
+          <a:lstStyle/>
+          <a:p>
+            <a:fld id="{524C641E-459D-4E41-BF05-7BD1DD7A8A9D}" type="slidenum">
+              <a:rPr lang="en-US" smtClean="0"/>
+              <a:t>11</a:t>
+            </a:fld>
+            <a:endParaRPr lang="en-US"/>
           </a:p>
         </p:txBody>
       </p:sp>
@@ -3685,7 +7402,7 @@
 </p:sld>
 </file>
 
-<file path=ppt/slides/slide11.xml><?xml version="1.0" encoding="utf-8"?>
+<file path=ppt/slides/slide12.xml><?xml version="1.0" encoding="utf-8"?>
 <p:sld xmlns:a="http://schemas.openxmlformats.org/drawingml/2006/main" xmlns:r="http://schemas.openxmlformats.org/officeDocument/2006/relationships" xmlns:p="http://schemas.openxmlformats.org/presentationml/2006/main">
   <p:cSld>
     <p:spTree>
@@ -3761,13 +7478,36 @@
       </p:sp>
       <p:sp>
         <p:nvSpPr>
+          <p:cNvPr id="6" name="Slide Number Placeholder 5"/>
+          <p:cNvSpPr>
+            <a:spLocks noGrp="1"/>
+          </p:cNvSpPr>
+          <p:nvPr>
+            <p:ph type="sldNum" sz="quarter" idx="12"/>
+          </p:nvPr>
+        </p:nvSpPr>
+        <p:spPr/>
+        <p:txBody>
+          <a:bodyPr/>
+          <a:lstStyle/>
+          <a:p>
+            <a:fld id="{524C641E-459D-4E41-BF05-7BD1DD7A8A9D}" type="slidenum">
+              <a:rPr lang="en-US" smtClean="0"/>
+              <a:t>12</a:t>
+            </a:fld>
+            <a:endParaRPr lang="en-US"/>
+          </a:p>
+        </p:txBody>
+      </p:sp>
+      <p:sp>
+        <p:nvSpPr>
           <p:cNvPr id="4" name="TextBox 3"/>
           <p:cNvSpPr txBox="1"/>
           <p:nvPr/>
         </p:nvSpPr>
         <p:spPr>
           <a:xfrm>
-            <a:off x="838200" y="1690688"/>
+            <a:off x="838199" y="1690687"/>
             <a:ext cx="8600431" cy="2554545"/>
           </a:xfrm>
           <a:prstGeom prst="rect">
@@ -3782,12 +7522,20 @@
           <a:lstStyle/>
           <a:p>
             <a:r>
+              <a:rPr lang="en-US" sz="1600" b="1" dirty="0" smtClean="0">
+                <a:latin typeface="Consolas" charset="0"/>
+                <a:ea typeface="Consolas" charset="0"/>
+                <a:cs typeface="Consolas" charset="0"/>
+              </a:rPr>
+              <a:t>abstract</a:t>
+            </a:r>
+            <a:r>
               <a:rPr lang="en-US" sz="1600" dirty="0" smtClean="0">
                 <a:latin typeface="Consolas" charset="0"/>
                 <a:ea typeface="Consolas" charset="0"/>
                 <a:cs typeface="Consolas" charset="0"/>
               </a:rPr>
-              <a:t>abstract Component</a:t>
+              <a:t> Component</a:t>
             </a:r>
           </a:p>
           <a:p>
@@ -3826,22 +7574,38 @@
           </a:p>
           <a:p>
             <a:r>
+              <a:rPr lang="en-US" sz="1600" b="1" dirty="0" smtClean="0">
+                <a:latin typeface="Consolas" charset="0"/>
+                <a:ea typeface="Consolas" charset="0"/>
+                <a:cs typeface="Consolas" charset="0"/>
+              </a:rPr>
+              <a:t>abstract</a:t>
+            </a:r>
+            <a:r>
               <a:rPr lang="en-US" sz="1600" dirty="0" smtClean="0">
                 <a:latin typeface="Consolas" charset="0"/>
                 <a:ea typeface="Consolas" charset="0"/>
                 <a:cs typeface="Consolas" charset="0"/>
               </a:rPr>
-              <a:t>abstract Device</a:t>
-            </a:r>
-          </a:p>
-          <a:p>
+              <a:t> Device</a:t>
+            </a:r>
+          </a:p>
+          <a:p>
+            <a:r>
+              <a:rPr lang="en-US" sz="1600" b="1" dirty="0" smtClean="0">
+                <a:latin typeface="Consolas" charset="0"/>
+                <a:ea typeface="Consolas" charset="0"/>
+                <a:cs typeface="Consolas" charset="0"/>
+              </a:rPr>
+              <a:t>abstract</a:t>
+            </a:r>
             <a:r>
               <a:rPr lang="en-US" sz="1600" dirty="0" smtClean="0">
                 <a:latin typeface="Consolas" charset="0"/>
                 <a:ea typeface="Consolas" charset="0"/>
                 <a:cs typeface="Consolas" charset="0"/>
               </a:rPr>
-              <a:t>abstract Connector</a:t>
+              <a:t> Connector</a:t>
             </a:r>
           </a:p>
           <a:p>
@@ -3853,12 +7617,20 @@
           </a:p>
           <a:p>
             <a:r>
+              <a:rPr lang="en-US" sz="1600" b="1" dirty="0" smtClean="0">
+                <a:latin typeface="Consolas" charset="0"/>
+                <a:ea typeface="Consolas" charset="0"/>
+                <a:cs typeface="Consolas" charset="0"/>
+              </a:rPr>
+              <a:t>abstract</a:t>
+            </a:r>
+            <a:r>
               <a:rPr lang="en-US" sz="1600" dirty="0" smtClean="0">
                 <a:latin typeface="Consolas" charset="0"/>
                 <a:ea typeface="Consolas" charset="0"/>
                 <a:cs typeface="Consolas" charset="0"/>
               </a:rPr>
-              <a:t>abstract Command</a:t>
+              <a:t> Command</a:t>
             </a:r>
           </a:p>
           <a:p>
@@ -3996,7 +7768,7 @@
         </p:nvSpPr>
         <p:spPr>
           <a:xfrm>
-            <a:off x="838199" y="1690687"/>
+            <a:off x="838198" y="1690686"/>
             <a:ext cx="7927170" cy="2554545"/>
           </a:xfrm>
           <a:prstGeom prst="rect">
@@ -4011,12 +7783,20 @@
           <a:lstStyle/>
           <a:p>
             <a:r>
+              <a:rPr lang="en-US" sz="1600" b="1" dirty="0" smtClean="0">
+                <a:latin typeface="Consolas" charset="0"/>
+                <a:ea typeface="Consolas" charset="0"/>
+                <a:cs typeface="Consolas" charset="0"/>
+              </a:rPr>
+              <a:t>abstract</a:t>
+            </a:r>
+            <a:r>
               <a:rPr lang="en-US" sz="1600" dirty="0" smtClean="0">
                 <a:latin typeface="Consolas" charset="0"/>
                 <a:ea typeface="Consolas" charset="0"/>
                 <a:cs typeface="Consolas" charset="0"/>
               </a:rPr>
-              <a:t>abstract Component</a:t>
+              <a:t> Component</a:t>
             </a:r>
           </a:p>
           <a:p>
@@ -4055,22 +7835,38 @@
           </a:p>
           <a:p>
             <a:r>
+              <a:rPr lang="en-US" sz="1600" b="1" dirty="0" smtClean="0">
+                <a:latin typeface="Consolas" charset="0"/>
+                <a:ea typeface="Consolas" charset="0"/>
+                <a:cs typeface="Consolas" charset="0"/>
+              </a:rPr>
+              <a:t>abstract</a:t>
+            </a:r>
+            <a:r>
               <a:rPr lang="en-US" sz="1600" dirty="0" smtClean="0">
                 <a:latin typeface="Consolas" charset="0"/>
                 <a:ea typeface="Consolas" charset="0"/>
                 <a:cs typeface="Consolas" charset="0"/>
               </a:rPr>
-              <a:t>abstract Device</a:t>
-            </a:r>
-          </a:p>
-          <a:p>
+              <a:t> Device</a:t>
+            </a:r>
+          </a:p>
+          <a:p>
+            <a:r>
+              <a:rPr lang="en-US" sz="1600" b="1" dirty="0" smtClean="0">
+                <a:latin typeface="Consolas" charset="0"/>
+                <a:ea typeface="Consolas" charset="0"/>
+                <a:cs typeface="Consolas" charset="0"/>
+              </a:rPr>
+              <a:t>abstract</a:t>
+            </a:r>
             <a:r>
               <a:rPr lang="en-US" sz="1600" dirty="0" smtClean="0">
                 <a:latin typeface="Consolas" charset="0"/>
                 <a:ea typeface="Consolas" charset="0"/>
                 <a:cs typeface="Consolas" charset="0"/>
               </a:rPr>
-              <a:t>abstract Connector</a:t>
+              <a:t> Connector</a:t>
             </a:r>
           </a:p>
           <a:p>
@@ -4082,12 +7878,20 @@
           </a:p>
           <a:p>
             <a:r>
+              <a:rPr lang="en-US" sz="1600" b="1" dirty="0" smtClean="0">
+                <a:latin typeface="Consolas" charset="0"/>
+                <a:ea typeface="Consolas" charset="0"/>
+                <a:cs typeface="Consolas" charset="0"/>
+              </a:rPr>
+              <a:t>abstract</a:t>
+            </a:r>
+            <a:r>
               <a:rPr lang="en-US" sz="1600" dirty="0" smtClean="0">
                 <a:latin typeface="Consolas" charset="0"/>
                 <a:ea typeface="Consolas" charset="0"/>
                 <a:cs typeface="Consolas" charset="0"/>
               </a:rPr>
-              <a:t>abstract Command</a:t>
+              <a:t> Command</a:t>
             </a:r>
           </a:p>
           <a:p>
@@ -4453,97 +8257,6 @@
 </p:sld>
 </file>
 
-<file path=ppt/slides/slide12.xml><?xml version="1.0" encoding="utf-8"?>
-<p:sld xmlns:a="http://schemas.openxmlformats.org/drawingml/2006/main" xmlns:r="http://schemas.openxmlformats.org/officeDocument/2006/relationships" xmlns:p="http://schemas.openxmlformats.org/presentationml/2006/main" show="0">
-  <p:cSld>
-    <p:spTree>
-      <p:nvGrpSpPr>
-        <p:cNvPr id="1" name=""/>
-        <p:cNvGrpSpPr/>
-        <p:nvPr/>
-      </p:nvGrpSpPr>
-      <p:grpSpPr>
-        <a:xfrm>
-          <a:off x="0" y="0"/>
-          <a:ext cx="0" cy="0"/>
-          <a:chOff x="0" y="0"/>
-          <a:chExt cx="0" cy="0"/>
-        </a:xfrm>
-      </p:grpSpPr>
-      <p:sp>
-        <p:nvSpPr>
-          <p:cNvPr id="2" name="Title 1"/>
-          <p:cNvSpPr>
-            <a:spLocks noGrp="1"/>
-          </p:cNvSpPr>
-          <p:nvPr>
-            <p:ph type="title"/>
-          </p:nvPr>
-        </p:nvSpPr>
-        <p:spPr/>
-        <p:txBody>
-          <a:bodyPr/>
-          <a:lstStyle/>
-          <a:p>
-            <a:r>
-              <a:rPr lang="en-US" dirty="0" smtClean="0"/>
-              <a:t>Pattern 3</a:t>
-            </a:r>
-            <a:endParaRPr lang="en-US" dirty="0"/>
-          </a:p>
-        </p:txBody>
-      </p:sp>
-      <p:sp>
-        <p:nvSpPr>
-          <p:cNvPr id="3" name="Content Placeholder 2"/>
-          <p:cNvSpPr>
-            <a:spLocks noGrp="1"/>
-          </p:cNvSpPr>
-          <p:nvPr>
-            <p:ph idx="1"/>
-          </p:nvPr>
-        </p:nvSpPr>
-        <p:spPr/>
-        <p:txBody>
-          <a:bodyPr/>
-          <a:lstStyle/>
-          <a:p>
-            <a:r>
-              <a:rPr lang="en-US" dirty="0" smtClean="0"/>
-              <a:t>Not going to include in presentation for time</a:t>
-            </a:r>
-            <a:endParaRPr lang="en-US" dirty="0"/>
-          </a:p>
-        </p:txBody>
-      </p:sp>
-    </p:spTree>
-    <p:extLst>
-      <p:ext uri="{BB962C8B-B14F-4D97-AF65-F5344CB8AC3E}">
-        <p14:creationId xmlns:p14="http://schemas.microsoft.com/office/powerpoint/2010/main" val="733450907"/>
-      </p:ext>
-    </p:extLst>
-  </p:cSld>
-  <p:clrMapOvr>
-    <a:masterClrMapping/>
-  </p:clrMapOvr>
-  <mc:AlternateContent xmlns:mc="http://schemas.openxmlformats.org/markup-compatibility/2006">
-    <mc:Choice xmlns:p14="http://schemas.microsoft.com/office/powerpoint/2010/main" Requires="p14">
-      <p:transition spd="slow" p14:dur="2000"/>
-    </mc:Choice>
-    <mc:Fallback>
-      <p:transition spd="slow"/>
-    </mc:Fallback>
-  </mc:AlternateContent>
-  <p:timing>
-    <p:tnLst>
-      <p:par>
-        <p:cTn id="1" dur="indefinite" restart="never" nodeType="tmRoot"/>
-      </p:par>
-    </p:tnLst>
-  </p:timing>
-</p:sld>
-</file>
-
 <file path=ppt/slides/slide13.xml><?xml version="1.0" encoding="utf-8"?>
 <p:sld xmlns:a="http://schemas.openxmlformats.org/drawingml/2006/main" xmlns:r="http://schemas.openxmlformats.org/officeDocument/2006/relationships" xmlns:p="http://schemas.openxmlformats.org/presentationml/2006/main" show="0">
   <p:cSld>
@@ -4578,7 +8291,7 @@
           <a:p>
             <a:r>
               <a:rPr lang="en-US" dirty="0" smtClean="0"/>
-              <a:t>Pattern 4</a:t>
+              <a:t>Pattern 3</a:t>
             </a:r>
             <a:endParaRPr lang="en-US" dirty="0"/>
           </a:p>
@@ -4607,10 +8320,33 @@
           </a:p>
         </p:txBody>
       </p:sp>
+      <p:sp>
+        <p:nvSpPr>
+          <p:cNvPr id="4" name="Slide Number Placeholder 3"/>
+          <p:cNvSpPr>
+            <a:spLocks noGrp="1"/>
+          </p:cNvSpPr>
+          <p:nvPr>
+            <p:ph type="sldNum" sz="quarter" idx="12"/>
+          </p:nvPr>
+        </p:nvSpPr>
+        <p:spPr/>
+        <p:txBody>
+          <a:bodyPr/>
+          <a:lstStyle/>
+          <a:p>
+            <a:fld id="{524C641E-459D-4E41-BF05-7BD1DD7A8A9D}" type="slidenum">
+              <a:rPr lang="en-US" smtClean="0"/>
+              <a:t>13</a:t>
+            </a:fld>
+            <a:endParaRPr lang="en-US"/>
+          </a:p>
+        </p:txBody>
+      </p:sp>
     </p:spTree>
     <p:extLst>
       <p:ext uri="{BB962C8B-B14F-4D97-AF65-F5344CB8AC3E}">
-        <p14:creationId xmlns:p14="http://schemas.microsoft.com/office/powerpoint/2010/main" val="661955081"/>
+        <p14:creationId xmlns:p14="http://schemas.microsoft.com/office/powerpoint/2010/main" val="733450907"/>
       </p:ext>
     </p:extLst>
   </p:cSld>
@@ -4636,7 +8372,7 @@
 </file>
 
 <file path=ppt/slides/slide14.xml><?xml version="1.0" encoding="utf-8"?>
-<p:sld xmlns:a="http://schemas.openxmlformats.org/drawingml/2006/main" xmlns:r="http://schemas.openxmlformats.org/officeDocument/2006/relationships" xmlns:p="http://schemas.openxmlformats.org/presentationml/2006/main">
+<p:sld xmlns:a="http://schemas.openxmlformats.org/drawingml/2006/main" xmlns:r="http://schemas.openxmlformats.org/officeDocument/2006/relationships" xmlns:p="http://schemas.openxmlformats.org/presentationml/2006/main" show="0">
   <p:cSld>
     <p:spTree>
       <p:nvGrpSpPr>
@@ -4669,7 +8405,7 @@
           <a:p>
             <a:r>
               <a:rPr lang="en-US" dirty="0" smtClean="0"/>
-              <a:t>Implementation</a:t>
+              <a:t>Pattern 4</a:t>
             </a:r>
             <a:endParaRPr lang="en-US" dirty="0"/>
           </a:p>
@@ -4692,54 +8428,53 @@
           <a:p>
             <a:r>
               <a:rPr lang="en-US" dirty="0" smtClean="0"/>
-              <a:t>The Clafer compiler is written in Haskell but generates an IR for a Java/</a:t>
-            </a:r>
-            <a:r>
-              <a:rPr lang="en-US" dirty="0" err="1" smtClean="0"/>
-              <a:t>Javascript</a:t>
-            </a:r>
-            <a:r>
-              <a:rPr lang="en-US" dirty="0" smtClean="0"/>
-              <a:t> backend.</a:t>
-            </a:r>
-          </a:p>
-          <a:p>
-            <a:r>
-              <a:rPr lang="en-US" dirty="0" smtClean="0"/>
-              <a:t>Existing Java library for parsing the AST generated by the backend.</a:t>
-            </a:r>
-          </a:p>
-          <a:p>
-            <a:r>
-              <a:rPr lang="en-US" dirty="0" smtClean="0"/>
-              <a:t>This tool implementation was done in Java.</a:t>
-            </a:r>
-          </a:p>
-          <a:p>
-            <a:r>
-              <a:rPr lang="en-US" dirty="0" smtClean="0"/>
-              <a:t>The AST was only traversed for pattern 1.</a:t>
-            </a:r>
-          </a:p>
-          <a:p>
-            <a:r>
-              <a:rPr lang="en-US" dirty="0" smtClean="0"/>
-              <a:t>The other patterns collected all constraints in the model and traversed the expressions using the visitor design pattern.</a:t>
+              <a:t>Not going to include in presentation for time</a:t>
             </a:r>
             <a:endParaRPr lang="en-US" dirty="0"/>
+          </a:p>
+        </p:txBody>
+      </p:sp>
+      <p:sp>
+        <p:nvSpPr>
+          <p:cNvPr id="4" name="Slide Number Placeholder 3"/>
+          <p:cNvSpPr>
+            <a:spLocks noGrp="1"/>
+          </p:cNvSpPr>
+          <p:nvPr>
+            <p:ph type="sldNum" sz="quarter" idx="12"/>
+          </p:nvPr>
+        </p:nvSpPr>
+        <p:spPr/>
+        <p:txBody>
+          <a:bodyPr/>
+          <a:lstStyle/>
+          <a:p>
+            <a:fld id="{524C641E-459D-4E41-BF05-7BD1DD7A8A9D}" type="slidenum">
+              <a:rPr lang="en-US" smtClean="0"/>
+              <a:t>14</a:t>
+            </a:fld>
+            <a:endParaRPr lang="en-US"/>
           </a:p>
         </p:txBody>
       </p:sp>
     </p:spTree>
     <p:extLst>
       <p:ext uri="{BB962C8B-B14F-4D97-AF65-F5344CB8AC3E}">
-        <p14:creationId xmlns:p14="http://schemas.microsoft.com/office/powerpoint/2010/main" val="101323875"/>
+        <p14:creationId xmlns:p14="http://schemas.microsoft.com/office/powerpoint/2010/main" val="661955081"/>
       </p:ext>
     </p:extLst>
   </p:cSld>
   <p:clrMapOvr>
     <a:masterClrMapping/>
   </p:clrMapOvr>
+  <mc:AlternateContent xmlns:mc="http://schemas.openxmlformats.org/markup-compatibility/2006">
+    <mc:Choice xmlns:p14="http://schemas.microsoft.com/office/powerpoint/2010/main" Requires="p14">
+      <p:transition spd="slow" p14:dur="2000"/>
+    </mc:Choice>
+    <mc:Fallback>
+      <p:transition spd="slow"/>
+    </mc:Fallback>
+  </mc:AlternateContent>
   <p:timing>
     <p:tnLst>
       <p:par>
@@ -4783,8 +8518,8 @@
           <a:lstStyle/>
           <a:p>
             <a:r>
-              <a:rPr lang="en-US" smtClean="0"/>
-              <a:t>Evaluation</a:t>
+              <a:rPr lang="en-US" dirty="0" smtClean="0"/>
+              <a:t>Implementation</a:t>
             </a:r>
             <a:endParaRPr lang="en-US" dirty="0"/>
           </a:p>
@@ -4805,7 +8540,200 @@
           <a:bodyPr/>
           <a:lstStyle/>
           <a:p>
+            <a:r>
+              <a:rPr lang="en-US" dirty="0" smtClean="0"/>
+              <a:t>The Clafer compiler is written in Haskell but generates an IR for a Java/</a:t>
+            </a:r>
+            <a:r>
+              <a:rPr lang="en-US" dirty="0" err="1" smtClean="0"/>
+              <a:t>Javascript</a:t>
+            </a:r>
+            <a:r>
+              <a:rPr lang="en-US" dirty="0" smtClean="0"/>
+              <a:t> backend.</a:t>
+            </a:r>
+          </a:p>
+          <a:p>
+            <a:r>
+              <a:rPr lang="en-US" dirty="0" smtClean="0"/>
+              <a:t>Existing Java library for parsing the AST generated by the backend.</a:t>
+            </a:r>
+          </a:p>
+          <a:p>
+            <a:r>
+              <a:rPr lang="en-US" dirty="0" smtClean="0"/>
+              <a:t>This tool implementation was done in Java.</a:t>
+            </a:r>
+          </a:p>
+          <a:p>
+            <a:r>
+              <a:rPr lang="en-US" dirty="0" smtClean="0"/>
+              <a:t>The AST was only traversed for pattern 1.</a:t>
+            </a:r>
+          </a:p>
+          <a:p>
+            <a:r>
+              <a:rPr lang="en-US" dirty="0" smtClean="0"/>
+              <a:t>The other patterns collected all constraints in the model and traversed the expressions using the visitor design pattern.</a:t>
+            </a:r>
             <a:endParaRPr lang="en-US" dirty="0"/>
+          </a:p>
+        </p:txBody>
+      </p:sp>
+      <p:sp>
+        <p:nvSpPr>
+          <p:cNvPr id="4" name="Slide Number Placeholder 3"/>
+          <p:cNvSpPr>
+            <a:spLocks noGrp="1"/>
+          </p:cNvSpPr>
+          <p:nvPr>
+            <p:ph type="sldNum" sz="quarter" idx="12"/>
+          </p:nvPr>
+        </p:nvSpPr>
+        <p:spPr/>
+        <p:txBody>
+          <a:bodyPr/>
+          <a:lstStyle/>
+          <a:p>
+            <a:fld id="{524C641E-459D-4E41-BF05-7BD1DD7A8A9D}" type="slidenum">
+              <a:rPr lang="en-US" smtClean="0"/>
+              <a:t>15</a:t>
+            </a:fld>
+            <a:endParaRPr lang="en-US"/>
+          </a:p>
+        </p:txBody>
+      </p:sp>
+    </p:spTree>
+    <p:extLst>
+      <p:ext uri="{BB962C8B-B14F-4D97-AF65-F5344CB8AC3E}">
+        <p14:creationId xmlns:p14="http://schemas.microsoft.com/office/powerpoint/2010/main" val="101323875"/>
+      </p:ext>
+    </p:extLst>
+  </p:cSld>
+  <p:clrMapOvr>
+    <a:masterClrMapping/>
+  </p:clrMapOvr>
+  <p:timing>
+    <p:tnLst>
+      <p:par>
+        <p:cTn id="1" dur="indefinite" restart="never" nodeType="tmRoot"/>
+      </p:par>
+    </p:tnLst>
+  </p:timing>
+</p:sld>
+</file>
+
+<file path=ppt/slides/slide16.xml><?xml version="1.0" encoding="utf-8"?>
+<p:sld xmlns:a="http://schemas.openxmlformats.org/drawingml/2006/main" xmlns:r="http://schemas.openxmlformats.org/officeDocument/2006/relationships" xmlns:p="http://schemas.openxmlformats.org/presentationml/2006/main">
+  <p:cSld>
+    <p:spTree>
+      <p:nvGrpSpPr>
+        <p:cNvPr id="1" name=""/>
+        <p:cNvGrpSpPr/>
+        <p:nvPr/>
+      </p:nvGrpSpPr>
+      <p:grpSpPr>
+        <a:xfrm>
+          <a:off x="0" y="0"/>
+          <a:ext cx="0" cy="0"/>
+          <a:chOff x="0" y="0"/>
+          <a:chExt cx="0" cy="0"/>
+        </a:xfrm>
+      </p:grpSpPr>
+      <p:sp>
+        <p:nvSpPr>
+          <p:cNvPr id="2" name="Title 1"/>
+          <p:cNvSpPr>
+            <a:spLocks noGrp="1"/>
+          </p:cNvSpPr>
+          <p:nvPr>
+            <p:ph type="title"/>
+          </p:nvPr>
+        </p:nvSpPr>
+        <p:spPr/>
+        <p:txBody>
+          <a:bodyPr/>
+          <a:lstStyle/>
+          <a:p>
+            <a:r>
+              <a:rPr lang="en-US" dirty="0" smtClean="0"/>
+              <a:t>Evaluation</a:t>
+            </a:r>
+            <a:endParaRPr lang="en-US" dirty="0"/>
+          </a:p>
+        </p:txBody>
+      </p:sp>
+      <p:sp>
+        <p:nvSpPr>
+          <p:cNvPr id="3" name="Content Placeholder 2"/>
+          <p:cNvSpPr>
+            <a:spLocks noGrp="1"/>
+          </p:cNvSpPr>
+          <p:nvPr>
+            <p:ph idx="1"/>
+          </p:nvPr>
+        </p:nvSpPr>
+        <p:spPr/>
+        <p:txBody>
+          <a:bodyPr/>
+          <a:lstStyle/>
+          <a:p>
+            <a:r>
+              <a:rPr lang="en-US" dirty="0" smtClean="0"/>
+              <a:t>Executed tool on 11 different size Clafer models.</a:t>
+            </a:r>
+          </a:p>
+          <a:p>
+            <a:pPr lvl="1"/>
+            <a:r>
+              <a:rPr lang="en-US" dirty="0" smtClean="0"/>
+              <a:t>Models written by two different intermediate/advanced users.</a:t>
+            </a:r>
+          </a:p>
+          <a:p>
+            <a:r>
+              <a:rPr lang="en-US" dirty="0" smtClean="0"/>
+              <a:t>Classified warnings as false positives or not</a:t>
+            </a:r>
+          </a:p>
+          <a:p>
+            <a:pPr lvl="1"/>
+            <a:r>
+              <a:rPr lang="en-US" dirty="0" smtClean="0"/>
+              <a:t>False positives were either </a:t>
+            </a:r>
+            <a:r>
+              <a:rPr lang="en-US" b="1" i="1" dirty="0" smtClean="0"/>
+              <a:t>true</a:t>
+            </a:r>
+            <a:r>
+              <a:rPr lang="en-US" dirty="0" smtClean="0"/>
+              <a:t> or implementation errors.</a:t>
+            </a:r>
+            <a:endParaRPr lang="en-US" dirty="0"/>
+          </a:p>
+        </p:txBody>
+      </p:sp>
+      <p:sp>
+        <p:nvSpPr>
+          <p:cNvPr id="4" name="Slide Number Placeholder 3"/>
+          <p:cNvSpPr>
+            <a:spLocks noGrp="1"/>
+          </p:cNvSpPr>
+          <p:nvPr>
+            <p:ph type="sldNum" sz="quarter" idx="12"/>
+          </p:nvPr>
+        </p:nvSpPr>
+        <p:spPr/>
+        <p:txBody>
+          <a:bodyPr/>
+          <a:lstStyle/>
+          <a:p>
+            <a:fld id="{524C641E-459D-4E41-BF05-7BD1DD7A8A9D}" type="slidenum">
+              <a:rPr lang="en-US" smtClean="0"/>
+              <a:t>16</a:t>
+            </a:fld>
+            <a:endParaRPr lang="en-US"/>
           </a:p>
         </p:txBody>
       </p:sp>
@@ -4819,10 +8747,17 @@
   <p:clrMapOvr>
     <a:masterClrMapping/>
   </p:clrMapOvr>
+  <p:timing>
+    <p:tnLst>
+      <p:par>
+        <p:cTn id="1" dur="indefinite" restart="never" nodeType="tmRoot"/>
+      </p:par>
+    </p:tnLst>
+  </p:timing>
 </p:sld>
 </file>
 
-<file path=ppt/slides/slide16.xml><?xml version="1.0" encoding="utf-8"?>
+<file path=ppt/slides/slide17.xml><?xml version="1.0" encoding="utf-8"?>
 <p:sld xmlns:a="http://schemas.openxmlformats.org/drawingml/2006/main" xmlns:r="http://schemas.openxmlformats.org/officeDocument/2006/relationships" xmlns:p="http://schemas.openxmlformats.org/presentationml/2006/main">
   <p:cSld>
     <p:spTree>
@@ -10571,6 +14506,29 @@
           </a:graphicData>
         </a:graphic>
       </p:graphicFrame>
+      <p:sp>
+        <p:nvSpPr>
+          <p:cNvPr id="6" name="Slide Number Placeholder 5"/>
+          <p:cNvSpPr>
+            <a:spLocks noGrp="1"/>
+          </p:cNvSpPr>
+          <p:nvPr>
+            <p:ph type="sldNum" sz="quarter" idx="12"/>
+          </p:nvPr>
+        </p:nvSpPr>
+        <p:spPr/>
+        <p:txBody>
+          <a:bodyPr/>
+          <a:lstStyle/>
+          <a:p>
+            <a:fld id="{524C641E-459D-4E41-BF05-7BD1DD7A8A9D}" type="slidenum">
+              <a:rPr lang="en-US" smtClean="0"/>
+              <a:t>17</a:t>
+            </a:fld>
+            <a:endParaRPr lang="en-US"/>
+          </a:p>
+        </p:txBody>
+      </p:sp>
     </p:spTree>
     <p:extLst>
       <p:ext uri="{BB962C8B-B14F-4D97-AF65-F5344CB8AC3E}">
@@ -10591,7 +14549,7 @@
 </p:sld>
 </file>
 
-<file path=ppt/slides/slide17.xml><?xml version="1.0" encoding="utf-8"?>
+<file path=ppt/slides/slide18.xml><?xml version="1.0" encoding="utf-8"?>
 <p:sld xmlns:a="http://schemas.openxmlformats.org/drawingml/2006/main" xmlns:r="http://schemas.openxmlformats.org/officeDocument/2006/relationships" xmlns:p="http://schemas.openxmlformats.org/presentationml/2006/main">
   <p:cSld>
     <p:spTree>
@@ -10641,7 +14599,7 @@
             <p:ph idx="1"/>
             <p:extLst>
               <p:ext uri="{D42A27DB-BD31-4B8C-83A1-F6EECF244321}">
-                <p14:modId xmlns:p14="http://schemas.microsoft.com/office/powerpoint/2010/main" val="1515450385"/>
+                <p14:modId xmlns:p14="http://schemas.microsoft.com/office/powerpoint/2010/main" val="608413784"/>
               </p:ext>
             </p:extLst>
           </p:nvPr>
@@ -17744,7 +21702,7 @@
                           <a:effectLst/>
                           <a:latin typeface="Calibri" charset="0"/>
                         </a:rPr>
-                        <a:t>3</a:t>
+                        <a:t>2</a:t>
                       </a:r>
                     </a:p>
                   </a:txBody>
@@ -18481,6 +22439,29 @@
           </a:graphicData>
         </a:graphic>
       </p:graphicFrame>
+      <p:sp>
+        <p:nvSpPr>
+          <p:cNvPr id="3" name="Slide Number Placeholder 2"/>
+          <p:cNvSpPr>
+            <a:spLocks noGrp="1"/>
+          </p:cNvSpPr>
+          <p:nvPr>
+            <p:ph type="sldNum" sz="quarter" idx="12"/>
+          </p:nvPr>
+        </p:nvSpPr>
+        <p:spPr/>
+        <p:txBody>
+          <a:bodyPr/>
+          <a:lstStyle/>
+          <a:p>
+            <a:fld id="{524C641E-459D-4E41-BF05-7BD1DD7A8A9D}" type="slidenum">
+              <a:rPr lang="en-US" smtClean="0"/>
+              <a:t>18</a:t>
+            </a:fld>
+            <a:endParaRPr lang="en-US"/>
+          </a:p>
+        </p:txBody>
+      </p:sp>
     </p:spTree>
     <p:extLst>
       <p:ext uri="{BB962C8B-B14F-4D97-AF65-F5344CB8AC3E}">
@@ -18501,7 +22482,7 @@
 </p:sld>
 </file>
 
-<file path=ppt/slides/slide18.xml><?xml version="1.0" encoding="utf-8"?>
+<file path=ppt/slides/slide19.xml><?xml version="1.0" encoding="utf-8"?>
 <p:sld xmlns:a="http://schemas.openxmlformats.org/drawingml/2006/main" xmlns:r="http://schemas.openxmlformats.org/officeDocument/2006/relationships" xmlns:p="http://schemas.openxmlformats.org/presentationml/2006/main">
   <p:cSld>
     <p:spTree>
@@ -18553,48 +22534,73 @@
         </p:nvSpPr>
         <p:spPr/>
         <p:txBody>
+          <a:bodyPr>
+            <a:normAutofit/>
+          </a:bodyPr>
+          <a:lstStyle/>
+          <a:p>
+            <a:r>
+              <a:rPr lang="en-US" dirty="0" smtClean="0"/>
+              <a:t>All four patterns have been implemented.</a:t>
+            </a:r>
+          </a:p>
+          <a:p>
+            <a:r>
+              <a:rPr lang="en-US" dirty="0" smtClean="0"/>
+              <a:t>The missing constraint pattern generates the most warnings and not an unreasonable number of false positives.</a:t>
+            </a:r>
+          </a:p>
+          <a:p>
+            <a:pPr lvl="1"/>
+            <a:r>
+              <a:rPr lang="en-US" dirty="0" smtClean="0"/>
+              <a:t>As Clafer models become larger a more sophisticated statistical analysis approach will need to be put in place.</a:t>
+            </a:r>
+          </a:p>
+          <a:p>
+            <a:r>
+              <a:rPr lang="en-US" dirty="0" smtClean="0"/>
+              <a:t>Patterns 3 &amp; 4 don’t have any warnings given the small selection of models that is available.</a:t>
+            </a:r>
+          </a:p>
+          <a:p>
+            <a:pPr lvl="1"/>
+            <a:r>
+              <a:rPr lang="en-US" dirty="0" smtClean="0"/>
+              <a:t>More helpful in debugging of models and early stages of creating the model</a:t>
+            </a:r>
+          </a:p>
+          <a:p>
+            <a:r>
+              <a:rPr lang="en-US" dirty="0" smtClean="0"/>
+              <a:t>A bigger sample set and controlled study would need to be done to see if this analysis will benefit modelers.</a:t>
+            </a:r>
+          </a:p>
+          <a:p>
+            <a:endParaRPr lang="en-US" dirty="0"/>
+          </a:p>
+        </p:txBody>
+      </p:sp>
+      <p:sp>
+        <p:nvSpPr>
+          <p:cNvPr id="4" name="Slide Number Placeholder 3"/>
+          <p:cNvSpPr>
+            <a:spLocks noGrp="1"/>
+          </p:cNvSpPr>
+          <p:nvPr>
+            <p:ph type="sldNum" sz="quarter" idx="12"/>
+          </p:nvPr>
+        </p:nvSpPr>
+        <p:spPr/>
+        <p:txBody>
           <a:bodyPr/>
           <a:lstStyle/>
           <a:p>
-            <a:r>
-              <a:rPr lang="en-US" dirty="0" smtClean="0"/>
-              <a:t>All four patterns have been implemented.</a:t>
-            </a:r>
-          </a:p>
-          <a:p>
-            <a:r>
-              <a:rPr lang="en-US" dirty="0" smtClean="0"/>
-              <a:t>The missing constraint pattern generates the most warnings and not an unreasonable number of false positives.</a:t>
-            </a:r>
-          </a:p>
-          <a:p>
-            <a:pPr lvl="1"/>
-            <a:r>
-              <a:rPr lang="en-US" dirty="0" smtClean="0"/>
-              <a:t>As Clafer models become larger a more sophisticated statistical analysis approach will need to be put in place.</a:t>
-            </a:r>
-          </a:p>
-          <a:p>
-            <a:r>
-              <a:rPr lang="en-US" dirty="0" smtClean="0"/>
-              <a:t>Patterns 3 &amp; 4 don’t have any warnings given the small selection of models that is available.</a:t>
-            </a:r>
-          </a:p>
-          <a:p>
-            <a:pPr lvl="1"/>
-            <a:r>
-              <a:rPr lang="en-US" dirty="0" smtClean="0"/>
-              <a:t>More helpful in debugging of models and early stages of creating the model</a:t>
-            </a:r>
-          </a:p>
-          <a:p>
-            <a:r>
-              <a:rPr lang="en-US" dirty="0" smtClean="0"/>
-              <a:t>A bigger sample set and controlled study would need to be done to see if this analysis will benefit modelers.</a:t>
-            </a:r>
-          </a:p>
-          <a:p>
-            <a:endParaRPr lang="en-US" dirty="0"/>
+            <a:fld id="{524C641E-459D-4E41-BF05-7BD1DD7A8A9D}" type="slidenum">
+              <a:rPr lang="en-US" smtClean="0"/>
+              <a:t>19</a:t>
+            </a:fld>
+            <a:endParaRPr lang="en-US"/>
           </a:p>
         </p:txBody>
       </p:sp>
@@ -18723,6 +22729,29 @@
           </a:p>
         </p:txBody>
       </p:sp>
+      <p:sp>
+        <p:nvSpPr>
+          <p:cNvPr id="4" name="Slide Number Placeholder 3"/>
+          <p:cNvSpPr>
+            <a:spLocks noGrp="1"/>
+          </p:cNvSpPr>
+          <p:nvPr>
+            <p:ph type="sldNum" sz="quarter" idx="12"/>
+          </p:nvPr>
+        </p:nvSpPr>
+        <p:spPr/>
+        <p:txBody>
+          <a:bodyPr/>
+          <a:lstStyle/>
+          <a:p>
+            <a:fld id="{524C641E-459D-4E41-BF05-7BD1DD7A8A9D}" type="slidenum">
+              <a:rPr lang="en-US" smtClean="0"/>
+              <a:t>2</a:t>
+            </a:fld>
+            <a:endParaRPr lang="en-US"/>
+          </a:p>
+        </p:txBody>
+      </p:sp>
     </p:spTree>
     <p:extLst>
       <p:ext uri="{BB962C8B-B14F-4D97-AF65-F5344CB8AC3E}">
@@ -18848,6 +22877,29 @@
           <a:p>
             <a:pPr lvl="1"/>
             <a:endParaRPr lang="en-US" dirty="0" smtClean="0"/>
+          </a:p>
+        </p:txBody>
+      </p:sp>
+      <p:sp>
+        <p:nvSpPr>
+          <p:cNvPr id="4" name="Slide Number Placeholder 3"/>
+          <p:cNvSpPr>
+            <a:spLocks noGrp="1"/>
+          </p:cNvSpPr>
+          <p:nvPr>
+            <p:ph type="sldNum" sz="quarter" idx="12"/>
+          </p:nvPr>
+        </p:nvSpPr>
+        <p:spPr/>
+        <p:txBody>
+          <a:bodyPr/>
+          <a:lstStyle/>
+          <a:p>
+            <a:fld id="{524C641E-459D-4E41-BF05-7BD1DD7A8A9D}" type="slidenum">
+              <a:rPr lang="en-US" smtClean="0"/>
+              <a:t>3</a:t>
+            </a:fld>
+            <a:endParaRPr lang="en-US"/>
           </a:p>
         </p:txBody>
       </p:sp>
@@ -18917,6 +22969,29 @@
           </a:p>
         </p:txBody>
       </p:sp>
+      <p:sp>
+        <p:nvSpPr>
+          <p:cNvPr id="3" name="Slide Number Placeholder 2"/>
+          <p:cNvSpPr>
+            <a:spLocks noGrp="1"/>
+          </p:cNvSpPr>
+          <p:nvPr>
+            <p:ph type="sldNum" sz="quarter" idx="12"/>
+          </p:nvPr>
+        </p:nvSpPr>
+        <p:spPr/>
+        <p:txBody>
+          <a:bodyPr/>
+          <a:lstStyle/>
+          <a:p>
+            <a:fld id="{524C641E-459D-4E41-BF05-7BD1DD7A8A9D}" type="slidenum">
+              <a:rPr lang="en-US" smtClean="0"/>
+              <a:t>4</a:t>
+            </a:fld>
+            <a:endParaRPr lang="en-US"/>
+          </a:p>
+        </p:txBody>
+      </p:sp>
     </p:spTree>
     <p:extLst>
       <p:ext uri="{BB962C8B-B14F-4D97-AF65-F5344CB8AC3E}">
@@ -19003,7 +23078,7 @@
         </p:spPr>
         <p:txBody>
           <a:bodyPr>
-            <a:normAutofit lnSpcReduction="10000"/>
+            <a:normAutofit/>
           </a:bodyPr>
           <a:lstStyle/>
           <a:p>
@@ -19093,6 +23168,29 @@
               <a:t> to reduce the number of false positives. </a:t>
             </a:r>
             <a:endParaRPr lang="en-US" dirty="0"/>
+          </a:p>
+        </p:txBody>
+      </p:sp>
+      <p:sp>
+        <p:nvSpPr>
+          <p:cNvPr id="4" name="Slide Number Placeholder 3"/>
+          <p:cNvSpPr>
+            <a:spLocks noGrp="1"/>
+          </p:cNvSpPr>
+          <p:nvPr>
+            <p:ph type="sldNum" sz="quarter" idx="12"/>
+          </p:nvPr>
+        </p:nvSpPr>
+        <p:spPr/>
+        <p:txBody>
+          <a:bodyPr/>
+          <a:lstStyle/>
+          <a:p>
+            <a:fld id="{524C641E-459D-4E41-BF05-7BD1DD7A8A9D}" type="slidenum">
+              <a:rPr lang="en-US" smtClean="0"/>
+              <a:t>5</a:t>
+            </a:fld>
+            <a:endParaRPr lang="en-US"/>
           </a:p>
         </p:txBody>
       </p:sp>
@@ -19177,38 +23275,60 @@
           <a:p>
             <a:r>
               <a:rPr lang="en-US" dirty="0" smtClean="0"/>
-              <a:t>Related code</a:t>
-            </a:r>
-          </a:p>
-          <a:p>
+              <a:t>Searches for </a:t>
+            </a:r>
+            <a:r>
+              <a:rPr lang="en-US" dirty="0"/>
+              <a:t>r</a:t>
+            </a:r>
             <a:r>
               <a:rPr lang="en-US" dirty="0" smtClean="0"/>
-              <a:t>MUST and MAY beliefs</a:t>
+              <a:t>elated code</a:t>
             </a:r>
           </a:p>
           <a:p>
             <a:r>
               <a:rPr lang="en-US" dirty="0" smtClean="0"/>
-              <a:t>Dataflow analysis</a:t>
+              <a:t>Determines specifications using MUST and MAY beliefs</a:t>
             </a:r>
           </a:p>
           <a:p>
             <a:r>
               <a:rPr lang="en-US" dirty="0" smtClean="0"/>
-              <a:t>Statistical analysis</a:t>
+              <a:t>Uses dataflow analysis in order to capture lock and unlock type sequences.</a:t>
             </a:r>
           </a:p>
           <a:p>
             <a:r>
               <a:rPr lang="en-US" dirty="0" smtClean="0"/>
-              <a:t>Types of bugs</a:t>
-            </a:r>
-          </a:p>
-          <a:p>
-            <a:endParaRPr lang="en-US" dirty="0" smtClean="0"/>
+              <a:t>Statistical analysis to filter out false positives</a:t>
+            </a:r>
           </a:p>
           <a:p>
             <a:endParaRPr lang="en-US" dirty="0"/>
+          </a:p>
+        </p:txBody>
+      </p:sp>
+      <p:sp>
+        <p:nvSpPr>
+          <p:cNvPr id="4" name="Slide Number Placeholder 3"/>
+          <p:cNvSpPr>
+            <a:spLocks noGrp="1"/>
+          </p:cNvSpPr>
+          <p:nvPr>
+            <p:ph type="sldNum" sz="quarter" idx="12"/>
+          </p:nvPr>
+        </p:nvSpPr>
+        <p:spPr/>
+        <p:txBody>
+          <a:bodyPr/>
+          <a:lstStyle/>
+          <a:p>
+            <a:fld id="{524C641E-459D-4E41-BF05-7BD1DD7A8A9D}" type="slidenum">
+              <a:rPr lang="en-US" smtClean="0"/>
+              <a:t>6</a:t>
+            </a:fld>
+            <a:endParaRPr lang="en-US"/>
           </a:p>
         </p:txBody>
       </p:sp>
@@ -19293,32 +23413,219 @@
           <a:p>
             <a:r>
               <a:rPr lang="en-US" dirty="0" smtClean="0"/>
-              <a:t>Detectors</a:t>
+              <a:t>Uses “Detectors” that find pattern matches to the input specification</a:t>
             </a:r>
           </a:p>
           <a:p>
             <a:r>
               <a:rPr lang="en-US" dirty="0" smtClean="0"/>
-              <a:t>Dataflow analysis</a:t>
+              <a:t>Dataflow analysis to find more complicated bugs like lock and unlock</a:t>
             </a:r>
           </a:p>
           <a:p>
             <a:r>
               <a:rPr lang="en-US" dirty="0" smtClean="0"/>
-              <a:t>Statistical analysis</a:t>
-            </a:r>
-          </a:p>
+              <a:t>Statistical analysis to filter out false positives</a:t>
+            </a:r>
+          </a:p>
+          <a:p>
+            <a:endParaRPr lang="en-US" dirty="0"/>
+          </a:p>
+        </p:txBody>
+      </p:sp>
+      <p:sp>
+        <p:nvSpPr>
+          <p:cNvPr id="4" name="Slide Number Placeholder 3"/>
+          <p:cNvSpPr>
+            <a:spLocks noGrp="1"/>
+          </p:cNvSpPr>
+          <p:nvPr>
+            <p:ph type="sldNum" sz="quarter" idx="12"/>
+          </p:nvPr>
+        </p:nvSpPr>
+        <p:spPr/>
+        <p:txBody>
+          <a:bodyPr/>
+          <a:lstStyle/>
+          <a:p>
+            <a:fld id="{524C641E-459D-4E41-BF05-7BD1DD7A8A9D}" type="slidenum">
+              <a:rPr lang="en-US" smtClean="0"/>
+              <a:t>7</a:t>
+            </a:fld>
+            <a:endParaRPr lang="en-US"/>
+          </a:p>
+        </p:txBody>
+      </p:sp>
+      <p:sp>
+        <p:nvSpPr>
+          <p:cNvPr id="5" name="TextBox 4"/>
+          <p:cNvSpPr txBox="1"/>
+          <p:nvPr/>
+        </p:nvSpPr>
+        <p:spPr>
+          <a:xfrm>
+            <a:off x="1123405" y="3762103"/>
+            <a:ext cx="3866605" cy="1200329"/>
+          </a:xfrm>
+          <a:prstGeom prst="rect">
+            <a:avLst/>
+          </a:prstGeom>
+          <a:noFill/>
+        </p:spPr>
+        <p:txBody>
+          <a:bodyPr wrap="square" rtlCol="0">
+            <a:spAutoFit/>
+          </a:bodyPr>
+          <a:lstStyle/>
+          <a:p>
+            <a:r>
+              <a:rPr lang="en-US" b="1" dirty="0" smtClean="0"/>
+              <a:t>            </a:t>
+            </a:r>
+            <a:r>
+              <a:rPr lang="en-US" i="1" dirty="0" smtClean="0"/>
+              <a:t>Example A:</a:t>
+            </a:r>
+            <a:endParaRPr lang="en-US" b="1" dirty="0" smtClean="0"/>
+          </a:p>
+          <a:p>
+            <a:r>
+              <a:rPr lang="en-US" b="1" dirty="0" smtClean="0">
+                <a:latin typeface="Consolas" charset="0"/>
+                <a:ea typeface="Consolas" charset="0"/>
+                <a:cs typeface="Consolas" charset="0"/>
+              </a:rPr>
+              <a:t>public</a:t>
+            </a:r>
+            <a:r>
+              <a:rPr lang="en-US" dirty="0" smtClean="0">
+                <a:latin typeface="Consolas" charset="0"/>
+                <a:ea typeface="Consolas" charset="0"/>
+                <a:cs typeface="Consolas" charset="0"/>
+              </a:rPr>
+              <a:t> String </a:t>
+            </a:r>
+            <a:r>
+              <a:rPr lang="en-US" dirty="0" err="1" smtClean="0">
+                <a:latin typeface="Consolas" charset="0"/>
+                <a:ea typeface="Consolas" charset="0"/>
+                <a:cs typeface="Consolas" charset="0"/>
+              </a:rPr>
+              <a:t>foundType</a:t>
+            </a:r>
+            <a:r>
+              <a:rPr lang="en-US" dirty="0" smtClean="0">
+                <a:latin typeface="Consolas" charset="0"/>
+                <a:ea typeface="Consolas" charset="0"/>
+                <a:cs typeface="Consolas" charset="0"/>
+              </a:rPr>
+              <a:t>() {</a:t>
+            </a:r>
+          </a:p>
+          <a:p>
+            <a:r>
+              <a:rPr lang="en-US" dirty="0">
+                <a:latin typeface="Consolas" charset="0"/>
+                <a:ea typeface="Consolas" charset="0"/>
+                <a:cs typeface="Consolas" charset="0"/>
+              </a:rPr>
+              <a:t> </a:t>
+            </a:r>
+            <a:r>
+              <a:rPr lang="en-US" dirty="0" smtClean="0">
+                <a:latin typeface="Consolas" charset="0"/>
+                <a:ea typeface="Consolas" charset="0"/>
+                <a:cs typeface="Consolas" charset="0"/>
+              </a:rPr>
+              <a:t>   return </a:t>
+            </a:r>
+            <a:r>
+              <a:rPr lang="en-US" dirty="0" err="1" smtClean="0">
+                <a:latin typeface="Consolas" charset="0"/>
+                <a:ea typeface="Consolas" charset="0"/>
+                <a:cs typeface="Consolas" charset="0"/>
+              </a:rPr>
+              <a:t>this.foundType</a:t>
+            </a:r>
+            <a:r>
+              <a:rPr lang="en-US" dirty="0" smtClean="0">
+                <a:latin typeface="Consolas" charset="0"/>
+                <a:ea typeface="Consolas" charset="0"/>
+                <a:cs typeface="Consolas" charset="0"/>
+              </a:rPr>
+              <a:t>();</a:t>
+            </a:r>
+          </a:p>
+          <a:p>
+            <a:r>
+              <a:rPr lang="en-US" dirty="0" smtClean="0">
+                <a:latin typeface="Consolas" charset="0"/>
+                <a:ea typeface="Consolas" charset="0"/>
+                <a:cs typeface="Consolas" charset="0"/>
+              </a:rPr>
+              <a:t>}</a:t>
+            </a:r>
+            <a:endParaRPr lang="en-US" dirty="0">
+              <a:latin typeface="Consolas" charset="0"/>
+              <a:ea typeface="Consolas" charset="0"/>
+              <a:cs typeface="Consolas" charset="0"/>
+            </a:endParaRPr>
+          </a:p>
+        </p:txBody>
+      </p:sp>
+      <p:sp>
+        <p:nvSpPr>
+          <p:cNvPr id="6" name="TextBox 5"/>
+          <p:cNvSpPr txBox="1"/>
+          <p:nvPr/>
+        </p:nvSpPr>
+        <p:spPr>
+          <a:xfrm>
+            <a:off x="5886995" y="3762103"/>
+            <a:ext cx="2926080" cy="646331"/>
+          </a:xfrm>
+          <a:prstGeom prst="rect">
+            <a:avLst/>
+          </a:prstGeom>
+          <a:noFill/>
+        </p:spPr>
+        <p:txBody>
+          <a:bodyPr wrap="square" rtlCol="0">
+            <a:spAutoFit/>
+          </a:bodyPr>
+          <a:lstStyle/>
           <a:p>
             <a:r>
               <a:rPr lang="en-US" dirty="0" smtClean="0"/>
-              <a:t>Types of bugs</a:t>
-            </a:r>
-          </a:p>
-          <a:p>
-            <a:endParaRPr lang="en-US" dirty="0" smtClean="0"/>
-          </a:p>
-          <a:p>
-            <a:endParaRPr lang="en-US" dirty="0"/>
+              <a:t>             </a:t>
+            </a:r>
+            <a:r>
+              <a:rPr lang="en-US" i="1" dirty="0" smtClean="0"/>
+              <a:t>Example B:</a:t>
+            </a:r>
+          </a:p>
+          <a:p>
+            <a:r>
+              <a:rPr lang="en-US" dirty="0" err="1" smtClean="0">
+                <a:latin typeface="Consolas" charset="0"/>
+                <a:ea typeface="Consolas" charset="0"/>
+                <a:cs typeface="Consolas" charset="0"/>
+              </a:rPr>
+              <a:t>s.toLowerCase</a:t>
+            </a:r>
+            <a:r>
+              <a:rPr lang="en-US" dirty="0" smtClean="0">
+                <a:latin typeface="Consolas" charset="0"/>
+                <a:ea typeface="Consolas" charset="0"/>
+                <a:cs typeface="Consolas" charset="0"/>
+              </a:rPr>
+              <a:t>()</a:t>
+            </a:r>
+            <a:endParaRPr lang="en-US" dirty="0">
+              <a:latin typeface="Consolas" charset="0"/>
+              <a:ea typeface="Consolas" charset="0"/>
+              <a:cs typeface="Consolas" charset="0"/>
+            </a:endParaRPr>
           </a:p>
         </p:txBody>
       </p:sp>
@@ -19369,11 +23676,17 @@
             <p:ph type="title"/>
           </p:nvPr>
         </p:nvSpPr>
-        <p:spPr/>
+        <p:spPr>
+          <a:xfrm>
+            <a:off x="731520" y="1574271"/>
+            <a:ext cx="11038114" cy="1293028"/>
+          </a:xfrm>
+        </p:spPr>
         <p:txBody>
           <a:bodyPr/>
           <a:lstStyle/>
           <a:p>
+            <a:pPr algn="ctr"/>
             <a:r>
               <a:rPr lang="en-US" dirty="0"/>
               <a:t>How to Help Users Write Correct Models?</a:t>
@@ -19393,7 +23706,7 @@
         </p:nvSpPr>
         <p:spPr>
           <a:xfrm>
-            <a:off x="3477538" y="2577187"/>
+            <a:off x="3526077" y="3491587"/>
             <a:ext cx="5236923" cy="1243252"/>
           </a:xfrm>
         </p:spPr>
@@ -19411,6 +23724,29 @@
               <a:t>Static Analysis</a:t>
             </a:r>
             <a:endParaRPr lang="en-US" sz="4000" dirty="0"/>
+          </a:p>
+        </p:txBody>
+      </p:sp>
+      <p:sp>
+        <p:nvSpPr>
+          <p:cNvPr id="4" name="Slide Number Placeholder 3"/>
+          <p:cNvSpPr>
+            <a:spLocks noGrp="1"/>
+          </p:cNvSpPr>
+          <p:nvPr>
+            <p:ph type="sldNum" sz="quarter" idx="12"/>
+          </p:nvPr>
+        </p:nvSpPr>
+        <p:spPr/>
+        <p:txBody>
+          <a:bodyPr/>
+          <a:lstStyle/>
+          <a:p>
+            <a:fld id="{524C641E-459D-4E41-BF05-7BD1DD7A8A9D}" type="slidenum">
+              <a:rPr lang="en-US" smtClean="0"/>
+              <a:t>8</a:t>
+            </a:fld>
+            <a:endParaRPr lang="en-US"/>
           </a:p>
         </p:txBody>
       </p:sp>
@@ -19427,9 +23763,138 @@
   <p:timing>
     <p:tnLst>
       <p:par>
-        <p:cTn id="1" dur="indefinite" restart="never" nodeType="tmRoot"/>
+        <p:cTn id="1" dur="indefinite" restart="never" nodeType="tmRoot">
+          <p:childTnLst>
+            <p:seq concurrent="1" nextAc="seek">
+              <p:cTn id="2" dur="indefinite" nodeType="mainSeq">
+                <p:childTnLst>
+                  <p:par>
+                    <p:cTn id="3" fill="hold">
+                      <p:stCondLst>
+                        <p:cond delay="indefinite"/>
+                      </p:stCondLst>
+                      <p:childTnLst>
+                        <p:par>
+                          <p:cTn id="4" fill="hold">
+                            <p:stCondLst>
+                              <p:cond delay="0"/>
+                            </p:stCondLst>
+                            <p:childTnLst>
+                              <p:par>
+                                <p:cTn id="5" presetID="2" presetClass="entr" presetSubtype="4" fill="hold" grpId="0" nodeType="clickEffect">
+                                  <p:stCondLst>
+                                    <p:cond delay="0"/>
+                                  </p:stCondLst>
+                                  <p:childTnLst>
+                                    <p:set>
+                                      <p:cBhvr>
+                                        <p:cTn id="6" dur="1" fill="hold">
+                                          <p:stCondLst>
+                                            <p:cond delay="0"/>
+                                          </p:stCondLst>
+                                        </p:cTn>
+                                        <p:tgtEl>
+                                          <p:spTgt spid="3">
+                                            <p:txEl>
+                                              <p:pRg st="0" end="0"/>
+                                            </p:txEl>
+                                          </p:spTgt>
+                                        </p:tgtEl>
+                                        <p:attrNameLst>
+                                          <p:attrName>style.visibility</p:attrName>
+                                        </p:attrNameLst>
+                                      </p:cBhvr>
+                                      <p:to>
+                                        <p:strVal val="visible"/>
+                                      </p:to>
+                                    </p:set>
+                                    <p:anim calcmode="lin" valueType="num">
+                                      <p:cBhvr additive="base">
+                                        <p:cTn id="7" dur="500" fill="hold"/>
+                                        <p:tgtEl>
+                                          <p:spTgt spid="3">
+                                            <p:txEl>
+                                              <p:pRg st="0" end="0"/>
+                                            </p:txEl>
+                                          </p:spTgt>
+                                        </p:tgtEl>
+                                        <p:attrNameLst>
+                                          <p:attrName>ppt_x</p:attrName>
+                                        </p:attrNameLst>
+                                      </p:cBhvr>
+                                      <p:tavLst>
+                                        <p:tav tm="0">
+                                          <p:val>
+                                            <p:strVal val="#ppt_x"/>
+                                          </p:val>
+                                        </p:tav>
+                                        <p:tav tm="100000">
+                                          <p:val>
+                                            <p:strVal val="#ppt_x"/>
+                                          </p:val>
+                                        </p:tav>
+                                      </p:tavLst>
+                                    </p:anim>
+                                    <p:anim calcmode="lin" valueType="num">
+                                      <p:cBhvr additive="base">
+                                        <p:cTn id="8" dur="500" fill="hold"/>
+                                        <p:tgtEl>
+                                          <p:spTgt spid="3">
+                                            <p:txEl>
+                                              <p:pRg st="0" end="0"/>
+                                            </p:txEl>
+                                          </p:spTgt>
+                                        </p:tgtEl>
+                                        <p:attrNameLst>
+                                          <p:attrName>ppt_y</p:attrName>
+                                        </p:attrNameLst>
+                                      </p:cBhvr>
+                                      <p:tavLst>
+                                        <p:tav tm="0">
+                                          <p:val>
+                                            <p:strVal val="1+#ppt_h/2"/>
+                                          </p:val>
+                                        </p:tav>
+                                        <p:tav tm="100000">
+                                          <p:val>
+                                            <p:strVal val="#ppt_y"/>
+                                          </p:val>
+                                        </p:tav>
+                                      </p:tavLst>
+                                    </p:anim>
+                                  </p:childTnLst>
+                                </p:cTn>
+                              </p:par>
+                            </p:childTnLst>
+                          </p:cTn>
+                        </p:par>
+                      </p:childTnLst>
+                    </p:cTn>
+                  </p:par>
+                </p:childTnLst>
+              </p:cTn>
+              <p:prevCondLst>
+                <p:cond evt="onPrev" delay="0">
+                  <p:tgtEl>
+                    <p:sldTgt/>
+                  </p:tgtEl>
+                </p:cond>
+              </p:prevCondLst>
+              <p:nextCondLst>
+                <p:cond evt="onNext" delay="0">
+                  <p:tgtEl>
+                    <p:sldTgt/>
+                  </p:tgtEl>
+                </p:cond>
+              </p:nextCondLst>
+            </p:seq>
+          </p:childTnLst>
+        </p:cTn>
       </p:par>
     </p:tnLst>
+    <p:bldLst>
+      <p:bldP spid="3" grpId="0" build="p"/>
+    </p:bldLst>
   </p:timing>
 </p:sld>
 </file>
@@ -19468,20 +23933,49 @@
           <a:p>
             <a:r>
               <a:rPr lang="en-US" dirty="0" smtClean="0"/>
-              <a:t>How Static Analysis Would Work in Clafer</a:t>
+              <a:t>Clafer Tool Chain</a:t>
             </a:r>
             <a:endParaRPr lang="en-US" dirty="0"/>
           </a:p>
         </p:txBody>
       </p:sp>
+      <p:pic>
+        <p:nvPicPr>
+          <p:cNvPr id="4" name="Content Placeholder 3"/>
+          <p:cNvPicPr>
+            <a:picLocks noGrp="1" noChangeAspect="1"/>
+          </p:cNvPicPr>
+          <p:nvPr>
+            <p:ph idx="1"/>
+          </p:nvPr>
+        </p:nvPicPr>
+        <p:blipFill>
+          <a:blip r:embed="rId3">
+            <a:extLst>
+              <a:ext uri="{28A0092B-C50C-407E-A947-70E740481C1C}">
+                <a14:useLocalDpi xmlns:a14="http://schemas.microsoft.com/office/drawing/2010/main" val="0"/>
+              </a:ext>
+            </a:extLst>
+          </a:blip>
+          <a:stretch>
+            <a:fillRect/>
+          </a:stretch>
+        </p:blipFill>
+        <p:spPr>
+          <a:xfrm>
+            <a:off x="834209" y="1410887"/>
+            <a:ext cx="7112000" cy="5334000"/>
+          </a:xfrm>
+        </p:spPr>
+      </p:pic>
       <p:sp>
         <p:nvSpPr>
-          <p:cNvPr id="3" name="Content Placeholder 2"/>
+          <p:cNvPr id="5" name="Slide Number Placeholder 4"/>
           <p:cNvSpPr>
             <a:spLocks noGrp="1"/>
           </p:cNvSpPr>
           <p:nvPr>
-            <p:ph idx="1"/>
+            <p:ph type="sldNum" sz="quarter" idx="12"/>
           </p:nvPr>
         </p:nvSpPr>
         <p:spPr/>
@@ -19489,150 +23983,18 @@
           <a:bodyPr/>
           <a:lstStyle/>
           <a:p>
-            <a:r>
-              <a:rPr lang="en-US" dirty="0" smtClean="0"/>
-              <a:t>Clafer models are made up of two main entities:</a:t>
-            </a:r>
-          </a:p>
-          <a:p>
-            <a:pPr lvl="1"/>
-            <a:r>
-              <a:rPr lang="en-US" i="1" dirty="0" err="1" smtClean="0"/>
-              <a:t>Clafers</a:t>
-            </a:r>
-            <a:endParaRPr lang="en-US" i="1" dirty="0" smtClean="0"/>
-          </a:p>
-          <a:p>
-            <a:pPr lvl="2"/>
-            <a:r>
-              <a:rPr lang="en-US" dirty="0" smtClean="0"/>
-              <a:t>Abstract – A </a:t>
-            </a:r>
-            <a:r>
-              <a:rPr lang="en-US" i="1" dirty="0" smtClean="0"/>
-              <a:t>type</a:t>
-            </a:r>
-            <a:r>
-              <a:rPr lang="en-US" dirty="0" smtClean="0"/>
-              <a:t> for a Clafer</a:t>
-            </a:r>
-          </a:p>
-          <a:p>
-            <a:pPr lvl="2"/>
-            <a:r>
-              <a:rPr lang="en-US" dirty="0" smtClean="0"/>
-              <a:t>Concrete – A Clafer that will produce a concrete instance</a:t>
-            </a:r>
-          </a:p>
-          <a:p>
-            <a:pPr lvl="1"/>
-            <a:r>
-              <a:rPr lang="en-US" i="1" dirty="0" smtClean="0"/>
-              <a:t>Constraints</a:t>
-            </a:r>
-            <a:endParaRPr lang="en-US" dirty="0" smtClean="0"/>
-          </a:p>
-          <a:p>
-            <a:pPr lvl="2"/>
-            <a:r>
-              <a:rPr lang="en-US" dirty="0" smtClean="0"/>
-              <a:t>These are given in square brackets</a:t>
-            </a:r>
-          </a:p>
-          <a:p>
-            <a:r>
-              <a:rPr lang="en-US" dirty="0" smtClean="0"/>
-              <a:t>Use explicit specifications to </a:t>
-            </a:r>
-            <a:r>
-              <a:rPr lang="en-US" i="1" dirty="0" smtClean="0"/>
-              <a:t>detect</a:t>
-            </a:r>
-            <a:r>
-              <a:rPr lang="en-US" dirty="0" smtClean="0"/>
-              <a:t> possible errors in the model.</a:t>
-            </a:r>
-          </a:p>
-          <a:p>
-            <a:endParaRPr lang="en-US" dirty="0"/>
-          </a:p>
-        </p:txBody>
-      </p:sp>
-      <p:sp>
-        <p:nvSpPr>
-          <p:cNvPr id="4" name="TextBox 3"/>
-          <p:cNvSpPr txBox="1"/>
-          <p:nvPr/>
-        </p:nvSpPr>
-        <p:spPr>
-          <a:xfrm>
-            <a:off x="8893479" y="1825625"/>
-            <a:ext cx="2460321" cy="1477328"/>
-          </a:xfrm>
-          <a:prstGeom prst="rect">
-            <a:avLst/>
-          </a:prstGeom>
-          <a:noFill/>
-        </p:spPr>
-        <p:txBody>
-          <a:bodyPr wrap="square" rtlCol="0">
-            <a:spAutoFit/>
-          </a:bodyPr>
-          <a:lstStyle/>
-          <a:p>
-            <a:r>
-              <a:rPr lang="en-US" b="1" dirty="0" smtClean="0"/>
-              <a:t>abstract </a:t>
-            </a:r>
-            <a:r>
-              <a:rPr lang="en-US" dirty="0" smtClean="0"/>
-              <a:t>Wheel</a:t>
-            </a:r>
-          </a:p>
-          <a:p>
-            <a:r>
-              <a:rPr lang="en-US" b="1" dirty="0"/>
-              <a:t> </a:t>
-            </a:r>
-            <a:r>
-              <a:rPr lang="en-US" b="1" dirty="0" smtClean="0"/>
-              <a:t>   </a:t>
-            </a:r>
-            <a:r>
-              <a:rPr lang="en-US" dirty="0" smtClean="0"/>
-              <a:t>radius -&gt; integer</a:t>
-            </a:r>
-          </a:p>
-          <a:p>
-            <a:endParaRPr lang="en-US" b="1" dirty="0"/>
-          </a:p>
-          <a:p>
-            <a:r>
-              <a:rPr lang="en-US" dirty="0" err="1" smtClean="0"/>
-              <a:t>frontWheel</a:t>
-            </a:r>
-            <a:r>
-              <a:rPr lang="en-US" dirty="0" smtClean="0"/>
-              <a:t> : Wheel</a:t>
-            </a:r>
-          </a:p>
-          <a:p>
-            <a:r>
-              <a:rPr lang="en-US" dirty="0"/>
-              <a:t> </a:t>
-            </a:r>
-            <a:r>
-              <a:rPr lang="en-US" dirty="0" smtClean="0"/>
-              <a:t>   [radius = 10]</a:t>
-            </a:r>
-            <a:endParaRPr lang="en-US" dirty="0"/>
+            <a:fld id="{524C641E-459D-4E41-BF05-7BD1DD7A8A9D}" type="slidenum">
+              <a:rPr lang="en-US" smtClean="0"/>
+              <a:t>9</a:t>
+            </a:fld>
+            <a:endParaRPr lang="en-US"/>
           </a:p>
         </p:txBody>
       </p:sp>
     </p:spTree>
     <p:extLst>
       <p:ext uri="{BB962C8B-B14F-4D97-AF65-F5344CB8AC3E}">
-        <p14:creationId xmlns:p14="http://schemas.microsoft.com/office/powerpoint/2010/main" val="1798027458"/>
+        <p14:creationId xmlns:p14="http://schemas.microsoft.com/office/powerpoint/2010/main" val="1586903190"/>
       </p:ext>
     </p:extLst>
   </p:cSld>
@@ -19650,6 +24012,276 @@
 </file>
 
 <file path=ppt/theme/theme1.xml><?xml version="1.0" encoding="utf-8"?>
+<a:theme xmlns:a="http://schemas.openxmlformats.org/drawingml/2006/main" name="Vapor Trail">
+  <a:themeElements>
+    <a:clrScheme name="Vapor Trail">
+      <a:dk1>
+        <a:sysClr val="windowText" lastClr="000000"/>
+      </a:dk1>
+      <a:lt1>
+        <a:sysClr val="window" lastClr="FFFFFF"/>
+      </a:lt1>
+      <a:dk2>
+        <a:srgbClr val="454545"/>
+      </a:dk2>
+      <a:lt2>
+        <a:srgbClr val="DADADA"/>
+      </a:lt2>
+      <a:accent1>
+        <a:srgbClr val="C4220D"/>
+      </a:accent1>
+      <a:accent2>
+        <a:srgbClr val="EB7712"/>
+      </a:accent2>
+      <a:accent3>
+        <a:srgbClr val="ECBD31"/>
+      </a:accent3>
+      <a:accent4>
+        <a:srgbClr val="92CE4A"/>
+      </a:accent4>
+      <a:accent5>
+        <a:srgbClr val="50CFB4"/>
+      </a:accent5>
+      <a:accent6>
+        <a:srgbClr val="0D8EC5"/>
+      </a:accent6>
+      <a:hlink>
+        <a:srgbClr val="EA5A0C"/>
+      </a:hlink>
+      <a:folHlink>
+        <a:srgbClr val="F09D3A"/>
+      </a:folHlink>
+    </a:clrScheme>
+    <a:fontScheme name="Vapor Trail">
+      <a:majorFont>
+        <a:latin typeface="Century Gothic" panose="020B0502020202020204"/>
+        <a:ea typeface=""/>
+        <a:cs typeface=""/>
+        <a:font script="Jpan" typeface="ＭＳ Ｐゴシック"/>
+        <a:font script="Hang" typeface="맑은 고딕"/>
+        <a:font script="Hans" typeface="宋体"/>
+        <a:font script="Hant" typeface="新細明體"/>
+        <a:font script="Arab" typeface="Times New Roman"/>
+        <a:font script="Hebr" typeface="Times New Roman"/>
+        <a:font script="Thai" typeface="Angsana New"/>
+        <a:font script="Ethi" typeface="Nyala"/>
+        <a:font script="Beng" typeface="Vrinda"/>
+        <a:font script="Gujr" typeface="Shruti"/>
+        <a:font script="Khmr" typeface="MoolBoran"/>
+        <a:font script="Knda" typeface="Tunga"/>
+        <a:font script="Guru" typeface="Raavi"/>
+        <a:font script="Cans" typeface="Euphemia"/>
+        <a:font script="Cher" typeface="Plantagenet Cherokee"/>
+        <a:font script="Yiii" typeface="Microsoft Yi Baiti"/>
+        <a:font script="Tibt" typeface="Microsoft Himalaya"/>
+        <a:font script="Thaa" typeface="MV Boli"/>
+        <a:font script="Deva" typeface="Mangal"/>
+        <a:font script="Telu" typeface="Gautami"/>
+        <a:font script="Taml" typeface="Latha"/>
+        <a:font script="Syrc" typeface="Estrangelo Edessa"/>
+        <a:font script="Orya" typeface="Kalinga"/>
+        <a:font script="Mlym" typeface="Kartika"/>
+        <a:font script="Laoo" typeface="DokChampa"/>
+        <a:font script="Sinh" typeface="Iskoola Pota"/>
+        <a:font script="Mong" typeface="Mongolian Baiti"/>
+        <a:font script="Viet" typeface="Times New Roman"/>
+        <a:font script="Uigh" typeface="Microsoft Uighur"/>
+        <a:font script="Geor" typeface="Sylfaen"/>
+      </a:majorFont>
+      <a:minorFont>
+        <a:latin typeface="Century Gothic" panose="020B0502020202020204"/>
+        <a:ea typeface=""/>
+        <a:cs typeface=""/>
+        <a:font script="Jpan" typeface="ＭＳ Ｐゴシック"/>
+        <a:font script="Hang" typeface="맑은 고딕"/>
+        <a:font script="Hans" typeface="宋体"/>
+        <a:font script="Hant" typeface="新細明體"/>
+        <a:font script="Arab" typeface="Arial"/>
+        <a:font script="Hebr" typeface="Arial"/>
+        <a:font script="Thai" typeface="Cordia New"/>
+        <a:font script="Ethi" typeface="Nyala"/>
+        <a:font script="Beng" typeface="Vrinda"/>
+        <a:font script="Gujr" typeface="Shruti"/>
+        <a:font script="Khmr" typeface="DaunPenh"/>
+        <a:font script="Knda" typeface="Tunga"/>
+        <a:font script="Guru" typeface="Raavi"/>
+        <a:font script="Cans" typeface="Euphemia"/>
+        <a:font script="Cher" typeface="Plantagenet Cherokee"/>
+        <a:font script="Yiii" typeface="Microsoft Yi Baiti"/>
+        <a:font script="Tibt" typeface="Microsoft Himalaya"/>
+        <a:font script="Thaa" typeface="MV Boli"/>
+        <a:font script="Deva" typeface="Mangal"/>
+        <a:font script="Telu" typeface="Gautami"/>
+        <a:font script="Taml" typeface="Latha"/>
+        <a:font script="Syrc" typeface="Estrangelo Edessa"/>
+        <a:font script="Orya" typeface="Kalinga"/>
+        <a:font script="Mlym" typeface="Kartika"/>
+        <a:font script="Laoo" typeface="DokChampa"/>
+        <a:font script="Sinh" typeface="Iskoola Pota"/>
+        <a:font script="Mong" typeface="Mongolian Baiti"/>
+        <a:font script="Viet" typeface="Arial"/>
+        <a:font script="Uigh" typeface="Microsoft Uighur"/>
+        <a:font script="Geor" typeface="Sylfaen"/>
+      </a:minorFont>
+    </a:fontScheme>
+    <a:fmtScheme name="Vapor Trail">
+      <a:fillStyleLst>
+        <a:solidFill>
+          <a:schemeClr val="phClr"/>
+        </a:solidFill>
+        <a:gradFill rotWithShape="1">
+          <a:gsLst>
+            <a:gs pos="0">
+              <a:schemeClr val="phClr">
+                <a:tint val="69000"/>
+                <a:alpha val="100000"/>
+                <a:satMod val="109000"/>
+                <a:lumMod val="110000"/>
+              </a:schemeClr>
+            </a:gs>
+            <a:gs pos="52000">
+              <a:schemeClr val="phClr">
+                <a:tint val="74000"/>
+                <a:satMod val="100000"/>
+                <a:lumMod val="104000"/>
+              </a:schemeClr>
+            </a:gs>
+            <a:gs pos="100000">
+              <a:schemeClr val="phClr">
+                <a:tint val="78000"/>
+                <a:satMod val="100000"/>
+                <a:lumMod val="100000"/>
+              </a:schemeClr>
+            </a:gs>
+          </a:gsLst>
+          <a:lin ang="5400000" scaled="0"/>
+        </a:gradFill>
+        <a:gradFill rotWithShape="1">
+          <a:gsLst>
+            <a:gs pos="0">
+              <a:schemeClr val="phClr">
+                <a:tint val="96000"/>
+                <a:satMod val="100000"/>
+                <a:lumMod val="104000"/>
+              </a:schemeClr>
+            </a:gs>
+            <a:gs pos="78000">
+              <a:schemeClr val="phClr">
+                <a:shade val="100000"/>
+                <a:satMod val="110000"/>
+                <a:lumMod val="100000"/>
+              </a:schemeClr>
+            </a:gs>
+          </a:gsLst>
+          <a:lin ang="5400000" scaled="0"/>
+        </a:gradFill>
+      </a:fillStyleLst>
+      <a:lnStyleLst>
+        <a:ln w="9525" cap="flat" cmpd="sng" algn="ctr">
+          <a:solidFill>
+            <a:schemeClr val="phClr"/>
+          </a:solidFill>
+          <a:prstDash val="solid"/>
+        </a:ln>
+        <a:ln w="12700" cap="flat" cmpd="sng" algn="ctr">
+          <a:solidFill>
+            <a:schemeClr val="phClr"/>
+          </a:solidFill>
+          <a:prstDash val="solid"/>
+        </a:ln>
+        <a:ln w="19050" cap="flat" cmpd="sng" algn="ctr">
+          <a:solidFill>
+            <a:schemeClr val="phClr"/>
+          </a:solidFill>
+          <a:prstDash val="solid"/>
+        </a:ln>
+      </a:lnStyleLst>
+      <a:effectStyleLst>
+        <a:effectStyle>
+          <a:effectLst/>
+        </a:effectStyle>
+        <a:effectStyle>
+          <a:effectLst/>
+          <a:scene3d>
+            <a:camera prst="orthographicFront">
+              <a:rot lat="0" lon="0" rev="0"/>
+            </a:camera>
+            <a:lightRig rig="threePt" dir="t"/>
+          </a:scene3d>
+          <a:sp3d>
+            <a:bevelT w="25400" h="12700"/>
+          </a:sp3d>
+        </a:effectStyle>
+        <a:effectStyle>
+          <a:effectLst>
+            <a:outerShdw blurRad="57150" dist="19050" dir="5400000" algn="ctr" rotWithShape="0">
+              <a:srgbClr val="000000">
+                <a:alpha val="48000"/>
+              </a:srgbClr>
+            </a:outerShdw>
+          </a:effectLst>
+          <a:scene3d>
+            <a:camera prst="orthographicFront">
+              <a:rot lat="0" lon="0" rev="0"/>
+            </a:camera>
+            <a:lightRig rig="threePt" dir="t"/>
+          </a:scene3d>
+          <a:sp3d>
+            <a:bevelT w="50800" h="25400"/>
+          </a:sp3d>
+        </a:effectStyle>
+      </a:effectStyleLst>
+      <a:bgFillStyleLst>
+        <a:solidFill>
+          <a:schemeClr val="phClr"/>
+        </a:solidFill>
+        <a:solidFill>
+          <a:schemeClr val="phClr">
+            <a:tint val="95000"/>
+            <a:satMod val="170000"/>
+          </a:schemeClr>
+        </a:solidFill>
+        <a:gradFill rotWithShape="1">
+          <a:gsLst>
+            <a:gs pos="0">
+              <a:schemeClr val="phClr">
+                <a:tint val="93000"/>
+                <a:shade val="98000"/>
+                <a:satMod val="150000"/>
+                <a:lumMod val="102000"/>
+              </a:schemeClr>
+            </a:gs>
+            <a:gs pos="50000">
+              <a:schemeClr val="phClr">
+                <a:tint val="98000"/>
+                <a:shade val="90000"/>
+                <a:satMod val="130000"/>
+                <a:lumMod val="103000"/>
+              </a:schemeClr>
+            </a:gs>
+            <a:gs pos="100000">
+              <a:schemeClr val="phClr">
+                <a:shade val="63000"/>
+                <a:satMod val="120000"/>
+              </a:schemeClr>
+            </a:gs>
+          </a:gsLst>
+          <a:lin ang="5400000" scaled="0"/>
+        </a:gradFill>
+      </a:bgFillStyleLst>
+    </a:fmtScheme>
+  </a:themeElements>
+  <a:objectDefaults/>
+  <a:extraClrSchemeLst/>
+  <a:extLst>
+    <a:ext uri="{05A4C25C-085E-4340-85A3-A5531E510DB2}">
+      <thm15:themeFamily xmlns:thm15="http://schemas.microsoft.com/office/thememl/2012/main" name="Vapor Trail" id="{4FDF2955-7D9C-493C-B9F9-C205151B46CD}" vid="{FE1EB5C7-81A8-4CBA-AE6E-B3BF73DC3895}"/>
+    </a:ext>
+  </a:extLst>
+</a:theme>
+</file>
+
+<file path=ppt/theme/theme2.xml><?xml version="1.0" encoding="utf-8"?>
 <a:theme xmlns:a="http://schemas.openxmlformats.org/drawingml/2006/main" name="Office Theme">
   <a:themeElements>
     <a:clrScheme name="Office">
